--- a/chap2_Python/img/img.pptx
+++ b/chap2_Python/img/img.pptx
@@ -9,7 +9,8 @@
     <p:sldId id="257" r:id="rId3"/>
     <p:sldId id="259" r:id="rId4"/>
     <p:sldId id="258" r:id="rId5"/>
-    <p:sldId id="260" r:id="rId6"/>
+    <p:sldId id="261" r:id="rId6"/>
+    <p:sldId id="260" r:id="rId7"/>
   </p:sldIdLst>
   <p:sldSz cx="12192000" cy="6858000"/>
   <p:notesSz cx="6858000" cy="9144000"/>
@@ -111,7 +112,7 @@
   <p:extLst>
     <p:ext uri="{EFAFB233-063F-42B5-8137-9DF3F51BA10A}">
       <p15:sldGuideLst xmlns:p15="http://schemas.microsoft.com/office/powerpoint/2012/main">
-        <p15:guide id="1" orient="horz" pos="3566" userDrawn="1">
+        <p15:guide id="1" orient="horz" pos="3521" userDrawn="1">
           <p15:clr>
             <a:srgbClr val="A4A3A4"/>
           </p15:clr>
@@ -6231,6 +6232,995 @@
       </p:grpSpPr>
       <p:pic>
         <p:nvPicPr>
+          <p:cNvPr id="3" name="図 2" descr="地図 が含まれている画像&#10;&#10;自動的に生成された説明">
+            <a:extLst>
+              <a:ext uri="{FF2B5EF4-FFF2-40B4-BE49-F238E27FC236}">
+                <a16:creationId xmlns:a16="http://schemas.microsoft.com/office/drawing/2014/main" id="{DFAA0A54-C8CF-2845-847A-5427929E557F}"/>
+              </a:ext>
+            </a:extLst>
+          </p:cNvPr>
+          <p:cNvPicPr>
+            <a:picLocks noChangeAspect="1"/>
+          </p:cNvPicPr>
+          <p:nvPr/>
+        </p:nvPicPr>
+        <p:blipFill>
+          <a:blip r:embed="rId2"/>
+          <a:stretch>
+            <a:fillRect/>
+          </a:stretch>
+        </p:blipFill>
+        <p:spPr>
+          <a:xfrm>
+            <a:off x="3048000" y="185057"/>
+            <a:ext cx="6096000" cy="4572000"/>
+          </a:xfrm>
+          <a:prstGeom prst="rect">
+            <a:avLst/>
+          </a:prstGeom>
+        </p:spPr>
+      </p:pic>
+      <p:cxnSp>
+        <p:nvCxnSpPr>
+          <p:cNvPr id="15" name="直線コネクタ 14">
+            <a:extLst>
+              <a:ext uri="{FF2B5EF4-FFF2-40B4-BE49-F238E27FC236}">
+                <a16:creationId xmlns:a16="http://schemas.microsoft.com/office/drawing/2014/main" id="{8DBE8C4C-2B34-F040-A963-BCEDB2A55CD9}"/>
+              </a:ext>
+            </a:extLst>
+          </p:cNvPr>
+          <p:cNvCxnSpPr>
+            <a:cxnSpLocks/>
+          </p:cNvCxnSpPr>
+          <p:nvPr/>
+        </p:nvCxnSpPr>
+        <p:spPr>
+          <a:xfrm>
+            <a:off x="6876863" y="4167051"/>
+            <a:ext cx="0" cy="222512"/>
+          </a:xfrm>
+          <a:prstGeom prst="line">
+            <a:avLst/>
+          </a:prstGeom>
+          <a:ln w="57150">
+            <a:solidFill>
+              <a:schemeClr val="tx1"/>
+            </a:solidFill>
+            <a:prstDash val="sysDot"/>
+          </a:ln>
+        </p:spPr>
+        <p:style>
+          <a:lnRef idx="1">
+            <a:schemeClr val="accent1"/>
+          </a:lnRef>
+          <a:fillRef idx="0">
+            <a:schemeClr val="accent1"/>
+          </a:fillRef>
+          <a:effectRef idx="0">
+            <a:schemeClr val="accent1"/>
+          </a:effectRef>
+          <a:fontRef idx="minor">
+            <a:schemeClr val="tx1"/>
+          </a:fontRef>
+        </p:style>
+      </p:cxnSp>
+      <p:cxnSp>
+        <p:nvCxnSpPr>
+          <p:cNvPr id="40" name="直線コネクタ 39">
+            <a:extLst>
+              <a:ext uri="{FF2B5EF4-FFF2-40B4-BE49-F238E27FC236}">
+                <a16:creationId xmlns:a16="http://schemas.microsoft.com/office/drawing/2014/main" id="{0E101EED-F30A-4B48-A462-76BF8E3C2BAF}"/>
+              </a:ext>
+            </a:extLst>
+          </p:cNvPr>
+          <p:cNvCxnSpPr>
+            <a:cxnSpLocks/>
+          </p:cNvCxnSpPr>
+          <p:nvPr/>
+        </p:nvCxnSpPr>
+        <p:spPr>
+          <a:xfrm>
+            <a:off x="4957122" y="3390935"/>
+            <a:ext cx="0" cy="967263"/>
+          </a:xfrm>
+          <a:prstGeom prst="line">
+            <a:avLst/>
+          </a:prstGeom>
+          <a:ln w="57150">
+            <a:solidFill>
+              <a:schemeClr val="tx1"/>
+            </a:solidFill>
+            <a:prstDash val="sysDot"/>
+          </a:ln>
+        </p:spPr>
+        <p:style>
+          <a:lnRef idx="1">
+            <a:schemeClr val="accent1"/>
+          </a:lnRef>
+          <a:fillRef idx="0">
+            <a:schemeClr val="accent1"/>
+          </a:fillRef>
+          <a:effectRef idx="0">
+            <a:schemeClr val="accent1"/>
+          </a:effectRef>
+          <a:fontRef idx="minor">
+            <a:schemeClr val="tx1"/>
+          </a:fontRef>
+        </p:style>
+      </p:cxnSp>
+      <p:sp>
+        <p:nvSpPr>
+          <p:cNvPr id="18" name="円/楕円 17">
+            <a:extLst>
+              <a:ext uri="{FF2B5EF4-FFF2-40B4-BE49-F238E27FC236}">
+                <a16:creationId xmlns:a16="http://schemas.microsoft.com/office/drawing/2014/main" id="{8ED620D4-50EA-C14B-9E2F-26D58E3B0FDD}"/>
+              </a:ext>
+            </a:extLst>
+          </p:cNvPr>
+          <p:cNvSpPr/>
+          <p:nvPr/>
+        </p:nvSpPr>
+        <p:spPr>
+          <a:xfrm>
+            <a:off x="6822434" y="4332990"/>
+            <a:ext cx="108857" cy="119743"/>
+          </a:xfrm>
+          <a:prstGeom prst="ellipse">
+            <a:avLst/>
+          </a:prstGeom>
+        </p:spPr>
+        <p:style>
+          <a:lnRef idx="2">
+            <a:schemeClr val="accent1">
+              <a:shade val="50000"/>
+            </a:schemeClr>
+          </a:lnRef>
+          <a:fillRef idx="1">
+            <a:schemeClr val="accent1"/>
+          </a:fillRef>
+          <a:effectRef idx="0">
+            <a:schemeClr val="accent1"/>
+          </a:effectRef>
+          <a:fontRef idx="minor">
+            <a:schemeClr val="lt1"/>
+          </a:fontRef>
+        </p:style>
+        <p:txBody>
+          <a:bodyPr rtlCol="0" anchor="ctr"/>
+          <a:lstStyle/>
+          <a:p>
+            <a:pPr algn="ctr"/>
+            <a:endParaRPr kumimoji="1" lang="ja-JP" altLang="en-US"/>
+          </a:p>
+        </p:txBody>
+      </p:sp>
+      <p:sp>
+        <p:nvSpPr>
+          <p:cNvPr id="43" name="円/楕円 42">
+            <a:extLst>
+              <a:ext uri="{FF2B5EF4-FFF2-40B4-BE49-F238E27FC236}">
+                <a16:creationId xmlns:a16="http://schemas.microsoft.com/office/drawing/2014/main" id="{5D4639EB-2890-864C-88F5-289E4A69470E}"/>
+              </a:ext>
+            </a:extLst>
+          </p:cNvPr>
+          <p:cNvSpPr/>
+          <p:nvPr/>
+        </p:nvSpPr>
+        <p:spPr>
+          <a:xfrm>
+            <a:off x="4913038" y="4300444"/>
+            <a:ext cx="108857" cy="119743"/>
+          </a:xfrm>
+          <a:prstGeom prst="ellipse">
+            <a:avLst/>
+          </a:prstGeom>
+        </p:spPr>
+        <p:style>
+          <a:lnRef idx="2">
+            <a:schemeClr val="accent1">
+              <a:shade val="50000"/>
+            </a:schemeClr>
+          </a:lnRef>
+          <a:fillRef idx="1">
+            <a:schemeClr val="accent1"/>
+          </a:fillRef>
+          <a:effectRef idx="0">
+            <a:schemeClr val="accent1"/>
+          </a:effectRef>
+          <a:fontRef idx="minor">
+            <a:schemeClr val="lt1"/>
+          </a:fontRef>
+        </p:style>
+        <p:txBody>
+          <a:bodyPr rtlCol="0" anchor="ctr"/>
+          <a:lstStyle/>
+          <a:p>
+            <a:pPr algn="ctr"/>
+            <a:endParaRPr kumimoji="1" lang="ja-JP" altLang="en-US"/>
+          </a:p>
+        </p:txBody>
+      </p:sp>
+      <p:sp>
+        <p:nvSpPr>
+          <p:cNvPr id="17" name="円/楕円 16">
+            <a:extLst>
+              <a:ext uri="{FF2B5EF4-FFF2-40B4-BE49-F238E27FC236}">
+                <a16:creationId xmlns:a16="http://schemas.microsoft.com/office/drawing/2014/main" id="{D90BFC41-BE5E-684C-8B35-9AEA8824F555}"/>
+              </a:ext>
+            </a:extLst>
+          </p:cNvPr>
+          <p:cNvSpPr/>
+          <p:nvPr/>
+        </p:nvSpPr>
+        <p:spPr>
+          <a:xfrm>
+            <a:off x="6150583" y="4330907"/>
+            <a:ext cx="108857" cy="119743"/>
+          </a:xfrm>
+          <a:prstGeom prst="ellipse">
+            <a:avLst/>
+          </a:prstGeom>
+          <a:solidFill>
+            <a:srgbClr val="C00000"/>
+          </a:solidFill>
+          <a:ln>
+            <a:solidFill>
+              <a:srgbClr val="FF0000"/>
+            </a:solidFill>
+          </a:ln>
+        </p:spPr>
+        <p:style>
+          <a:lnRef idx="2">
+            <a:schemeClr val="accent1">
+              <a:shade val="50000"/>
+            </a:schemeClr>
+          </a:lnRef>
+          <a:fillRef idx="1">
+            <a:schemeClr val="accent1"/>
+          </a:fillRef>
+          <a:effectRef idx="0">
+            <a:schemeClr val="accent1"/>
+          </a:effectRef>
+          <a:fontRef idx="minor">
+            <a:schemeClr val="lt1"/>
+          </a:fontRef>
+        </p:style>
+        <p:txBody>
+          <a:bodyPr rtlCol="0" anchor="ctr"/>
+          <a:lstStyle/>
+          <a:p>
+            <a:pPr algn="ctr"/>
+            <a:endParaRPr kumimoji="1" lang="ja-JP" altLang="en-US"/>
+          </a:p>
+        </p:txBody>
+      </p:sp>
+      <p:sp>
+        <p:nvSpPr>
+          <p:cNvPr id="20" name="テキスト ボックス 19">
+            <a:extLst>
+              <a:ext uri="{FF2B5EF4-FFF2-40B4-BE49-F238E27FC236}">
+                <a16:creationId xmlns:a16="http://schemas.microsoft.com/office/drawing/2014/main" id="{08D4AC1A-7CD5-AB41-9BF7-A0E9187B4804}"/>
+              </a:ext>
+            </a:extLst>
+          </p:cNvPr>
+          <p:cNvSpPr txBox="1"/>
+          <p:nvPr/>
+        </p:nvSpPr>
+        <p:spPr>
+          <a:xfrm>
+            <a:off x="5796824" y="4690313"/>
+            <a:ext cx="877163" cy="369332"/>
+          </a:xfrm>
+          <a:prstGeom prst="rect">
+            <a:avLst/>
+          </a:prstGeom>
+          <a:noFill/>
+        </p:spPr>
+        <p:txBody>
+          <a:bodyPr wrap="none" rtlCol="0">
+            <a:spAutoFit/>
+          </a:bodyPr>
+          <a:lstStyle/>
+          <a:p>
+            <a:r>
+              <a:rPr kumimoji="1" lang="ja-JP" altLang="en-US" i="1">
+                <a:latin typeface="Times New Roman" panose="02020603050405020304" pitchFamily="18" charset="0"/>
+                <a:ea typeface="Meiryo" panose="020B0604030504040204" pitchFamily="34" charset="-128"/>
+                <a:cs typeface="Times New Roman" panose="02020603050405020304" pitchFamily="18" charset="0"/>
+              </a:rPr>
+              <a:t>極小値</a:t>
+            </a:r>
+            <a:endParaRPr kumimoji="1" lang="en-US" altLang="ja-JP" i="1" dirty="0">
+              <a:latin typeface="Times New Roman" panose="02020603050405020304" pitchFamily="18" charset="0"/>
+              <a:ea typeface="Meiryo" panose="020B0604030504040204" pitchFamily="34" charset="-128"/>
+              <a:cs typeface="Times New Roman" panose="02020603050405020304" pitchFamily="18" charset="0"/>
+            </a:endParaRPr>
+          </a:p>
+        </p:txBody>
+      </p:sp>
+      <p:cxnSp>
+        <p:nvCxnSpPr>
+          <p:cNvPr id="26" name="直線コネクタ 25">
+            <a:extLst>
+              <a:ext uri="{FF2B5EF4-FFF2-40B4-BE49-F238E27FC236}">
+                <a16:creationId xmlns:a16="http://schemas.microsoft.com/office/drawing/2014/main" id="{929ADD27-AD6E-5C46-87E5-EFF60B930844}"/>
+              </a:ext>
+            </a:extLst>
+          </p:cNvPr>
+          <p:cNvCxnSpPr>
+            <a:cxnSpLocks/>
+          </p:cNvCxnSpPr>
+          <p:nvPr/>
+        </p:nvCxnSpPr>
+        <p:spPr>
+          <a:xfrm>
+            <a:off x="6214218" y="419100"/>
+            <a:ext cx="0" cy="3883224"/>
+          </a:xfrm>
+          <a:prstGeom prst="line">
+            <a:avLst/>
+          </a:prstGeom>
+          <a:ln w="57150">
+            <a:solidFill>
+              <a:srgbClr val="FFC000"/>
+            </a:solidFill>
+            <a:prstDash val="solid"/>
+          </a:ln>
+        </p:spPr>
+        <p:style>
+          <a:lnRef idx="1">
+            <a:schemeClr val="accent1"/>
+          </a:lnRef>
+          <a:fillRef idx="0">
+            <a:schemeClr val="accent1"/>
+          </a:fillRef>
+          <a:effectRef idx="0">
+            <a:schemeClr val="accent1"/>
+          </a:effectRef>
+          <a:fontRef idx="minor">
+            <a:schemeClr val="tx1"/>
+          </a:fontRef>
+        </p:style>
+      </p:cxnSp>
+      <p:sp>
+        <p:nvSpPr>
+          <p:cNvPr id="29" name="テキスト ボックス 28">
+            <a:extLst>
+              <a:ext uri="{FF2B5EF4-FFF2-40B4-BE49-F238E27FC236}">
+                <a16:creationId xmlns:a16="http://schemas.microsoft.com/office/drawing/2014/main" id="{46ED5240-F39B-B945-B198-975D9ED4B56F}"/>
+              </a:ext>
+            </a:extLst>
+          </p:cNvPr>
+          <p:cNvSpPr txBox="1"/>
+          <p:nvPr/>
+        </p:nvSpPr>
+        <p:spPr>
+          <a:xfrm>
+            <a:off x="4402049" y="671522"/>
+            <a:ext cx="3647152" cy="646331"/>
+          </a:xfrm>
+          <a:prstGeom prst="rect">
+            <a:avLst/>
+          </a:prstGeom>
+          <a:solidFill>
+            <a:schemeClr val="bg1"/>
+          </a:solidFill>
+          <a:ln>
+            <a:solidFill>
+              <a:schemeClr val="tx1"/>
+            </a:solidFill>
+          </a:ln>
+        </p:spPr>
+        <p:txBody>
+          <a:bodyPr wrap="none" rtlCol="0">
+            <a:spAutoFit/>
+          </a:bodyPr>
+          <a:lstStyle/>
+          <a:p>
+            <a:r>
+              <a:rPr lang="ja-JP" altLang="en-US">
+                <a:latin typeface="Meiryo" panose="020B0604030504040204" pitchFamily="34" charset="-128"/>
+                <a:ea typeface="Meiryo" panose="020B0604030504040204" pitchFamily="34" charset="-128"/>
+              </a:rPr>
+              <a:t>修正量が大きすぎると発散する．</a:t>
+            </a:r>
+            <a:endParaRPr lang="en-US" altLang="ja-JP" dirty="0">
+              <a:latin typeface="Meiryo" panose="020B0604030504040204" pitchFamily="34" charset="-128"/>
+              <a:ea typeface="Meiryo" panose="020B0604030504040204" pitchFamily="34" charset="-128"/>
+            </a:endParaRPr>
+          </a:p>
+          <a:p>
+            <a:r>
+              <a:rPr kumimoji="1" lang="ja-JP" altLang="en-US">
+                <a:latin typeface="Meiryo" panose="020B0604030504040204" pitchFamily="34" charset="-128"/>
+                <a:ea typeface="Meiryo" panose="020B0604030504040204" pitchFamily="34" charset="-128"/>
+              </a:rPr>
+              <a:t>学習係数</a:t>
+            </a:r>
+            <a:r>
+              <a:rPr kumimoji="1" lang="en-US" altLang="ja-JP" dirty="0" err="1">
+                <a:latin typeface="Meiryo" panose="020B0604030504040204" pitchFamily="34" charset="-128"/>
+                <a:ea typeface="Meiryo" panose="020B0604030504040204" pitchFamily="34" charset="-128"/>
+              </a:rPr>
+              <a:t>η</a:t>
+            </a:r>
+            <a:r>
+              <a:rPr kumimoji="1" lang="ja-JP" altLang="en-US">
+                <a:latin typeface="Meiryo" panose="020B0604030504040204" pitchFamily="34" charset="-128"/>
+                <a:ea typeface="Meiryo" panose="020B0604030504040204" pitchFamily="34" charset="-128"/>
+              </a:rPr>
+              <a:t>で調節する．</a:t>
+            </a:r>
+          </a:p>
+        </p:txBody>
+      </p:sp>
+      <p:cxnSp>
+        <p:nvCxnSpPr>
+          <p:cNvPr id="24" name="直線コネクタ 23">
+            <a:extLst>
+              <a:ext uri="{FF2B5EF4-FFF2-40B4-BE49-F238E27FC236}">
+                <a16:creationId xmlns:a16="http://schemas.microsoft.com/office/drawing/2014/main" id="{D32277B2-696C-9948-A0A5-F0E88C4352CE}"/>
+              </a:ext>
+            </a:extLst>
+          </p:cNvPr>
+          <p:cNvCxnSpPr>
+            <a:cxnSpLocks/>
+          </p:cNvCxnSpPr>
+          <p:nvPr/>
+        </p:nvCxnSpPr>
+        <p:spPr>
+          <a:xfrm>
+            <a:off x="8730800" y="812800"/>
+            <a:ext cx="21546" cy="3601971"/>
+          </a:xfrm>
+          <a:prstGeom prst="line">
+            <a:avLst/>
+          </a:prstGeom>
+          <a:ln w="57150">
+            <a:solidFill>
+              <a:schemeClr val="tx1"/>
+            </a:solidFill>
+            <a:prstDash val="sysDot"/>
+          </a:ln>
+        </p:spPr>
+        <p:style>
+          <a:lnRef idx="1">
+            <a:schemeClr val="accent1"/>
+          </a:lnRef>
+          <a:fillRef idx="0">
+            <a:schemeClr val="accent1"/>
+          </a:fillRef>
+          <a:effectRef idx="0">
+            <a:schemeClr val="accent1"/>
+          </a:effectRef>
+          <a:fontRef idx="minor">
+            <a:schemeClr val="tx1"/>
+          </a:fontRef>
+        </p:style>
+      </p:cxnSp>
+      <p:sp>
+        <p:nvSpPr>
+          <p:cNvPr id="27" name="円/楕円 26">
+            <a:extLst>
+              <a:ext uri="{FF2B5EF4-FFF2-40B4-BE49-F238E27FC236}">
+                <a16:creationId xmlns:a16="http://schemas.microsoft.com/office/drawing/2014/main" id="{9ED75E46-931B-6440-8554-9F832334E8D0}"/>
+              </a:ext>
+            </a:extLst>
+          </p:cNvPr>
+          <p:cNvSpPr/>
+          <p:nvPr/>
+        </p:nvSpPr>
+        <p:spPr>
+          <a:xfrm>
+            <a:off x="8708262" y="4357017"/>
+            <a:ext cx="108857" cy="119743"/>
+          </a:xfrm>
+          <a:prstGeom prst="ellipse">
+            <a:avLst/>
+          </a:prstGeom>
+        </p:spPr>
+        <p:style>
+          <a:lnRef idx="2">
+            <a:schemeClr val="accent1">
+              <a:shade val="50000"/>
+            </a:schemeClr>
+          </a:lnRef>
+          <a:fillRef idx="1">
+            <a:schemeClr val="accent1"/>
+          </a:fillRef>
+          <a:effectRef idx="0">
+            <a:schemeClr val="accent1"/>
+          </a:effectRef>
+          <a:fontRef idx="minor">
+            <a:schemeClr val="lt1"/>
+          </a:fontRef>
+        </p:style>
+        <p:txBody>
+          <a:bodyPr rtlCol="0" anchor="ctr"/>
+          <a:lstStyle/>
+          <a:p>
+            <a:pPr algn="ctr"/>
+            <a:endParaRPr kumimoji="1" lang="ja-JP" altLang="en-US"/>
+          </a:p>
+        </p:txBody>
+      </p:sp>
+      <p:sp>
+        <p:nvSpPr>
+          <p:cNvPr id="28" name="テキスト ボックス 27">
+            <a:extLst>
+              <a:ext uri="{FF2B5EF4-FFF2-40B4-BE49-F238E27FC236}">
+                <a16:creationId xmlns:a16="http://schemas.microsoft.com/office/drawing/2014/main" id="{6F62E087-E9A7-0E4D-859E-0C97D39FC626}"/>
+              </a:ext>
+            </a:extLst>
+          </p:cNvPr>
+          <p:cNvSpPr txBox="1"/>
+          <p:nvPr/>
+        </p:nvSpPr>
+        <p:spPr>
+          <a:xfrm>
+            <a:off x="6759160" y="4670286"/>
+            <a:ext cx="463588" cy="523220"/>
+          </a:xfrm>
+          <a:prstGeom prst="rect">
+            <a:avLst/>
+          </a:prstGeom>
+          <a:noFill/>
+        </p:spPr>
+        <p:txBody>
+          <a:bodyPr wrap="none" rtlCol="0">
+            <a:spAutoFit/>
+          </a:bodyPr>
+          <a:lstStyle/>
+          <a:p>
+            <a:r>
+              <a:rPr kumimoji="1" lang="en-US" altLang="ja-JP" sz="2800" i="1" dirty="0">
+                <a:latin typeface="Times New Roman" panose="02020603050405020304" pitchFamily="18" charset="0"/>
+                <a:cs typeface="Times New Roman" panose="02020603050405020304" pitchFamily="18" charset="0"/>
+              </a:rPr>
+              <a:t>x</a:t>
+            </a:r>
+            <a:r>
+              <a:rPr kumimoji="1" lang="en-US" altLang="ja-JP" sz="2800" i="1" baseline="-25000" dirty="0">
+                <a:latin typeface="Times New Roman" panose="02020603050405020304" pitchFamily="18" charset="0"/>
+                <a:cs typeface="Times New Roman" panose="02020603050405020304" pitchFamily="18" charset="0"/>
+              </a:rPr>
+              <a:t>0</a:t>
+            </a:r>
+            <a:endParaRPr kumimoji="1" lang="ja-JP" altLang="en-US" sz="2800" i="1" baseline="-25000">
+              <a:latin typeface="Times New Roman" panose="02020603050405020304" pitchFamily="18" charset="0"/>
+              <a:cs typeface="Times New Roman" panose="02020603050405020304" pitchFamily="18" charset="0"/>
+            </a:endParaRPr>
+          </a:p>
+        </p:txBody>
+      </p:sp>
+      <p:sp>
+        <p:nvSpPr>
+          <p:cNvPr id="32" name="テキスト ボックス 31">
+            <a:extLst>
+              <a:ext uri="{FF2B5EF4-FFF2-40B4-BE49-F238E27FC236}">
+                <a16:creationId xmlns:a16="http://schemas.microsoft.com/office/drawing/2014/main" id="{158AB0BC-78D2-FF4C-9839-0FA0BBC8C636}"/>
+              </a:ext>
+            </a:extLst>
+          </p:cNvPr>
+          <p:cNvSpPr txBox="1"/>
+          <p:nvPr/>
+        </p:nvSpPr>
+        <p:spPr>
+          <a:xfrm>
+            <a:off x="4781435" y="4690203"/>
+            <a:ext cx="463588" cy="523220"/>
+          </a:xfrm>
+          <a:prstGeom prst="rect">
+            <a:avLst/>
+          </a:prstGeom>
+          <a:noFill/>
+        </p:spPr>
+        <p:txBody>
+          <a:bodyPr wrap="none" rtlCol="0">
+            <a:spAutoFit/>
+          </a:bodyPr>
+          <a:lstStyle/>
+          <a:p>
+            <a:r>
+              <a:rPr kumimoji="1" lang="en-US" altLang="ja-JP" sz="2800" i="1" dirty="0">
+                <a:latin typeface="Times New Roman" panose="02020603050405020304" pitchFamily="18" charset="0"/>
+                <a:cs typeface="Times New Roman" panose="02020603050405020304" pitchFamily="18" charset="0"/>
+              </a:rPr>
+              <a:t>x</a:t>
+            </a:r>
+            <a:r>
+              <a:rPr lang="en-US" altLang="ja-JP" sz="2800" i="1" baseline="-25000" dirty="0">
+                <a:latin typeface="Times New Roman" panose="02020603050405020304" pitchFamily="18" charset="0"/>
+                <a:cs typeface="Times New Roman" panose="02020603050405020304" pitchFamily="18" charset="0"/>
+              </a:rPr>
+              <a:t>1</a:t>
+            </a:r>
+            <a:endParaRPr kumimoji="1" lang="ja-JP" altLang="en-US" sz="2800" i="1" baseline="-25000">
+              <a:latin typeface="Times New Roman" panose="02020603050405020304" pitchFamily="18" charset="0"/>
+              <a:cs typeface="Times New Roman" panose="02020603050405020304" pitchFamily="18" charset="0"/>
+            </a:endParaRPr>
+          </a:p>
+        </p:txBody>
+      </p:sp>
+      <p:sp>
+        <p:nvSpPr>
+          <p:cNvPr id="33" name="テキスト ボックス 32">
+            <a:extLst>
+              <a:ext uri="{FF2B5EF4-FFF2-40B4-BE49-F238E27FC236}">
+                <a16:creationId xmlns:a16="http://schemas.microsoft.com/office/drawing/2014/main" id="{87FBEF06-90E7-3C46-9AE7-4E9481FAAA65}"/>
+              </a:ext>
+            </a:extLst>
+          </p:cNvPr>
+          <p:cNvSpPr txBox="1"/>
+          <p:nvPr/>
+        </p:nvSpPr>
+        <p:spPr>
+          <a:xfrm>
+            <a:off x="8514983" y="4685054"/>
+            <a:ext cx="463588" cy="523220"/>
+          </a:xfrm>
+          <a:prstGeom prst="rect">
+            <a:avLst/>
+          </a:prstGeom>
+          <a:noFill/>
+        </p:spPr>
+        <p:txBody>
+          <a:bodyPr wrap="square" rtlCol="0">
+            <a:spAutoFit/>
+          </a:bodyPr>
+          <a:lstStyle/>
+          <a:p>
+            <a:r>
+              <a:rPr kumimoji="1" lang="en-US" altLang="ja-JP" sz="2800" i="1" dirty="0">
+                <a:latin typeface="Times New Roman" panose="02020603050405020304" pitchFamily="18" charset="0"/>
+                <a:cs typeface="Times New Roman" panose="02020603050405020304" pitchFamily="18" charset="0"/>
+              </a:rPr>
+              <a:t>x</a:t>
+            </a:r>
+            <a:r>
+              <a:rPr lang="en-US" altLang="ja-JP" sz="2800" i="1" baseline="-25000" dirty="0">
+                <a:latin typeface="Times New Roman" panose="02020603050405020304" pitchFamily="18" charset="0"/>
+                <a:cs typeface="Times New Roman" panose="02020603050405020304" pitchFamily="18" charset="0"/>
+              </a:rPr>
+              <a:t>2</a:t>
+            </a:r>
+            <a:endParaRPr kumimoji="1" lang="ja-JP" altLang="en-US" sz="2800" i="1" baseline="-25000">
+              <a:latin typeface="Times New Roman" panose="02020603050405020304" pitchFamily="18" charset="0"/>
+              <a:cs typeface="Times New Roman" panose="02020603050405020304" pitchFamily="18" charset="0"/>
+            </a:endParaRPr>
+          </a:p>
+        </p:txBody>
+      </p:sp>
+      <p:sp>
+        <p:nvSpPr>
+          <p:cNvPr id="36" name="右矢印 35">
+            <a:extLst>
+              <a:ext uri="{FF2B5EF4-FFF2-40B4-BE49-F238E27FC236}">
+                <a16:creationId xmlns:a16="http://schemas.microsoft.com/office/drawing/2014/main" id="{2EEDF6A0-F35D-E246-946F-D6D62750DCD8}"/>
+              </a:ext>
+            </a:extLst>
+          </p:cNvPr>
+          <p:cNvSpPr/>
+          <p:nvPr/>
+        </p:nvSpPr>
+        <p:spPr>
+          <a:xfrm>
+            <a:off x="4897798" y="2867685"/>
+            <a:ext cx="3810464" cy="582887"/>
+          </a:xfrm>
+          <a:prstGeom prst="rightArrow">
+            <a:avLst>
+              <a:gd name="adj1" fmla="val 50000"/>
+              <a:gd name="adj2" fmla="val 200745"/>
+            </a:avLst>
+          </a:prstGeom>
+          <a:solidFill>
+            <a:srgbClr val="FFC000"/>
+          </a:solidFill>
+          <a:ln>
+            <a:solidFill>
+              <a:srgbClr val="FFC000"/>
+            </a:solidFill>
+          </a:ln>
+        </p:spPr>
+        <p:style>
+          <a:lnRef idx="2">
+            <a:schemeClr val="accent1">
+              <a:shade val="50000"/>
+            </a:schemeClr>
+          </a:lnRef>
+          <a:fillRef idx="1">
+            <a:schemeClr val="accent1"/>
+          </a:fillRef>
+          <a:effectRef idx="0">
+            <a:schemeClr val="accent1"/>
+          </a:effectRef>
+          <a:fontRef idx="minor">
+            <a:schemeClr val="lt1"/>
+          </a:fontRef>
+        </p:style>
+        <p:txBody>
+          <a:bodyPr rtlCol="0" anchor="ctr"/>
+          <a:lstStyle/>
+          <a:p>
+            <a:pPr algn="ctr"/>
+            <a:endParaRPr kumimoji="1" lang="ja-JP" altLang="en-US"/>
+          </a:p>
+        </p:txBody>
+      </p:sp>
+      <p:sp>
+        <p:nvSpPr>
+          <p:cNvPr id="39" name="テキスト ボックス 38">
+            <a:extLst>
+              <a:ext uri="{FF2B5EF4-FFF2-40B4-BE49-F238E27FC236}">
+                <a16:creationId xmlns:a16="http://schemas.microsoft.com/office/drawing/2014/main" id="{FD460B07-6860-EE46-8ECC-F2298185AF3F}"/>
+              </a:ext>
+            </a:extLst>
+          </p:cNvPr>
+          <p:cNvSpPr txBox="1"/>
+          <p:nvPr/>
+        </p:nvSpPr>
+        <p:spPr>
+          <a:xfrm>
+            <a:off x="4908152" y="3008057"/>
+            <a:ext cx="415498" cy="369332"/>
+          </a:xfrm>
+          <a:prstGeom prst="rect">
+            <a:avLst/>
+          </a:prstGeom>
+          <a:noFill/>
+        </p:spPr>
+        <p:txBody>
+          <a:bodyPr wrap="none" rtlCol="0">
+            <a:spAutoFit/>
+          </a:bodyPr>
+          <a:lstStyle/>
+          <a:p>
+            <a:r>
+              <a:rPr kumimoji="1" lang="en-US" altLang="ja-JP" b="1" dirty="0">
+                <a:latin typeface="Meiryo" panose="020B0604030504040204" pitchFamily="34" charset="-128"/>
+                <a:ea typeface="Meiryo" panose="020B0604030504040204" pitchFamily="34" charset="-128"/>
+                <a:cs typeface="Times New Roman" panose="02020603050405020304" pitchFamily="18" charset="0"/>
+              </a:rPr>
+              <a:t>②</a:t>
+            </a:r>
+          </a:p>
+        </p:txBody>
+      </p:sp>
+      <p:sp>
+        <p:nvSpPr>
+          <p:cNvPr id="44" name="右矢印 43">
+            <a:extLst>
+              <a:ext uri="{FF2B5EF4-FFF2-40B4-BE49-F238E27FC236}">
+                <a16:creationId xmlns:a16="http://schemas.microsoft.com/office/drawing/2014/main" id="{A08370D7-CB84-0441-BA64-577FA2AC56C4}"/>
+              </a:ext>
+            </a:extLst>
+          </p:cNvPr>
+          <p:cNvSpPr/>
+          <p:nvPr/>
+        </p:nvSpPr>
+        <p:spPr>
+          <a:xfrm flipH="1">
+            <a:off x="2568392" y="1328222"/>
+            <a:ext cx="6096000" cy="582887"/>
+          </a:xfrm>
+          <a:prstGeom prst="rightArrow">
+            <a:avLst>
+              <a:gd name="adj1" fmla="val 50000"/>
+              <a:gd name="adj2" fmla="val 103909"/>
+            </a:avLst>
+          </a:prstGeom>
+          <a:solidFill>
+            <a:srgbClr val="FFC000"/>
+          </a:solidFill>
+          <a:ln>
+            <a:solidFill>
+              <a:srgbClr val="FFC000"/>
+            </a:solidFill>
+          </a:ln>
+        </p:spPr>
+        <p:style>
+          <a:lnRef idx="2">
+            <a:schemeClr val="accent1">
+              <a:shade val="50000"/>
+            </a:schemeClr>
+          </a:lnRef>
+          <a:fillRef idx="1">
+            <a:schemeClr val="accent1"/>
+          </a:fillRef>
+          <a:effectRef idx="0">
+            <a:schemeClr val="accent1"/>
+          </a:effectRef>
+          <a:fontRef idx="minor">
+            <a:schemeClr val="lt1"/>
+          </a:fontRef>
+        </p:style>
+        <p:txBody>
+          <a:bodyPr rtlCol="0" anchor="ctr"/>
+          <a:lstStyle/>
+          <a:p>
+            <a:pPr algn="ctr"/>
+            <a:endParaRPr kumimoji="1" lang="ja-JP" altLang="en-US"/>
+          </a:p>
+        </p:txBody>
+      </p:sp>
+      <p:sp>
+        <p:nvSpPr>
+          <p:cNvPr id="45" name="テキスト ボックス 44">
+            <a:extLst>
+              <a:ext uri="{FF2B5EF4-FFF2-40B4-BE49-F238E27FC236}">
+                <a16:creationId xmlns:a16="http://schemas.microsoft.com/office/drawing/2014/main" id="{516927AE-5407-2D43-A6EC-9B9F2E0FCDD8}"/>
+              </a:ext>
+            </a:extLst>
+          </p:cNvPr>
+          <p:cNvSpPr txBox="1"/>
+          <p:nvPr/>
+        </p:nvSpPr>
+        <p:spPr>
+          <a:xfrm>
+            <a:off x="8304033" y="1463126"/>
+            <a:ext cx="415498" cy="369332"/>
+          </a:xfrm>
+          <a:prstGeom prst="rect">
+            <a:avLst/>
+          </a:prstGeom>
+          <a:noFill/>
+        </p:spPr>
+        <p:txBody>
+          <a:bodyPr wrap="none" rtlCol="0">
+            <a:spAutoFit/>
+          </a:bodyPr>
+          <a:lstStyle/>
+          <a:p>
+            <a:r>
+              <a:rPr lang="en-US" altLang="ja-JP" b="1" dirty="0">
+                <a:latin typeface="Meiryo" panose="020B0604030504040204" pitchFamily="34" charset="-128"/>
+                <a:ea typeface="Meiryo" panose="020B0604030504040204" pitchFamily="34" charset="-128"/>
+                <a:cs typeface="Times New Roman" panose="02020603050405020304" pitchFamily="18" charset="0"/>
+              </a:rPr>
+              <a:t>③</a:t>
+            </a:r>
+            <a:endParaRPr kumimoji="1" lang="en-US" altLang="ja-JP" b="1" dirty="0">
+              <a:latin typeface="Meiryo" panose="020B0604030504040204" pitchFamily="34" charset="-128"/>
+              <a:ea typeface="Meiryo" panose="020B0604030504040204" pitchFamily="34" charset="-128"/>
+              <a:cs typeface="Times New Roman" panose="02020603050405020304" pitchFamily="18" charset="0"/>
+            </a:endParaRPr>
+          </a:p>
+        </p:txBody>
+      </p:sp>
+      <p:sp>
+        <p:nvSpPr>
+          <p:cNvPr id="46" name="右矢印 45">
+            <a:extLst>
+              <a:ext uri="{FF2B5EF4-FFF2-40B4-BE49-F238E27FC236}">
+                <a16:creationId xmlns:a16="http://schemas.microsoft.com/office/drawing/2014/main" id="{E4D814BF-DFF3-F244-B0E5-189EB04AB49A}"/>
+              </a:ext>
+            </a:extLst>
+          </p:cNvPr>
+          <p:cNvSpPr/>
+          <p:nvPr/>
+        </p:nvSpPr>
+        <p:spPr>
+          <a:xfrm flipH="1">
+            <a:off x="5000215" y="3703219"/>
+            <a:ext cx="1854038" cy="582887"/>
+          </a:xfrm>
+          <a:prstGeom prst="rightArrow">
+            <a:avLst>
+              <a:gd name="adj1" fmla="val 50000"/>
+              <a:gd name="adj2" fmla="val 96162"/>
+            </a:avLst>
+          </a:prstGeom>
+          <a:solidFill>
+            <a:srgbClr val="FFC000"/>
+          </a:solidFill>
+          <a:ln>
+            <a:solidFill>
+              <a:srgbClr val="FFC000"/>
+            </a:solidFill>
+          </a:ln>
+        </p:spPr>
+        <p:style>
+          <a:lnRef idx="2">
+            <a:schemeClr val="accent1">
+              <a:shade val="50000"/>
+            </a:schemeClr>
+          </a:lnRef>
+          <a:fillRef idx="1">
+            <a:schemeClr val="accent1"/>
+          </a:fillRef>
+          <a:effectRef idx="0">
+            <a:schemeClr val="accent1"/>
+          </a:effectRef>
+          <a:fontRef idx="minor">
+            <a:schemeClr val="lt1"/>
+          </a:fontRef>
+        </p:style>
+        <p:txBody>
+          <a:bodyPr rtlCol="0" anchor="ctr"/>
+          <a:lstStyle/>
+          <a:p>
+            <a:pPr algn="ctr"/>
+            <a:endParaRPr kumimoji="1" lang="ja-JP" altLang="en-US"/>
+          </a:p>
+        </p:txBody>
+      </p:sp>
+      <p:sp>
+        <p:nvSpPr>
+          <p:cNvPr id="38" name="テキスト ボックス 37">
+            <a:extLst>
+              <a:ext uri="{FF2B5EF4-FFF2-40B4-BE49-F238E27FC236}">
+                <a16:creationId xmlns:a16="http://schemas.microsoft.com/office/drawing/2014/main" id="{0B6118A8-01B9-DB4B-A99D-81A283BC1F2A}"/>
+              </a:ext>
+            </a:extLst>
+          </p:cNvPr>
+          <p:cNvSpPr txBox="1"/>
+          <p:nvPr/>
+        </p:nvSpPr>
+        <p:spPr>
+          <a:xfrm>
+            <a:off x="6416144" y="3855380"/>
+            <a:ext cx="415498" cy="369332"/>
+          </a:xfrm>
+          <a:prstGeom prst="rect">
+            <a:avLst/>
+          </a:prstGeom>
+          <a:noFill/>
+        </p:spPr>
+        <p:txBody>
+          <a:bodyPr wrap="none" rtlCol="0">
+            <a:spAutoFit/>
+          </a:bodyPr>
+          <a:lstStyle/>
+          <a:p>
+            <a:r>
+              <a:rPr lang="en-US" altLang="ja-JP" b="1" dirty="0">
+                <a:latin typeface="Meiryo" panose="020B0604030504040204" pitchFamily="34" charset="-128"/>
+                <a:ea typeface="Meiryo" panose="020B0604030504040204" pitchFamily="34" charset="-128"/>
+                <a:cs typeface="Times New Roman" panose="02020603050405020304" pitchFamily="18" charset="0"/>
+              </a:rPr>
+              <a:t>①</a:t>
+            </a:r>
+            <a:endParaRPr kumimoji="1" lang="en-US" altLang="ja-JP" b="1" dirty="0">
+              <a:latin typeface="Meiryo" panose="020B0604030504040204" pitchFamily="34" charset="-128"/>
+              <a:ea typeface="Meiryo" panose="020B0604030504040204" pitchFamily="34" charset="-128"/>
+              <a:cs typeface="Times New Roman" panose="02020603050405020304" pitchFamily="18" charset="0"/>
+            </a:endParaRPr>
+          </a:p>
+        </p:txBody>
+      </p:sp>
+    </p:spTree>
+    <p:extLst>
+      <p:ext uri="{BB962C8B-B14F-4D97-AF65-F5344CB8AC3E}">
+        <p14:creationId xmlns:p14="http://schemas.microsoft.com/office/powerpoint/2010/main" val="284656022"/>
+      </p:ext>
+    </p:extLst>
+  </p:cSld>
+  <p:clrMapOvr>
+    <a:masterClrMapping/>
+  </p:clrMapOvr>
+</p:sld>
+</file>
+
+<file path=ppt/slides/slide6.xml><?xml version="1.0" encoding="utf-8"?>
+<p:sld xmlns:a="http://schemas.openxmlformats.org/drawingml/2006/main" xmlns:r="http://schemas.openxmlformats.org/officeDocument/2006/relationships" xmlns:p="http://schemas.openxmlformats.org/presentationml/2006/main">
+  <p:cSld>
+    <p:spTree>
+      <p:nvGrpSpPr>
+        <p:cNvPr id="1" name=""/>
+        <p:cNvGrpSpPr/>
+        <p:nvPr/>
+      </p:nvGrpSpPr>
+      <p:grpSpPr>
+        <a:xfrm>
+          <a:off x="0" y="0"/>
+          <a:ext cx="0" cy="0"/>
+          <a:chOff x="0" y="0"/>
+          <a:chExt cx="0" cy="0"/>
+        </a:xfrm>
+      </p:grpSpPr>
+      <p:pic>
+        <p:nvPicPr>
           <p:cNvPr id="6" name="図 5" descr="地図, テキスト が含まれている画像&#10;&#10;自動的に生成された説明">
             <a:extLst>
               <a:ext uri="{FF2B5EF4-FFF2-40B4-BE49-F238E27FC236}">

--- a/chap2_Python/img/img.pptx
+++ b/chap2_Python/img/img.pptx
@@ -5,12 +5,13 @@
     <p:sldMasterId id="2147483648" r:id="rId1"/>
   </p:sldMasterIdLst>
   <p:sldIdLst>
-    <p:sldId id="256" r:id="rId2"/>
-    <p:sldId id="257" r:id="rId3"/>
-    <p:sldId id="259" r:id="rId4"/>
-    <p:sldId id="258" r:id="rId5"/>
-    <p:sldId id="261" r:id="rId6"/>
-    <p:sldId id="260" r:id="rId7"/>
+    <p:sldId id="262" r:id="rId2"/>
+    <p:sldId id="256" r:id="rId3"/>
+    <p:sldId id="257" r:id="rId4"/>
+    <p:sldId id="259" r:id="rId5"/>
+    <p:sldId id="258" r:id="rId6"/>
+    <p:sldId id="261" r:id="rId7"/>
+    <p:sldId id="260" r:id="rId8"/>
   </p:sldIdLst>
   <p:sldSz cx="12192000" cy="6858000"/>
   <p:notesSz cx="6858000" cy="9144000"/>
@@ -3630,42 +3631,12 @@
           <a:chExt cx="0" cy="0"/>
         </a:xfrm>
       </p:grpSpPr>
-      <p:pic>
-        <p:nvPicPr>
-          <p:cNvPr id="3" name="図 2" descr="地図 が含まれている画像&#10;&#10;自動的に生成された説明">
-            <a:extLst>
-              <a:ext uri="{FF2B5EF4-FFF2-40B4-BE49-F238E27FC236}">
-                <a16:creationId xmlns:a16="http://schemas.microsoft.com/office/drawing/2014/main" id="{DFAA0A54-C8CF-2845-847A-5427929E557F}"/>
-              </a:ext>
-            </a:extLst>
-          </p:cNvPr>
-          <p:cNvPicPr>
-            <a:picLocks noChangeAspect="1"/>
-          </p:cNvPicPr>
-          <p:nvPr/>
-        </p:nvPicPr>
-        <p:blipFill>
-          <a:blip r:embed="rId2"/>
-          <a:stretch>
-            <a:fillRect/>
-          </a:stretch>
-        </p:blipFill>
-        <p:spPr>
-          <a:xfrm>
-            <a:off x="3048000" y="185057"/>
-            <a:ext cx="6096000" cy="4572000"/>
-          </a:xfrm>
-          <a:prstGeom prst="rect">
-            <a:avLst/>
-          </a:prstGeom>
-        </p:spPr>
-      </p:pic>
       <p:cxnSp>
         <p:nvCxnSpPr>
-          <p:cNvPr id="15" name="直線コネクタ 14">
-            <a:extLst>
-              <a:ext uri="{FF2B5EF4-FFF2-40B4-BE49-F238E27FC236}">
-                <a16:creationId xmlns:a16="http://schemas.microsoft.com/office/drawing/2014/main" id="{8DBE8C4C-2B34-F040-A963-BCEDB2A55CD9}"/>
+          <p:cNvPr id="5" name="直線矢印コネクタ 4">
+            <a:extLst>
+              <a:ext uri="{FF2B5EF4-FFF2-40B4-BE49-F238E27FC236}">
+                <a16:creationId xmlns:a16="http://schemas.microsoft.com/office/drawing/2014/main" id="{22E9D5E4-07E2-E24E-8EF7-05BAABB0A389}"/>
               </a:ext>
             </a:extLst>
           </p:cNvPr>
@@ -3674,17 +3645,17 @@
         </p:nvCxnSpPr>
         <p:spPr>
           <a:xfrm>
-            <a:off x="8180832" y="2126633"/>
-            <a:ext cx="0" cy="2255520"/>
-          </a:xfrm>
-          <a:prstGeom prst="line">
+            <a:off x="3058886" y="4158343"/>
+            <a:ext cx="3875314" cy="0"/>
+          </a:xfrm>
+          <a:prstGeom prst="straightConnector1">
             <a:avLst/>
           </a:prstGeom>
           <a:ln w="57150">
             <a:solidFill>
               <a:schemeClr val="tx1"/>
             </a:solidFill>
-            <a:prstDash val="sysDot"/>
+            <a:tailEnd type="triangle"/>
           </a:ln>
         </p:spPr>
         <p:style>
@@ -3702,12 +3673,227 @@
           </a:fontRef>
         </p:style>
       </p:cxnSp>
-      <p:sp>
-        <p:nvSpPr>
-          <p:cNvPr id="18" name="円/楕円 17">
-            <a:extLst>
-              <a:ext uri="{FF2B5EF4-FFF2-40B4-BE49-F238E27FC236}">
-                <a16:creationId xmlns:a16="http://schemas.microsoft.com/office/drawing/2014/main" id="{8ED620D4-50EA-C14B-9E2F-26D58E3B0FDD}"/>
+      <p:cxnSp>
+        <p:nvCxnSpPr>
+          <p:cNvPr id="6" name="直線矢印コネクタ 5">
+            <a:extLst>
+              <a:ext uri="{FF2B5EF4-FFF2-40B4-BE49-F238E27FC236}">
+                <a16:creationId xmlns:a16="http://schemas.microsoft.com/office/drawing/2014/main" id="{CB9F4EFC-0537-5D41-951E-C97F462D3E85}"/>
+              </a:ext>
+            </a:extLst>
+          </p:cNvPr>
+          <p:cNvCxnSpPr>
+            <a:cxnSpLocks/>
+          </p:cNvCxnSpPr>
+          <p:nvPr/>
+        </p:nvCxnSpPr>
+        <p:spPr>
+          <a:xfrm flipV="1">
+            <a:off x="3526971" y="489857"/>
+            <a:ext cx="20527" cy="4114800"/>
+          </a:xfrm>
+          <a:prstGeom prst="straightConnector1">
+            <a:avLst/>
+          </a:prstGeom>
+          <a:ln w="57150">
+            <a:solidFill>
+              <a:schemeClr val="tx1"/>
+            </a:solidFill>
+            <a:tailEnd type="triangle"/>
+          </a:ln>
+        </p:spPr>
+        <p:style>
+          <a:lnRef idx="1">
+            <a:schemeClr val="accent1"/>
+          </a:lnRef>
+          <a:fillRef idx="0">
+            <a:schemeClr val="accent1"/>
+          </a:fillRef>
+          <a:effectRef idx="0">
+            <a:schemeClr val="accent1"/>
+          </a:effectRef>
+          <a:fontRef idx="minor">
+            <a:schemeClr val="tx1"/>
+          </a:fontRef>
+        </p:style>
+      </p:cxnSp>
+      <p:sp>
+        <p:nvSpPr>
+          <p:cNvPr id="9" name="テキスト ボックス 8">
+            <a:extLst>
+              <a:ext uri="{FF2B5EF4-FFF2-40B4-BE49-F238E27FC236}">
+                <a16:creationId xmlns:a16="http://schemas.microsoft.com/office/drawing/2014/main" id="{28AC879C-955F-684F-9119-0E251390DC6D}"/>
+              </a:ext>
+            </a:extLst>
+          </p:cNvPr>
+          <p:cNvSpPr txBox="1"/>
+          <p:nvPr/>
+        </p:nvSpPr>
+        <p:spPr>
+          <a:xfrm>
+            <a:off x="6590836" y="4158343"/>
+            <a:ext cx="343364" cy="523220"/>
+          </a:xfrm>
+          <a:prstGeom prst="rect">
+            <a:avLst/>
+          </a:prstGeom>
+          <a:noFill/>
+        </p:spPr>
+        <p:txBody>
+          <a:bodyPr wrap="none" rtlCol="0">
+            <a:spAutoFit/>
+          </a:bodyPr>
+          <a:lstStyle/>
+          <a:p>
+            <a:r>
+              <a:rPr kumimoji="1" lang="en-US" altLang="ja-JP" sz="2800" i="1" dirty="0">
+                <a:latin typeface="Times New Roman" panose="02020603050405020304" pitchFamily="18" charset="0"/>
+                <a:cs typeface="Times New Roman" panose="02020603050405020304" pitchFamily="18" charset="0"/>
+              </a:rPr>
+              <a:t>x</a:t>
+            </a:r>
+            <a:endParaRPr kumimoji="1" lang="ja-JP" altLang="en-US" sz="2800" i="1">
+              <a:latin typeface="Times New Roman" panose="02020603050405020304" pitchFamily="18" charset="0"/>
+              <a:cs typeface="Times New Roman" panose="02020603050405020304" pitchFamily="18" charset="0"/>
+            </a:endParaRPr>
+          </a:p>
+        </p:txBody>
+      </p:sp>
+      <p:sp>
+        <p:nvSpPr>
+          <p:cNvPr id="10" name="テキスト ボックス 9">
+            <a:extLst>
+              <a:ext uri="{FF2B5EF4-FFF2-40B4-BE49-F238E27FC236}">
+                <a16:creationId xmlns:a16="http://schemas.microsoft.com/office/drawing/2014/main" id="{A25AF11F-2188-BB4F-9D00-056F91A4AAB6}"/>
+              </a:ext>
+            </a:extLst>
+          </p:cNvPr>
+          <p:cNvSpPr txBox="1"/>
+          <p:nvPr/>
+        </p:nvSpPr>
+        <p:spPr>
+          <a:xfrm>
+            <a:off x="3122755" y="322012"/>
+            <a:ext cx="343364" cy="523220"/>
+          </a:xfrm>
+          <a:prstGeom prst="rect">
+            <a:avLst/>
+          </a:prstGeom>
+          <a:noFill/>
+        </p:spPr>
+        <p:txBody>
+          <a:bodyPr wrap="none" rtlCol="0">
+            <a:spAutoFit/>
+          </a:bodyPr>
+          <a:lstStyle/>
+          <a:p>
+            <a:r>
+              <a:rPr lang="en-US" altLang="ja-JP" sz="2800" i="1" dirty="0">
+                <a:latin typeface="Times New Roman" panose="02020603050405020304" pitchFamily="18" charset="0"/>
+                <a:cs typeface="Times New Roman" panose="02020603050405020304" pitchFamily="18" charset="0"/>
+              </a:rPr>
+              <a:t>y</a:t>
+            </a:r>
+            <a:endParaRPr kumimoji="1" lang="ja-JP" altLang="en-US" sz="2800" i="1">
+              <a:latin typeface="Times New Roman" panose="02020603050405020304" pitchFamily="18" charset="0"/>
+              <a:cs typeface="Times New Roman" panose="02020603050405020304" pitchFamily="18" charset="0"/>
+            </a:endParaRPr>
+          </a:p>
+        </p:txBody>
+      </p:sp>
+      <p:cxnSp>
+        <p:nvCxnSpPr>
+          <p:cNvPr id="11" name="直線矢印コネクタ 10">
+            <a:extLst>
+              <a:ext uri="{FF2B5EF4-FFF2-40B4-BE49-F238E27FC236}">
+                <a16:creationId xmlns:a16="http://schemas.microsoft.com/office/drawing/2014/main" id="{729B92EC-70CD-C147-9314-C213C13C765B}"/>
+              </a:ext>
+            </a:extLst>
+          </p:cNvPr>
+          <p:cNvCxnSpPr>
+            <a:cxnSpLocks/>
+          </p:cNvCxnSpPr>
+          <p:nvPr/>
+        </p:nvCxnSpPr>
+        <p:spPr>
+          <a:xfrm flipV="1">
+            <a:off x="2960915" y="1545772"/>
+            <a:ext cx="3801603" cy="1818268"/>
+          </a:xfrm>
+          <a:prstGeom prst="straightConnector1">
+            <a:avLst/>
+          </a:prstGeom>
+          <a:ln w="19050">
+            <a:solidFill>
+              <a:schemeClr val="tx1"/>
+            </a:solidFill>
+            <a:headEnd type="none" w="med" len="med"/>
+            <a:tailEnd type="none" w="med" len="med"/>
+          </a:ln>
+        </p:spPr>
+        <p:style>
+          <a:lnRef idx="1">
+            <a:schemeClr val="accent1"/>
+          </a:lnRef>
+          <a:fillRef idx="0">
+            <a:schemeClr val="accent1"/>
+          </a:fillRef>
+          <a:effectRef idx="0">
+            <a:schemeClr val="accent1"/>
+          </a:effectRef>
+          <a:fontRef idx="minor">
+            <a:schemeClr val="tx1"/>
+          </a:fontRef>
+        </p:style>
+      </p:cxnSp>
+      <p:sp>
+        <p:nvSpPr>
+          <p:cNvPr id="14" name="テキスト ボックス 13">
+            <a:extLst>
+              <a:ext uri="{FF2B5EF4-FFF2-40B4-BE49-F238E27FC236}">
+                <a16:creationId xmlns:a16="http://schemas.microsoft.com/office/drawing/2014/main" id="{932A29FF-E6E9-CC40-85C0-D77F01AB4A31}"/>
+              </a:ext>
+            </a:extLst>
+          </p:cNvPr>
+          <p:cNvSpPr txBox="1"/>
+          <p:nvPr/>
+        </p:nvSpPr>
+        <p:spPr>
+          <a:xfrm>
+            <a:off x="3072261" y="4126039"/>
+            <a:ext cx="444352" cy="523220"/>
+          </a:xfrm>
+          <a:prstGeom prst="rect">
+            <a:avLst/>
+          </a:prstGeom>
+          <a:noFill/>
+        </p:spPr>
+        <p:txBody>
+          <a:bodyPr wrap="none" rtlCol="0">
+            <a:spAutoFit/>
+          </a:bodyPr>
+          <a:lstStyle/>
+          <a:p>
+            <a:r>
+              <a:rPr lang="en-US" altLang="ja-JP" sz="2800" i="1" dirty="0">
+                <a:latin typeface="Times New Roman" panose="02020603050405020304" pitchFamily="18" charset="0"/>
+                <a:cs typeface="Times New Roman" panose="02020603050405020304" pitchFamily="18" charset="0"/>
+              </a:rPr>
+              <a:t>O</a:t>
+            </a:r>
+            <a:endParaRPr kumimoji="1" lang="ja-JP" altLang="en-US" sz="2800" i="1">
+              <a:latin typeface="Times New Roman" panose="02020603050405020304" pitchFamily="18" charset="0"/>
+              <a:cs typeface="Times New Roman" panose="02020603050405020304" pitchFamily="18" charset="0"/>
+            </a:endParaRPr>
+          </a:p>
+        </p:txBody>
+      </p:sp>
+      <p:sp>
+        <p:nvSpPr>
+          <p:cNvPr id="15" name="円/楕円 14">
+            <a:extLst>
+              <a:ext uri="{FF2B5EF4-FFF2-40B4-BE49-F238E27FC236}">
+                <a16:creationId xmlns:a16="http://schemas.microsoft.com/office/drawing/2014/main" id="{678C653C-C426-7148-B2E9-337B64914B17}"/>
               </a:ext>
             </a:extLst>
           </p:cNvPr>
@@ -3716,12 +3902,20 @@
         </p:nvSpPr>
         <p:spPr>
           <a:xfrm>
-            <a:off x="8132226" y="4322281"/>
-            <a:ext cx="108857" cy="119743"/>
+            <a:off x="3657136" y="2613277"/>
+            <a:ext cx="174171" cy="174877"/>
           </a:xfrm>
           <a:prstGeom prst="ellipse">
             <a:avLst/>
           </a:prstGeom>
+          <a:solidFill>
+            <a:schemeClr val="tx1"/>
+          </a:solidFill>
+          <a:ln>
+            <a:solidFill>
+              <a:schemeClr val="tx1"/>
+            </a:solidFill>
+          </a:ln>
         </p:spPr>
         <p:style>
           <a:lnRef idx="2">
@@ -3750,10 +3944,226 @@
       </p:sp>
       <p:sp>
         <p:nvSpPr>
-          <p:cNvPr id="28" name="テキスト ボックス 27">
-            <a:extLst>
-              <a:ext uri="{FF2B5EF4-FFF2-40B4-BE49-F238E27FC236}">
-                <a16:creationId xmlns:a16="http://schemas.microsoft.com/office/drawing/2014/main" id="{57CA9403-966D-C54B-8B05-E92E3A9D585D}"/>
+          <p:cNvPr id="16" name="円/楕円 15">
+            <a:extLst>
+              <a:ext uri="{FF2B5EF4-FFF2-40B4-BE49-F238E27FC236}">
+                <a16:creationId xmlns:a16="http://schemas.microsoft.com/office/drawing/2014/main" id="{1E2DAD6E-959A-8442-8425-287F09093214}"/>
+              </a:ext>
+            </a:extLst>
+          </p:cNvPr>
+          <p:cNvSpPr/>
+          <p:nvPr/>
+        </p:nvSpPr>
+        <p:spPr>
+          <a:xfrm>
+            <a:off x="4072929" y="2825196"/>
+            <a:ext cx="174171" cy="174877"/>
+          </a:xfrm>
+          <a:prstGeom prst="ellipse">
+            <a:avLst/>
+          </a:prstGeom>
+          <a:solidFill>
+            <a:schemeClr val="tx1"/>
+          </a:solidFill>
+          <a:ln>
+            <a:solidFill>
+              <a:schemeClr val="tx1"/>
+            </a:solidFill>
+          </a:ln>
+        </p:spPr>
+        <p:style>
+          <a:lnRef idx="2">
+            <a:schemeClr val="accent1">
+              <a:shade val="50000"/>
+            </a:schemeClr>
+          </a:lnRef>
+          <a:fillRef idx="1">
+            <a:schemeClr val="accent1"/>
+          </a:fillRef>
+          <a:effectRef idx="0">
+            <a:schemeClr val="accent1"/>
+          </a:effectRef>
+          <a:fontRef idx="minor">
+            <a:schemeClr val="lt1"/>
+          </a:fontRef>
+        </p:style>
+        <p:txBody>
+          <a:bodyPr rtlCol="0" anchor="ctr"/>
+          <a:lstStyle/>
+          <a:p>
+            <a:pPr algn="ctr"/>
+            <a:endParaRPr kumimoji="1" lang="ja-JP" altLang="en-US"/>
+          </a:p>
+        </p:txBody>
+      </p:sp>
+      <p:sp>
+        <p:nvSpPr>
+          <p:cNvPr id="17" name="円/楕円 16">
+            <a:extLst>
+              <a:ext uri="{FF2B5EF4-FFF2-40B4-BE49-F238E27FC236}">
+                <a16:creationId xmlns:a16="http://schemas.microsoft.com/office/drawing/2014/main" id="{008B7E6D-9E79-8045-868A-03A83153B401}"/>
+              </a:ext>
+            </a:extLst>
+          </p:cNvPr>
+          <p:cNvSpPr/>
+          <p:nvPr/>
+        </p:nvSpPr>
+        <p:spPr>
+          <a:xfrm>
+            <a:off x="5200883" y="1546123"/>
+            <a:ext cx="174171" cy="174877"/>
+          </a:xfrm>
+          <a:prstGeom prst="ellipse">
+            <a:avLst/>
+          </a:prstGeom>
+          <a:solidFill>
+            <a:schemeClr val="tx1"/>
+          </a:solidFill>
+          <a:ln>
+            <a:solidFill>
+              <a:schemeClr val="tx1"/>
+            </a:solidFill>
+          </a:ln>
+        </p:spPr>
+        <p:style>
+          <a:lnRef idx="2">
+            <a:schemeClr val="accent1">
+              <a:shade val="50000"/>
+            </a:schemeClr>
+          </a:lnRef>
+          <a:fillRef idx="1">
+            <a:schemeClr val="accent1"/>
+          </a:fillRef>
+          <a:effectRef idx="0">
+            <a:schemeClr val="accent1"/>
+          </a:effectRef>
+          <a:fontRef idx="minor">
+            <a:schemeClr val="lt1"/>
+          </a:fontRef>
+        </p:style>
+        <p:txBody>
+          <a:bodyPr rtlCol="0" anchor="ctr"/>
+          <a:lstStyle/>
+          <a:p>
+            <a:pPr algn="ctr"/>
+            <a:endParaRPr kumimoji="1" lang="ja-JP" altLang="en-US"/>
+          </a:p>
+        </p:txBody>
+      </p:sp>
+      <p:sp>
+        <p:nvSpPr>
+          <p:cNvPr id="18" name="円/楕円 17">
+            <a:extLst>
+              <a:ext uri="{FF2B5EF4-FFF2-40B4-BE49-F238E27FC236}">
+                <a16:creationId xmlns:a16="http://schemas.microsoft.com/office/drawing/2014/main" id="{B173D6E1-806B-854E-BF20-A57EF371F82A}"/>
+              </a:ext>
+            </a:extLst>
+          </p:cNvPr>
+          <p:cNvSpPr/>
+          <p:nvPr/>
+        </p:nvSpPr>
+        <p:spPr>
+          <a:xfrm>
+            <a:off x="6348409" y="1665867"/>
+            <a:ext cx="174171" cy="174877"/>
+          </a:xfrm>
+          <a:prstGeom prst="ellipse">
+            <a:avLst/>
+          </a:prstGeom>
+          <a:solidFill>
+            <a:schemeClr val="tx1"/>
+          </a:solidFill>
+          <a:ln>
+            <a:solidFill>
+              <a:schemeClr val="tx1"/>
+            </a:solidFill>
+          </a:ln>
+        </p:spPr>
+        <p:style>
+          <a:lnRef idx="2">
+            <a:schemeClr val="accent1">
+              <a:shade val="50000"/>
+            </a:schemeClr>
+          </a:lnRef>
+          <a:fillRef idx="1">
+            <a:schemeClr val="accent1"/>
+          </a:fillRef>
+          <a:effectRef idx="0">
+            <a:schemeClr val="accent1"/>
+          </a:effectRef>
+          <a:fontRef idx="minor">
+            <a:schemeClr val="lt1"/>
+          </a:fontRef>
+        </p:style>
+        <p:txBody>
+          <a:bodyPr rtlCol="0" anchor="ctr"/>
+          <a:lstStyle/>
+          <a:p>
+            <a:pPr algn="ctr"/>
+            <a:endParaRPr kumimoji="1" lang="ja-JP" altLang="en-US"/>
+          </a:p>
+        </p:txBody>
+      </p:sp>
+      <p:sp>
+        <p:nvSpPr>
+          <p:cNvPr id="20" name="円/楕円 19">
+            <a:extLst>
+              <a:ext uri="{FF2B5EF4-FFF2-40B4-BE49-F238E27FC236}">
+                <a16:creationId xmlns:a16="http://schemas.microsoft.com/office/drawing/2014/main" id="{15261450-3887-9E4F-AC06-8B03F6928AF6}"/>
+              </a:ext>
+            </a:extLst>
+          </p:cNvPr>
+          <p:cNvSpPr/>
+          <p:nvPr/>
+        </p:nvSpPr>
+        <p:spPr>
+          <a:xfrm>
+            <a:off x="4822372" y="2737757"/>
+            <a:ext cx="174171" cy="174877"/>
+          </a:xfrm>
+          <a:prstGeom prst="ellipse">
+            <a:avLst/>
+          </a:prstGeom>
+          <a:solidFill>
+            <a:schemeClr val="tx1"/>
+          </a:solidFill>
+          <a:ln>
+            <a:solidFill>
+              <a:schemeClr val="tx1"/>
+            </a:solidFill>
+          </a:ln>
+        </p:spPr>
+        <p:style>
+          <a:lnRef idx="2">
+            <a:schemeClr val="accent1">
+              <a:shade val="50000"/>
+            </a:schemeClr>
+          </a:lnRef>
+          <a:fillRef idx="1">
+            <a:schemeClr val="accent1"/>
+          </a:fillRef>
+          <a:effectRef idx="0">
+            <a:schemeClr val="accent1"/>
+          </a:effectRef>
+          <a:fontRef idx="minor">
+            <a:schemeClr val="lt1"/>
+          </a:fontRef>
+        </p:style>
+        <p:txBody>
+          <a:bodyPr rtlCol="0" anchor="ctr"/>
+          <a:lstStyle/>
+          <a:p>
+            <a:pPr algn="ctr"/>
+            <a:endParaRPr kumimoji="1" lang="ja-JP" altLang="en-US"/>
+          </a:p>
+        </p:txBody>
+      </p:sp>
+      <p:sp>
+        <p:nvSpPr>
+          <p:cNvPr id="25" name="テキスト ボックス 24">
+            <a:extLst>
+              <a:ext uri="{FF2B5EF4-FFF2-40B4-BE49-F238E27FC236}">
+                <a16:creationId xmlns:a16="http://schemas.microsoft.com/office/drawing/2014/main" id="{6AFA7689-A4CC-3E4E-8E03-829921FAE72F}"/>
               </a:ext>
             </a:extLst>
           </p:cNvPr>
@@ -3762,8 +4172,8 @@
         </p:nvSpPr>
         <p:spPr>
           <a:xfrm>
-            <a:off x="8058982" y="4545242"/>
-            <a:ext cx="364202" cy="369332"/>
+            <a:off x="6293092" y="1011666"/>
+            <a:ext cx="1685077" cy="523220"/>
           </a:xfrm>
           <a:prstGeom prst="rect">
             <a:avLst/>
@@ -3777,53 +4187,132 @@
           <a:lstStyle/>
           <a:p>
             <a:r>
-              <a:rPr kumimoji="1" lang="en-US" altLang="ja-JP" i="1" dirty="0">
+              <a:rPr lang="en-US" altLang="ja-JP" sz="2800" i="1" dirty="0">
                 <a:latin typeface="Times New Roman" panose="02020603050405020304" pitchFamily="18" charset="0"/>
                 <a:cs typeface="Times New Roman" panose="02020603050405020304" pitchFamily="18" charset="0"/>
               </a:rPr>
-              <a:t>x</a:t>
-            </a:r>
-            <a:r>
-              <a:rPr kumimoji="1" lang="en-US" altLang="ja-JP" i="1" baseline="-25000" dirty="0">
+              <a:t>f(x)=</a:t>
+            </a:r>
+            <a:r>
+              <a:rPr lang="en-US" altLang="ja-JP" sz="2800" i="1" dirty="0" err="1">
                 <a:latin typeface="Times New Roman" panose="02020603050405020304" pitchFamily="18" charset="0"/>
                 <a:cs typeface="Times New Roman" panose="02020603050405020304" pitchFamily="18" charset="0"/>
               </a:rPr>
-              <a:t>0</a:t>
-            </a:r>
-            <a:endParaRPr kumimoji="1" lang="ja-JP" altLang="en-US" i="1" baseline="-25000">
+              <a:t>ax+b</a:t>
+            </a:r>
+            <a:endParaRPr kumimoji="1" lang="ja-JP" altLang="en-US" sz="2800" i="1">
               <a:latin typeface="Times New Roman" panose="02020603050405020304" pitchFamily="18" charset="0"/>
               <a:cs typeface="Times New Roman" panose="02020603050405020304" pitchFamily="18" charset="0"/>
             </a:endParaRPr>
           </a:p>
         </p:txBody>
       </p:sp>
+      <p:sp>
+        <p:nvSpPr>
+          <p:cNvPr id="26" name="テキスト ボックス 25">
+            <a:extLst>
+              <a:ext uri="{FF2B5EF4-FFF2-40B4-BE49-F238E27FC236}">
+                <a16:creationId xmlns:a16="http://schemas.microsoft.com/office/drawing/2014/main" id="{15DDC7CC-5EA9-6349-97F4-1D52C22AEC81}"/>
+              </a:ext>
+            </a:extLst>
+          </p:cNvPr>
+          <p:cNvSpPr txBox="1"/>
+          <p:nvPr/>
+        </p:nvSpPr>
+        <p:spPr>
+          <a:xfrm>
+            <a:off x="4672254" y="979713"/>
+            <a:ext cx="1290738" cy="523220"/>
+          </a:xfrm>
+          <a:prstGeom prst="rect">
+            <a:avLst/>
+          </a:prstGeom>
+          <a:noFill/>
+        </p:spPr>
+        <p:txBody>
+          <a:bodyPr wrap="none" rtlCol="0">
+            <a:spAutoFit/>
+          </a:bodyPr>
+          <a:lstStyle/>
+          <a:p>
+            <a:r>
+              <a:rPr kumimoji="1" lang="en-US" altLang="ja-JP" sz="2800" i="1" dirty="0">
+                <a:latin typeface="Times New Roman" panose="02020603050405020304" pitchFamily="18" charset="0"/>
+                <a:cs typeface="Times New Roman" panose="02020603050405020304" pitchFamily="18" charset="0"/>
+              </a:rPr>
+              <a:t>(x</a:t>
+            </a:r>
+            <a:r>
+              <a:rPr kumimoji="1" lang="en-US" altLang="ja-JP" sz="2800" i="1" baseline="-25000" dirty="0">
+                <a:latin typeface="Times New Roman" panose="02020603050405020304" pitchFamily="18" charset="0"/>
+                <a:cs typeface="Times New Roman" panose="02020603050405020304" pitchFamily="18" charset="0"/>
+              </a:rPr>
+              <a:t>α </a:t>
+            </a:r>
+            <a:r>
+              <a:rPr kumimoji="1" lang="en-US" altLang="ja-JP" sz="2800" i="1" dirty="0">
+                <a:latin typeface="Times New Roman" panose="02020603050405020304" pitchFamily="18" charset="0"/>
+                <a:cs typeface="Times New Roman" panose="02020603050405020304" pitchFamily="18" charset="0"/>
+              </a:rPr>
+              <a:t>, </a:t>
+            </a:r>
+            <a:r>
+              <a:rPr lang="en-US" altLang="ja-JP" sz="2800" i="1" dirty="0">
+                <a:latin typeface="Times New Roman" panose="02020603050405020304" pitchFamily="18" charset="0"/>
+                <a:cs typeface="Times New Roman" panose="02020603050405020304" pitchFamily="18" charset="0"/>
+              </a:rPr>
+              <a:t>y</a:t>
+            </a:r>
+            <a:r>
+              <a:rPr lang="en-US" altLang="ja-JP" sz="2800" i="1" baseline="-25000" dirty="0">
+                <a:latin typeface="Times New Roman" panose="02020603050405020304" pitchFamily="18" charset="0"/>
+                <a:cs typeface="Times New Roman" panose="02020603050405020304" pitchFamily="18" charset="0"/>
+              </a:rPr>
+              <a:t>α </a:t>
+            </a:r>
+            <a:r>
+              <a:rPr kumimoji="1" lang="en-US" altLang="ja-JP" sz="2800" i="1" dirty="0">
+                <a:latin typeface="Times New Roman" panose="02020603050405020304" pitchFamily="18" charset="0"/>
+                <a:cs typeface="Times New Roman" panose="02020603050405020304" pitchFamily="18" charset="0"/>
+              </a:rPr>
+              <a:t>)</a:t>
+            </a:r>
+            <a:endParaRPr kumimoji="1" lang="ja-JP" altLang="en-US" sz="2800" i="1">
+              <a:latin typeface="Times New Roman" panose="02020603050405020304" pitchFamily="18" charset="0"/>
+              <a:cs typeface="Times New Roman" panose="02020603050405020304" pitchFamily="18" charset="0"/>
+            </a:endParaRPr>
+          </a:p>
+        </p:txBody>
+      </p:sp>
       <p:cxnSp>
         <p:nvCxnSpPr>
-          <p:cNvPr id="57" name="直線コネクタ 56">
-            <a:extLst>
-              <a:ext uri="{FF2B5EF4-FFF2-40B4-BE49-F238E27FC236}">
-                <a16:creationId xmlns:a16="http://schemas.microsoft.com/office/drawing/2014/main" id="{19BEC975-8D69-ED48-9043-FBBA58C9FCCA}"/>
+          <p:cNvPr id="27" name="直線矢印コネクタ 26">
+            <a:extLst>
+              <a:ext uri="{FF2B5EF4-FFF2-40B4-BE49-F238E27FC236}">
+                <a16:creationId xmlns:a16="http://schemas.microsoft.com/office/drawing/2014/main" id="{4AA8784B-F4E6-E742-A92B-7E3561ECFCB7}"/>
               </a:ext>
             </a:extLst>
           </p:cNvPr>
           <p:cNvCxnSpPr>
             <a:cxnSpLocks/>
+            <a:endCxn id="17" idx="4"/>
           </p:cNvCxnSpPr>
           <p:nvPr/>
         </p:nvCxnSpPr>
         <p:spPr>
-          <a:xfrm flipH="1">
-            <a:off x="7060019" y="743504"/>
-            <a:ext cx="1790840" cy="3801738"/>
-          </a:xfrm>
-          <a:prstGeom prst="line">
+          <a:xfrm flipV="1">
+            <a:off x="5287967" y="1721000"/>
+            <a:ext cx="2" cy="2436992"/>
+          </a:xfrm>
+          <a:prstGeom prst="straightConnector1">
             <a:avLst/>
           </a:prstGeom>
           <a:ln w="19050">
             <a:solidFill>
-              <a:srgbClr val="0432FF"/>
+              <a:schemeClr val="tx1"/>
             </a:solidFill>
-            <a:prstDash val="solid"/>
+            <a:headEnd type="none" w="med" len="med"/>
+            <a:tailEnd type="none" w="med" len="med"/>
           </a:ln>
         </p:spPr>
         <p:style>
@@ -3843,10 +4332,139 @@
       </p:cxnSp>
       <p:sp>
         <p:nvSpPr>
-          <p:cNvPr id="33" name="テキスト ボックス 32">
-            <a:extLst>
-              <a:ext uri="{FF2B5EF4-FFF2-40B4-BE49-F238E27FC236}">
-                <a16:creationId xmlns:a16="http://schemas.microsoft.com/office/drawing/2014/main" id="{AB44D129-026E-BE49-B57D-7CFAF4E38AED}"/>
+          <p:cNvPr id="34" name="円弧 33">
+            <a:extLst>
+              <a:ext uri="{FF2B5EF4-FFF2-40B4-BE49-F238E27FC236}">
+                <a16:creationId xmlns:a16="http://schemas.microsoft.com/office/drawing/2014/main" id="{D8A094F3-9EBA-AE4E-8417-82B2A86B3319}"/>
+              </a:ext>
+            </a:extLst>
+          </p:cNvPr>
+          <p:cNvSpPr/>
+          <p:nvPr/>
+        </p:nvSpPr>
+        <p:spPr>
+          <a:xfrm>
+            <a:off x="5153944" y="1721001"/>
+            <a:ext cx="384621" cy="492830"/>
+          </a:xfrm>
+          <a:prstGeom prst="arc">
+            <a:avLst>
+              <a:gd name="adj1" fmla="val 16200000"/>
+              <a:gd name="adj2" fmla="val 5410870"/>
+            </a:avLst>
+          </a:prstGeom>
+          <a:ln w="19050">
+            <a:solidFill>
+              <a:schemeClr val="tx1"/>
+            </a:solidFill>
+            <a:prstDash val="sysDash"/>
+          </a:ln>
+        </p:spPr>
+        <p:style>
+          <a:lnRef idx="1">
+            <a:schemeClr val="accent1"/>
+          </a:lnRef>
+          <a:fillRef idx="0">
+            <a:schemeClr val="accent1"/>
+          </a:fillRef>
+          <a:effectRef idx="0">
+            <a:schemeClr val="accent1"/>
+          </a:effectRef>
+          <a:fontRef idx="minor">
+            <a:schemeClr val="tx1"/>
+          </a:fontRef>
+        </p:style>
+        <p:txBody>
+          <a:bodyPr rtlCol="0" anchor="ctr"/>
+          <a:lstStyle/>
+          <a:p>
+            <a:pPr algn="ctr"/>
+            <a:endParaRPr kumimoji="1" lang="ja-JP" altLang="en-US"/>
+          </a:p>
+        </p:txBody>
+      </p:sp>
+      <p:cxnSp>
+        <p:nvCxnSpPr>
+          <p:cNvPr id="40" name="直線コネクタ 39">
+            <a:extLst>
+              <a:ext uri="{FF2B5EF4-FFF2-40B4-BE49-F238E27FC236}">
+                <a16:creationId xmlns:a16="http://schemas.microsoft.com/office/drawing/2014/main" id="{5C8740BB-9F20-C042-BC71-716D5FAF16E8}"/>
+              </a:ext>
+            </a:extLst>
+          </p:cNvPr>
+          <p:cNvCxnSpPr>
+            <a:cxnSpLocks/>
+          </p:cNvCxnSpPr>
+          <p:nvPr/>
+        </p:nvCxnSpPr>
+        <p:spPr>
+          <a:xfrm>
+            <a:off x="3514840" y="1633561"/>
+            <a:ext cx="1673912" cy="0"/>
+          </a:xfrm>
+          <a:prstGeom prst="line">
+            <a:avLst/>
+          </a:prstGeom>
+        </p:spPr>
+        <p:style>
+          <a:lnRef idx="1">
+            <a:schemeClr val="accent1"/>
+          </a:lnRef>
+          <a:fillRef idx="0">
+            <a:schemeClr val="accent1"/>
+          </a:fillRef>
+          <a:effectRef idx="0">
+            <a:schemeClr val="accent1"/>
+          </a:effectRef>
+          <a:fontRef idx="minor">
+            <a:schemeClr val="tx1"/>
+          </a:fontRef>
+        </p:style>
+      </p:cxnSp>
+      <p:cxnSp>
+        <p:nvCxnSpPr>
+          <p:cNvPr id="42" name="直線コネクタ 41">
+            <a:extLst>
+              <a:ext uri="{FF2B5EF4-FFF2-40B4-BE49-F238E27FC236}">
+                <a16:creationId xmlns:a16="http://schemas.microsoft.com/office/drawing/2014/main" id="{B7FF4F39-8108-AB43-A71E-5036E4073C78}"/>
+              </a:ext>
+            </a:extLst>
+          </p:cNvPr>
+          <p:cNvCxnSpPr>
+            <a:cxnSpLocks/>
+          </p:cNvCxnSpPr>
+          <p:nvPr/>
+        </p:nvCxnSpPr>
+        <p:spPr>
+          <a:xfrm>
+            <a:off x="3514840" y="2246842"/>
+            <a:ext cx="1781216" cy="0"/>
+          </a:xfrm>
+          <a:prstGeom prst="line">
+            <a:avLst/>
+          </a:prstGeom>
+        </p:spPr>
+        <p:style>
+          <a:lnRef idx="1">
+            <a:schemeClr val="accent1"/>
+          </a:lnRef>
+          <a:fillRef idx="0">
+            <a:schemeClr val="accent1"/>
+          </a:fillRef>
+          <a:effectRef idx="0">
+            <a:schemeClr val="accent1"/>
+          </a:effectRef>
+          <a:fontRef idx="minor">
+            <a:schemeClr val="tx1"/>
+          </a:fontRef>
+        </p:style>
+      </p:cxnSp>
+      <p:sp>
+        <p:nvSpPr>
+          <p:cNvPr id="43" name="テキスト ボックス 42">
+            <a:extLst>
+              <a:ext uri="{FF2B5EF4-FFF2-40B4-BE49-F238E27FC236}">
+                <a16:creationId xmlns:a16="http://schemas.microsoft.com/office/drawing/2014/main" id="{0FD83218-6402-DB40-AB34-9D2E1193B3D7}"/>
               </a:ext>
             </a:extLst>
           </p:cNvPr>
@@ -3855,8 +4473,8 @@
         </p:nvSpPr>
         <p:spPr>
           <a:xfrm>
-            <a:off x="8850859" y="659219"/>
-            <a:ext cx="1338828" cy="646331"/>
+            <a:off x="3034311" y="1280309"/>
+            <a:ext cx="468398" cy="523220"/>
           </a:xfrm>
           <a:prstGeom prst="rect">
             <a:avLst/>
@@ -3870,55 +4488,177 @@
           <a:lstStyle/>
           <a:p>
             <a:r>
-              <a:rPr lang="en-US" altLang="ja-JP" i="1" dirty="0">
+              <a:rPr lang="en-US" altLang="ja-JP" sz="2800" i="1" dirty="0">
                 <a:latin typeface="Times New Roman" panose="02020603050405020304" pitchFamily="18" charset="0"/>
-                <a:ea typeface="Meiryo" panose="020B0604030504040204" pitchFamily="34" charset="-128"/>
+                <a:cs typeface="Times New Roman" panose="02020603050405020304" pitchFamily="18" charset="0"/>
+              </a:rPr>
+              <a:t>y</a:t>
+            </a:r>
+            <a:r>
+              <a:rPr lang="en-US" altLang="ja-JP" sz="2800" i="1" baseline="-25000" dirty="0">
+                <a:latin typeface="Times New Roman" panose="02020603050405020304" pitchFamily="18" charset="0"/>
+                <a:cs typeface="Times New Roman" panose="02020603050405020304" pitchFamily="18" charset="0"/>
+              </a:rPr>
+              <a:t>α</a:t>
+            </a:r>
+            <a:endParaRPr kumimoji="1" lang="ja-JP" altLang="en-US" sz="2800" i="1">
+              <a:latin typeface="Times New Roman" panose="02020603050405020304" pitchFamily="18" charset="0"/>
+              <a:cs typeface="Times New Roman" panose="02020603050405020304" pitchFamily="18" charset="0"/>
+            </a:endParaRPr>
+          </a:p>
+        </p:txBody>
+      </p:sp>
+      <p:sp>
+        <p:nvSpPr>
+          <p:cNvPr id="44" name="テキスト ボックス 43">
+            <a:extLst>
+              <a:ext uri="{FF2B5EF4-FFF2-40B4-BE49-F238E27FC236}">
+                <a16:creationId xmlns:a16="http://schemas.microsoft.com/office/drawing/2014/main" id="{62892F1A-BA29-4A49-B3F0-9BC248D76BEB}"/>
+              </a:ext>
+            </a:extLst>
+          </p:cNvPr>
+          <p:cNvSpPr txBox="1"/>
+          <p:nvPr/>
+        </p:nvSpPr>
+        <p:spPr>
+          <a:xfrm>
+            <a:off x="2457447" y="2002618"/>
+            <a:ext cx="1069524" cy="523220"/>
+          </a:xfrm>
+          <a:prstGeom prst="rect">
+            <a:avLst/>
+          </a:prstGeom>
+          <a:noFill/>
+        </p:spPr>
+        <p:txBody>
+          <a:bodyPr wrap="none" rtlCol="0">
+            <a:spAutoFit/>
+          </a:bodyPr>
+          <a:lstStyle/>
+          <a:p>
+            <a:r>
+              <a:rPr kumimoji="1" lang="en-US" altLang="ja-JP" sz="2800" i="1" dirty="0">
+                <a:latin typeface="Times New Roman" panose="02020603050405020304" pitchFamily="18" charset="0"/>
+                <a:cs typeface="Times New Roman" panose="02020603050405020304" pitchFamily="18" charset="0"/>
+              </a:rPr>
+              <a:t>ax</a:t>
+            </a:r>
+            <a:r>
+              <a:rPr kumimoji="1" lang="en-US" altLang="ja-JP" sz="2800" i="1" baseline="-25000" dirty="0">
+                <a:latin typeface="Times New Roman" panose="02020603050405020304" pitchFamily="18" charset="0"/>
+                <a:cs typeface="Times New Roman" panose="02020603050405020304" pitchFamily="18" charset="0"/>
+              </a:rPr>
+              <a:t>α</a:t>
+            </a:r>
+            <a:r>
+              <a:rPr kumimoji="1" lang="en-US" altLang="ja-JP" sz="2800" i="1" dirty="0">
+                <a:latin typeface="Times New Roman" panose="02020603050405020304" pitchFamily="18" charset="0"/>
+                <a:cs typeface="Times New Roman" panose="02020603050405020304" pitchFamily="18" charset="0"/>
+              </a:rPr>
+              <a:t>+b</a:t>
+            </a:r>
+            <a:endParaRPr kumimoji="1" lang="ja-JP" altLang="en-US" sz="2800" i="1">
+              <a:latin typeface="Times New Roman" panose="02020603050405020304" pitchFamily="18" charset="0"/>
+              <a:cs typeface="Times New Roman" panose="02020603050405020304" pitchFamily="18" charset="0"/>
+            </a:endParaRPr>
+          </a:p>
+        </p:txBody>
+      </p:sp>
+      <p:sp>
+        <p:nvSpPr>
+          <p:cNvPr id="46" name="テキスト ボックス 45">
+            <a:extLst>
+              <a:ext uri="{FF2B5EF4-FFF2-40B4-BE49-F238E27FC236}">
+                <a16:creationId xmlns:a16="http://schemas.microsoft.com/office/drawing/2014/main" id="{35BFE7CE-5115-A844-9E8E-E2F3B1B21275}"/>
+              </a:ext>
+            </a:extLst>
+          </p:cNvPr>
+          <p:cNvSpPr txBox="1"/>
+          <p:nvPr/>
+        </p:nvSpPr>
+        <p:spPr>
+          <a:xfrm>
+            <a:off x="5094515" y="4116211"/>
+            <a:ext cx="468398" cy="523220"/>
+          </a:xfrm>
+          <a:prstGeom prst="rect">
+            <a:avLst/>
+          </a:prstGeom>
+          <a:noFill/>
+        </p:spPr>
+        <p:txBody>
+          <a:bodyPr wrap="none" rtlCol="0">
+            <a:spAutoFit/>
+          </a:bodyPr>
+          <a:lstStyle/>
+          <a:p>
+            <a:r>
+              <a:rPr kumimoji="1" lang="en-US" altLang="ja-JP" sz="2800" i="1" dirty="0">
+                <a:latin typeface="Times New Roman" panose="02020603050405020304" pitchFamily="18" charset="0"/>
                 <a:cs typeface="Times New Roman" panose="02020603050405020304" pitchFamily="18" charset="0"/>
               </a:rPr>
               <a:t>x</a:t>
             </a:r>
             <a:r>
-              <a:rPr lang="en-US" altLang="ja-JP" i="1" baseline="-25000" dirty="0">
+              <a:rPr kumimoji="1" lang="en-US" altLang="ja-JP" sz="2800" i="1" baseline="-25000" dirty="0">
                 <a:latin typeface="Times New Roman" panose="02020603050405020304" pitchFamily="18" charset="0"/>
-                <a:ea typeface="Meiryo" panose="020B0604030504040204" pitchFamily="34" charset="-128"/>
                 <a:cs typeface="Times New Roman" panose="02020603050405020304" pitchFamily="18" charset="0"/>
               </a:rPr>
-              <a:t>0</a:t>
-            </a:r>
+              <a:t>α</a:t>
+            </a:r>
+            <a:endParaRPr kumimoji="1" lang="ja-JP" altLang="en-US" sz="2800" i="1">
+              <a:latin typeface="Times New Roman" panose="02020603050405020304" pitchFamily="18" charset="0"/>
+              <a:cs typeface="Times New Roman" panose="02020603050405020304" pitchFamily="18" charset="0"/>
+            </a:endParaRPr>
+          </a:p>
+        </p:txBody>
+      </p:sp>
+      <p:sp>
+        <p:nvSpPr>
+          <p:cNvPr id="47" name="テキスト ボックス 46">
+            <a:extLst>
+              <a:ext uri="{FF2B5EF4-FFF2-40B4-BE49-F238E27FC236}">
+                <a16:creationId xmlns:a16="http://schemas.microsoft.com/office/drawing/2014/main" id="{1CE8F802-DA82-204A-83F9-9B17DD90E761}"/>
+              </a:ext>
+            </a:extLst>
+          </p:cNvPr>
+          <p:cNvSpPr txBox="1"/>
+          <p:nvPr/>
+        </p:nvSpPr>
+        <p:spPr>
+          <a:xfrm>
+            <a:off x="5462140" y="1596204"/>
+            <a:ext cx="646331" cy="369332"/>
+          </a:xfrm>
+          <a:prstGeom prst="rect">
+            <a:avLst/>
+          </a:prstGeom>
+          <a:noFill/>
+        </p:spPr>
+        <p:txBody>
+          <a:bodyPr wrap="none" rtlCol="0">
+            <a:spAutoFit/>
+          </a:bodyPr>
+          <a:lstStyle/>
+          <a:p>
             <a:r>
               <a:rPr lang="ja-JP" altLang="en-US">
                 <a:latin typeface="Meiryo" panose="020B0604030504040204" pitchFamily="34" charset="-128"/>
                 <a:ea typeface="Meiryo" panose="020B0604030504040204" pitchFamily="34" charset="-128"/>
               </a:rPr>
-              <a:t>における</a:t>
-            </a:r>
-            <a:endParaRPr lang="en-US" altLang="ja-JP" dirty="0">
+              <a:t>誤差</a:t>
+            </a:r>
+            <a:endParaRPr kumimoji="1" lang="ja-JP" altLang="en-US">
               <a:latin typeface="Meiryo" panose="020B0604030504040204" pitchFamily="34" charset="-128"/>
               <a:ea typeface="Meiryo" panose="020B0604030504040204" pitchFamily="34" charset="-128"/>
             </a:endParaRPr>
           </a:p>
-          <a:p>
-            <a:r>
-              <a:rPr lang="ja-JP" altLang="en-US">
-                <a:latin typeface="Meiryo" panose="020B0604030504040204" pitchFamily="34" charset="-128"/>
-                <a:ea typeface="Meiryo" panose="020B0604030504040204" pitchFamily="34" charset="-128"/>
-              </a:rPr>
-              <a:t>関数の</a:t>
-            </a:r>
-            <a:r>
-              <a:rPr kumimoji="1" lang="ja-JP" altLang="en-US">
-                <a:latin typeface="Meiryo" panose="020B0604030504040204" pitchFamily="34" charset="-128"/>
-                <a:ea typeface="Meiryo" panose="020B0604030504040204" pitchFamily="34" charset="-128"/>
-              </a:rPr>
-              <a:t>傾き</a:t>
-            </a:r>
-          </a:p>
         </p:txBody>
       </p:sp>
     </p:spTree>
     <p:extLst>
       <p:ext uri="{BB962C8B-B14F-4D97-AF65-F5344CB8AC3E}">
-        <p14:creationId xmlns:p14="http://schemas.microsoft.com/office/powerpoint/2010/main" val="2962403276"/>
+        <p14:creationId xmlns:p14="http://schemas.microsoft.com/office/powerpoint/2010/main" val="1674283788"/>
       </p:ext>
     </p:extLst>
   </p:cSld>
@@ -4017,50 +4757,6 @@
           </a:fontRef>
         </p:style>
       </p:cxnSp>
-      <p:cxnSp>
-        <p:nvCxnSpPr>
-          <p:cNvPr id="40" name="直線コネクタ 39">
-            <a:extLst>
-              <a:ext uri="{FF2B5EF4-FFF2-40B4-BE49-F238E27FC236}">
-                <a16:creationId xmlns:a16="http://schemas.microsoft.com/office/drawing/2014/main" id="{0E101EED-F30A-4B48-A462-76BF8E3C2BAF}"/>
-              </a:ext>
-            </a:extLst>
-          </p:cNvPr>
-          <p:cNvCxnSpPr>
-            <a:cxnSpLocks/>
-          </p:cNvCxnSpPr>
-          <p:nvPr/>
-        </p:nvCxnSpPr>
-        <p:spPr>
-          <a:xfrm>
-            <a:off x="7843375" y="2866862"/>
-            <a:ext cx="0" cy="1515291"/>
-          </a:xfrm>
-          <a:prstGeom prst="line">
-            <a:avLst/>
-          </a:prstGeom>
-          <a:ln w="57150">
-            <a:solidFill>
-              <a:schemeClr val="tx1"/>
-            </a:solidFill>
-            <a:prstDash val="sysDot"/>
-          </a:ln>
-        </p:spPr>
-        <p:style>
-          <a:lnRef idx="1">
-            <a:schemeClr val="accent1"/>
-          </a:lnRef>
-          <a:fillRef idx="0">
-            <a:schemeClr val="accent1"/>
-          </a:fillRef>
-          <a:effectRef idx="0">
-            <a:schemeClr val="accent1"/>
-          </a:effectRef>
-          <a:fontRef idx="minor">
-            <a:schemeClr val="tx1"/>
-          </a:fontRef>
-        </p:style>
-      </p:cxnSp>
       <p:sp>
         <p:nvSpPr>
           <p:cNvPr id="18" name="円/楕円 17">
@@ -4109,56 +4805,59 @@
       </p:sp>
       <p:sp>
         <p:nvSpPr>
-          <p:cNvPr id="43" name="円/楕円 42">
-            <a:extLst>
-              <a:ext uri="{FF2B5EF4-FFF2-40B4-BE49-F238E27FC236}">
-                <a16:creationId xmlns:a16="http://schemas.microsoft.com/office/drawing/2014/main" id="{5D4639EB-2890-864C-88F5-289E4A69470E}"/>
-              </a:ext>
-            </a:extLst>
-          </p:cNvPr>
-          <p:cNvSpPr/>
-          <p:nvPr/>
-        </p:nvSpPr>
-        <p:spPr>
-          <a:xfrm>
-            <a:off x="7799291" y="4324399"/>
-            <a:ext cx="108857" cy="119743"/>
-          </a:xfrm>
-          <a:prstGeom prst="ellipse">
-            <a:avLst/>
-          </a:prstGeom>
-        </p:spPr>
-        <p:style>
-          <a:lnRef idx="2">
-            <a:schemeClr val="accent1">
-              <a:shade val="50000"/>
-            </a:schemeClr>
-          </a:lnRef>
-          <a:fillRef idx="1">
-            <a:schemeClr val="accent1"/>
-          </a:fillRef>
-          <a:effectRef idx="0">
-            <a:schemeClr val="accent1"/>
-          </a:effectRef>
-          <a:fontRef idx="minor">
-            <a:schemeClr val="lt1"/>
-          </a:fontRef>
-        </p:style>
-        <p:txBody>
-          <a:bodyPr rtlCol="0" anchor="ctr"/>
-          <a:lstStyle/>
-          <a:p>
-            <a:pPr algn="ctr"/>
-            <a:endParaRPr kumimoji="1" lang="ja-JP" altLang="en-US"/>
+          <p:cNvPr id="28" name="テキスト ボックス 27">
+            <a:extLst>
+              <a:ext uri="{FF2B5EF4-FFF2-40B4-BE49-F238E27FC236}">
+                <a16:creationId xmlns:a16="http://schemas.microsoft.com/office/drawing/2014/main" id="{57CA9403-966D-C54B-8B05-E92E3A9D585D}"/>
+              </a:ext>
+            </a:extLst>
+          </p:cNvPr>
+          <p:cNvSpPr txBox="1"/>
+          <p:nvPr/>
+        </p:nvSpPr>
+        <p:spPr>
+          <a:xfrm>
+            <a:off x="8058982" y="4545242"/>
+            <a:ext cx="364202" cy="369332"/>
+          </a:xfrm>
+          <a:prstGeom prst="rect">
+            <a:avLst/>
+          </a:prstGeom>
+          <a:noFill/>
+        </p:spPr>
+        <p:txBody>
+          <a:bodyPr wrap="none" rtlCol="0">
+            <a:spAutoFit/>
+          </a:bodyPr>
+          <a:lstStyle/>
+          <a:p>
+            <a:r>
+              <a:rPr kumimoji="1" lang="en-US" altLang="ja-JP" i="1" dirty="0">
+                <a:latin typeface="Times New Roman" panose="02020603050405020304" pitchFamily="18" charset="0"/>
+                <a:cs typeface="Times New Roman" panose="02020603050405020304" pitchFamily="18" charset="0"/>
+              </a:rPr>
+              <a:t>x</a:t>
+            </a:r>
+            <a:r>
+              <a:rPr kumimoji="1" lang="en-US" altLang="ja-JP" i="1" baseline="-25000" dirty="0">
+                <a:latin typeface="Times New Roman" panose="02020603050405020304" pitchFamily="18" charset="0"/>
+                <a:cs typeface="Times New Roman" panose="02020603050405020304" pitchFamily="18" charset="0"/>
+              </a:rPr>
+              <a:t>0</a:t>
+            </a:r>
+            <a:endParaRPr kumimoji="1" lang="ja-JP" altLang="en-US" i="1" baseline="-25000">
+              <a:latin typeface="Times New Roman" panose="02020603050405020304" pitchFamily="18" charset="0"/>
+              <a:cs typeface="Times New Roman" panose="02020603050405020304" pitchFamily="18" charset="0"/>
+            </a:endParaRPr>
           </a:p>
         </p:txBody>
       </p:sp>
       <p:cxnSp>
         <p:nvCxnSpPr>
-          <p:cNvPr id="47" name="直線コネクタ 46">
-            <a:extLst>
-              <a:ext uri="{FF2B5EF4-FFF2-40B4-BE49-F238E27FC236}">
-                <a16:creationId xmlns:a16="http://schemas.microsoft.com/office/drawing/2014/main" id="{3DE0F3AD-462C-284D-8753-8210CC2EDD89}"/>
+          <p:cNvPr id="57" name="直線コネクタ 56">
+            <a:extLst>
+              <a:ext uri="{FF2B5EF4-FFF2-40B4-BE49-F238E27FC236}">
+                <a16:creationId xmlns:a16="http://schemas.microsoft.com/office/drawing/2014/main" id="{19BEC975-8D69-ED48-9043-FBBA58C9FCCA}"/>
               </a:ext>
             </a:extLst>
           </p:cNvPr>
@@ -4168,18 +4867,18 @@
           <p:nvPr/>
         </p:nvCxnSpPr>
         <p:spPr>
-          <a:xfrm>
-            <a:off x="7603278" y="3331535"/>
-            <a:ext cx="0" cy="1119115"/>
+          <a:xfrm flipH="1">
+            <a:off x="7060019" y="743504"/>
+            <a:ext cx="1790840" cy="3801738"/>
           </a:xfrm>
           <a:prstGeom prst="line">
             <a:avLst/>
           </a:prstGeom>
-          <a:ln w="57150">
+          <a:ln w="19050">
             <a:solidFill>
-              <a:schemeClr val="tx1"/>
+              <a:srgbClr val="0432FF"/>
             </a:solidFill>
-            <a:prstDash val="sysDot"/>
+            <a:prstDash val="solid"/>
           </a:ln>
         </p:spPr>
         <p:style>
@@ -4197,238 +4896,12 @@
           </a:fontRef>
         </p:style>
       </p:cxnSp>
-      <p:cxnSp>
-        <p:nvCxnSpPr>
-          <p:cNvPr id="48" name="直線コネクタ 47">
-            <a:extLst>
-              <a:ext uri="{FF2B5EF4-FFF2-40B4-BE49-F238E27FC236}">
-                <a16:creationId xmlns:a16="http://schemas.microsoft.com/office/drawing/2014/main" id="{569F1917-DE07-5844-ACC0-27C8A04983DD}"/>
-              </a:ext>
-            </a:extLst>
-          </p:cNvPr>
-          <p:cNvCxnSpPr>
-            <a:cxnSpLocks/>
-          </p:cNvCxnSpPr>
-          <p:nvPr/>
-        </p:nvCxnSpPr>
-        <p:spPr>
-          <a:xfrm>
-            <a:off x="7426688" y="3572540"/>
-            <a:ext cx="0" cy="869484"/>
-          </a:xfrm>
-          <a:prstGeom prst="line">
-            <a:avLst/>
-          </a:prstGeom>
-          <a:ln w="57150">
-            <a:solidFill>
-              <a:schemeClr val="tx1"/>
-            </a:solidFill>
-            <a:prstDash val="sysDot"/>
-          </a:ln>
-        </p:spPr>
-        <p:style>
-          <a:lnRef idx="1">
-            <a:schemeClr val="accent1"/>
-          </a:lnRef>
-          <a:fillRef idx="0">
-            <a:schemeClr val="accent1"/>
-          </a:fillRef>
-          <a:effectRef idx="0">
-            <a:schemeClr val="accent1"/>
-          </a:effectRef>
-          <a:fontRef idx="minor">
-            <a:schemeClr val="tx1"/>
-          </a:fontRef>
-        </p:style>
-      </p:cxnSp>
-      <p:cxnSp>
-        <p:nvCxnSpPr>
-          <p:cNvPr id="49" name="直線コネクタ 48">
-            <a:extLst>
-              <a:ext uri="{FF2B5EF4-FFF2-40B4-BE49-F238E27FC236}">
-                <a16:creationId xmlns:a16="http://schemas.microsoft.com/office/drawing/2014/main" id="{DAF95012-F9A7-5A45-B635-2E1E543CAA45}"/>
-              </a:ext>
-            </a:extLst>
-          </p:cNvPr>
-          <p:cNvCxnSpPr>
-            <a:cxnSpLocks/>
-          </p:cNvCxnSpPr>
-          <p:nvPr/>
-        </p:nvCxnSpPr>
-        <p:spPr>
-          <a:xfrm>
-            <a:off x="7306488" y="3771014"/>
-            <a:ext cx="0" cy="679636"/>
-          </a:xfrm>
-          <a:prstGeom prst="line">
-            <a:avLst/>
-          </a:prstGeom>
-          <a:ln w="57150">
-            <a:solidFill>
-              <a:schemeClr val="tx1"/>
-            </a:solidFill>
-            <a:prstDash val="sysDot"/>
-          </a:ln>
-        </p:spPr>
-        <p:style>
-          <a:lnRef idx="1">
-            <a:schemeClr val="accent1"/>
-          </a:lnRef>
-          <a:fillRef idx="0">
-            <a:schemeClr val="accent1"/>
-          </a:fillRef>
-          <a:effectRef idx="0">
-            <a:schemeClr val="accent1"/>
-          </a:effectRef>
-          <a:fontRef idx="minor">
-            <a:schemeClr val="tx1"/>
-          </a:fontRef>
-        </p:style>
-      </p:cxnSp>
-      <p:sp>
-        <p:nvSpPr>
-          <p:cNvPr id="44" name="円/楕円 43">
-            <a:extLst>
-              <a:ext uri="{FF2B5EF4-FFF2-40B4-BE49-F238E27FC236}">
-                <a16:creationId xmlns:a16="http://schemas.microsoft.com/office/drawing/2014/main" id="{8E811E45-6682-CC49-A4B6-CD088D54ABE6}"/>
-              </a:ext>
-            </a:extLst>
-          </p:cNvPr>
-          <p:cNvSpPr/>
-          <p:nvPr/>
-        </p:nvSpPr>
-        <p:spPr>
-          <a:xfrm>
-            <a:off x="7548850" y="4330907"/>
-            <a:ext cx="108857" cy="119743"/>
-          </a:xfrm>
-          <a:prstGeom prst="ellipse">
-            <a:avLst/>
-          </a:prstGeom>
-        </p:spPr>
-        <p:style>
-          <a:lnRef idx="2">
-            <a:schemeClr val="accent1">
-              <a:shade val="50000"/>
-            </a:schemeClr>
-          </a:lnRef>
-          <a:fillRef idx="1">
-            <a:schemeClr val="accent1"/>
-          </a:fillRef>
-          <a:effectRef idx="0">
-            <a:schemeClr val="accent1"/>
-          </a:effectRef>
-          <a:fontRef idx="minor">
-            <a:schemeClr val="lt1"/>
-          </a:fontRef>
-        </p:style>
-        <p:txBody>
-          <a:bodyPr rtlCol="0" anchor="ctr"/>
-          <a:lstStyle/>
-          <a:p>
-            <a:pPr algn="ctr"/>
-            <a:endParaRPr kumimoji="1" lang="ja-JP" altLang="en-US"/>
-          </a:p>
-        </p:txBody>
-      </p:sp>
-      <p:sp>
-        <p:nvSpPr>
-          <p:cNvPr id="45" name="円/楕円 44">
-            <a:extLst>
-              <a:ext uri="{FF2B5EF4-FFF2-40B4-BE49-F238E27FC236}">
-                <a16:creationId xmlns:a16="http://schemas.microsoft.com/office/drawing/2014/main" id="{1E163CFF-D531-A647-8ADA-50821B31565D}"/>
-              </a:ext>
-            </a:extLst>
-          </p:cNvPr>
-          <p:cNvSpPr/>
-          <p:nvPr/>
-        </p:nvSpPr>
-        <p:spPr>
-          <a:xfrm>
-            <a:off x="7371261" y="4330907"/>
-            <a:ext cx="108857" cy="119743"/>
-          </a:xfrm>
-          <a:prstGeom prst="ellipse">
-            <a:avLst/>
-          </a:prstGeom>
-        </p:spPr>
-        <p:style>
-          <a:lnRef idx="2">
-            <a:schemeClr val="accent1">
-              <a:shade val="50000"/>
-            </a:schemeClr>
-          </a:lnRef>
-          <a:fillRef idx="1">
-            <a:schemeClr val="accent1"/>
-          </a:fillRef>
-          <a:effectRef idx="0">
-            <a:schemeClr val="accent1"/>
-          </a:effectRef>
-          <a:fontRef idx="minor">
-            <a:schemeClr val="lt1"/>
-          </a:fontRef>
-        </p:style>
-        <p:txBody>
-          <a:bodyPr rtlCol="0" anchor="ctr"/>
-          <a:lstStyle/>
-          <a:p>
-            <a:pPr algn="ctr"/>
-            <a:endParaRPr kumimoji="1" lang="ja-JP" altLang="en-US"/>
-          </a:p>
-        </p:txBody>
-      </p:sp>
-      <p:sp>
-        <p:nvSpPr>
-          <p:cNvPr id="46" name="円/楕円 45">
-            <a:extLst>
-              <a:ext uri="{FF2B5EF4-FFF2-40B4-BE49-F238E27FC236}">
-                <a16:creationId xmlns:a16="http://schemas.microsoft.com/office/drawing/2014/main" id="{33D92CAE-FE60-E243-9656-9A0A52111036}"/>
-              </a:ext>
-            </a:extLst>
-          </p:cNvPr>
-          <p:cNvSpPr/>
-          <p:nvPr/>
-        </p:nvSpPr>
-        <p:spPr>
-          <a:xfrm>
-            <a:off x="7252060" y="4332445"/>
-            <a:ext cx="108857" cy="119743"/>
-          </a:xfrm>
-          <a:prstGeom prst="ellipse">
-            <a:avLst/>
-          </a:prstGeom>
-        </p:spPr>
-        <p:style>
-          <a:lnRef idx="2">
-            <a:schemeClr val="accent1">
-              <a:shade val="50000"/>
-            </a:schemeClr>
-          </a:lnRef>
-          <a:fillRef idx="1">
-            <a:schemeClr val="accent1"/>
-          </a:fillRef>
-          <a:effectRef idx="0">
-            <a:schemeClr val="accent1"/>
-          </a:effectRef>
-          <a:fontRef idx="minor">
-            <a:schemeClr val="lt1"/>
-          </a:fontRef>
-        </p:style>
-        <p:txBody>
-          <a:bodyPr rtlCol="0" anchor="ctr"/>
-          <a:lstStyle/>
-          <a:p>
-            <a:pPr algn="ctr"/>
-            <a:endParaRPr kumimoji="1" lang="ja-JP" altLang="en-US"/>
-          </a:p>
-        </p:txBody>
-      </p:sp>
-      <p:sp>
-        <p:nvSpPr>
-          <p:cNvPr id="28" name="テキスト ボックス 27">
-            <a:extLst>
-              <a:ext uri="{FF2B5EF4-FFF2-40B4-BE49-F238E27FC236}">
-                <a16:creationId xmlns:a16="http://schemas.microsoft.com/office/drawing/2014/main" id="{57CA9403-966D-C54B-8B05-E92E3A9D585D}"/>
+      <p:sp>
+        <p:nvSpPr>
+          <p:cNvPr id="33" name="テキスト ボックス 32">
+            <a:extLst>
+              <a:ext uri="{FF2B5EF4-FFF2-40B4-BE49-F238E27FC236}">
+                <a16:creationId xmlns:a16="http://schemas.microsoft.com/office/drawing/2014/main" id="{AB44D129-026E-BE49-B57D-7CFAF4E38AED}"/>
               </a:ext>
             </a:extLst>
           </p:cNvPr>
@@ -4437,8 +4910,8 @@
         </p:nvSpPr>
         <p:spPr>
           <a:xfrm>
-            <a:off x="8058982" y="4545242"/>
-            <a:ext cx="364202" cy="369332"/>
+            <a:off x="8850859" y="659219"/>
+            <a:ext cx="1338828" cy="646331"/>
           </a:xfrm>
           <a:prstGeom prst="rect">
             <a:avLst/>
@@ -4452,348 +4925,55 @@
           <a:lstStyle/>
           <a:p>
             <a:r>
-              <a:rPr kumimoji="1" lang="en-US" altLang="ja-JP" i="1" dirty="0">
-                <a:latin typeface="Times New Roman" panose="02020603050405020304" pitchFamily="18" charset="0"/>
-                <a:cs typeface="Times New Roman" panose="02020603050405020304" pitchFamily="18" charset="0"/>
-              </a:rPr>
-              <a:t>x</a:t>
-            </a:r>
-            <a:r>
-              <a:rPr kumimoji="1" lang="en-US" altLang="ja-JP" i="1" baseline="-25000" dirty="0">
-                <a:latin typeface="Times New Roman" panose="02020603050405020304" pitchFamily="18" charset="0"/>
-                <a:cs typeface="Times New Roman" panose="02020603050405020304" pitchFamily="18" charset="0"/>
-              </a:rPr>
-              <a:t>0</a:t>
-            </a:r>
-            <a:endParaRPr kumimoji="1" lang="ja-JP" altLang="en-US" i="1" baseline="-25000">
-              <a:latin typeface="Times New Roman" panose="02020603050405020304" pitchFamily="18" charset="0"/>
-              <a:cs typeface="Times New Roman" panose="02020603050405020304" pitchFamily="18" charset="0"/>
-            </a:endParaRPr>
-          </a:p>
-        </p:txBody>
-      </p:sp>
-      <p:sp>
-        <p:nvSpPr>
-          <p:cNvPr id="54" name="テキスト ボックス 53">
-            <a:extLst>
-              <a:ext uri="{FF2B5EF4-FFF2-40B4-BE49-F238E27FC236}">
-                <a16:creationId xmlns:a16="http://schemas.microsoft.com/office/drawing/2014/main" id="{1BC19A2C-7999-9E4C-A563-E18BD92325DF}"/>
-              </a:ext>
-            </a:extLst>
-          </p:cNvPr>
-          <p:cNvSpPr txBox="1"/>
-          <p:nvPr/>
-        </p:nvSpPr>
-        <p:spPr>
-          <a:xfrm>
-            <a:off x="7694780" y="4544183"/>
-            <a:ext cx="364202" cy="369332"/>
-          </a:xfrm>
-          <a:prstGeom prst="rect">
-            <a:avLst/>
-          </a:prstGeom>
-          <a:noFill/>
-        </p:spPr>
-        <p:txBody>
-          <a:bodyPr wrap="none" rtlCol="0">
-            <a:spAutoFit/>
-          </a:bodyPr>
-          <a:lstStyle/>
-          <a:p>
-            <a:r>
-              <a:rPr kumimoji="1" lang="en-US" altLang="ja-JP" i="1" dirty="0">
-                <a:latin typeface="Times New Roman" panose="02020603050405020304" pitchFamily="18" charset="0"/>
-                <a:cs typeface="Times New Roman" panose="02020603050405020304" pitchFamily="18" charset="0"/>
-              </a:rPr>
-              <a:t>x</a:t>
-            </a:r>
-            <a:r>
-              <a:rPr lang="en-US" altLang="ja-JP" i="1" baseline="-25000" dirty="0">
-                <a:latin typeface="Times New Roman" panose="02020603050405020304" pitchFamily="18" charset="0"/>
-                <a:cs typeface="Times New Roman" panose="02020603050405020304" pitchFamily="18" charset="0"/>
-              </a:rPr>
-              <a:t>1</a:t>
-            </a:r>
-            <a:endParaRPr kumimoji="1" lang="ja-JP" altLang="en-US" i="1" baseline="-25000">
-              <a:latin typeface="Times New Roman" panose="02020603050405020304" pitchFamily="18" charset="0"/>
-              <a:cs typeface="Times New Roman" panose="02020603050405020304" pitchFamily="18" charset="0"/>
-            </a:endParaRPr>
-          </a:p>
-        </p:txBody>
-      </p:sp>
-      <p:sp>
-        <p:nvSpPr>
-          <p:cNvPr id="55" name="テキスト ボックス 54">
-            <a:extLst>
-              <a:ext uri="{FF2B5EF4-FFF2-40B4-BE49-F238E27FC236}">
-                <a16:creationId xmlns:a16="http://schemas.microsoft.com/office/drawing/2014/main" id="{F2A28E34-4A66-8E4E-B17B-9A2F82E9D122}"/>
-              </a:ext>
-            </a:extLst>
-          </p:cNvPr>
-          <p:cNvSpPr txBox="1"/>
-          <p:nvPr/>
-        </p:nvSpPr>
-        <p:spPr>
-          <a:xfrm>
-            <a:off x="7310797" y="4541436"/>
-            <a:ext cx="364202" cy="369332"/>
-          </a:xfrm>
-          <a:prstGeom prst="rect">
-            <a:avLst/>
-          </a:prstGeom>
-          <a:noFill/>
-        </p:spPr>
-        <p:txBody>
-          <a:bodyPr wrap="none" rtlCol="0">
-            <a:spAutoFit/>
-          </a:bodyPr>
-          <a:lstStyle/>
-          <a:p>
-            <a:r>
-              <a:rPr kumimoji="1" lang="en-US" altLang="ja-JP" i="1" dirty="0">
-                <a:latin typeface="Times New Roman" panose="02020603050405020304" pitchFamily="18" charset="0"/>
-                <a:cs typeface="Times New Roman" panose="02020603050405020304" pitchFamily="18" charset="0"/>
-              </a:rPr>
-              <a:t>x</a:t>
-            </a:r>
-            <a:r>
-              <a:rPr lang="en-US" altLang="ja-JP" i="1" baseline="-25000" dirty="0">
-                <a:latin typeface="Times New Roman" panose="02020603050405020304" pitchFamily="18" charset="0"/>
-                <a:cs typeface="Times New Roman" panose="02020603050405020304" pitchFamily="18" charset="0"/>
-              </a:rPr>
-              <a:t>2</a:t>
-            </a:r>
-            <a:endParaRPr kumimoji="1" lang="ja-JP" altLang="en-US" i="1" baseline="-25000">
-              <a:latin typeface="Times New Roman" panose="02020603050405020304" pitchFamily="18" charset="0"/>
-              <a:cs typeface="Times New Roman" panose="02020603050405020304" pitchFamily="18" charset="0"/>
-            </a:endParaRPr>
-          </a:p>
-        </p:txBody>
-      </p:sp>
-      <p:sp>
-        <p:nvSpPr>
-          <p:cNvPr id="17" name="円/楕円 16">
-            <a:extLst>
-              <a:ext uri="{FF2B5EF4-FFF2-40B4-BE49-F238E27FC236}">
-                <a16:creationId xmlns:a16="http://schemas.microsoft.com/office/drawing/2014/main" id="{D90BFC41-BE5E-684C-8B35-9AEA8824F555}"/>
-              </a:ext>
-            </a:extLst>
-          </p:cNvPr>
-          <p:cNvSpPr/>
-          <p:nvPr/>
-        </p:nvSpPr>
-        <p:spPr>
-          <a:xfrm>
-            <a:off x="6150583" y="4330907"/>
-            <a:ext cx="108857" cy="119743"/>
-          </a:xfrm>
-          <a:prstGeom prst="ellipse">
-            <a:avLst/>
-          </a:prstGeom>
-          <a:solidFill>
-            <a:srgbClr val="C00000"/>
-          </a:solidFill>
-          <a:ln>
-            <a:solidFill>
-              <a:srgbClr val="FF0000"/>
-            </a:solidFill>
-          </a:ln>
-        </p:spPr>
-        <p:style>
-          <a:lnRef idx="2">
-            <a:schemeClr val="accent1">
-              <a:shade val="50000"/>
-            </a:schemeClr>
-          </a:lnRef>
-          <a:fillRef idx="1">
-            <a:schemeClr val="accent1"/>
-          </a:fillRef>
-          <a:effectRef idx="0">
-            <a:schemeClr val="accent1"/>
-          </a:effectRef>
-          <a:fontRef idx="minor">
-            <a:schemeClr val="lt1"/>
-          </a:fontRef>
-        </p:style>
-        <p:txBody>
-          <a:bodyPr rtlCol="0" anchor="ctr"/>
-          <a:lstStyle/>
-          <a:p>
-            <a:pPr algn="ctr"/>
-            <a:endParaRPr kumimoji="1" lang="ja-JP" altLang="en-US"/>
-          </a:p>
-        </p:txBody>
-      </p:sp>
-      <p:sp>
-        <p:nvSpPr>
-          <p:cNvPr id="20" name="テキスト ボックス 19">
-            <a:extLst>
-              <a:ext uri="{FF2B5EF4-FFF2-40B4-BE49-F238E27FC236}">
-                <a16:creationId xmlns:a16="http://schemas.microsoft.com/office/drawing/2014/main" id="{08D4AC1A-7CD5-AB41-9BF7-A0E9187B4804}"/>
-              </a:ext>
-            </a:extLst>
-          </p:cNvPr>
-          <p:cNvSpPr txBox="1"/>
-          <p:nvPr/>
-        </p:nvSpPr>
-        <p:spPr>
-          <a:xfrm>
-            <a:off x="5796824" y="4690313"/>
-            <a:ext cx="2723823" cy="646331"/>
-          </a:xfrm>
-          <a:prstGeom prst="rect">
-            <a:avLst/>
-          </a:prstGeom>
-          <a:noFill/>
-        </p:spPr>
-        <p:txBody>
-          <a:bodyPr wrap="none" rtlCol="0">
-            <a:spAutoFit/>
-          </a:bodyPr>
-          <a:lstStyle/>
-          <a:p>
-            <a:r>
-              <a:rPr kumimoji="1" lang="ja-JP" altLang="en-US" i="1">
+              <a:rPr lang="en-US" altLang="ja-JP" i="1" dirty="0">
                 <a:latin typeface="Times New Roman" panose="02020603050405020304" pitchFamily="18" charset="0"/>
                 <a:ea typeface="Meiryo" panose="020B0604030504040204" pitchFamily="34" charset="-128"/>
                 <a:cs typeface="Times New Roman" panose="02020603050405020304" pitchFamily="18" charset="0"/>
               </a:rPr>
-              <a:t>極小値</a:t>
-            </a:r>
-            <a:endParaRPr kumimoji="1" lang="en-US" altLang="ja-JP" i="1" dirty="0">
-              <a:latin typeface="Times New Roman" panose="02020603050405020304" pitchFamily="18" charset="0"/>
-              <a:ea typeface="Meiryo" panose="020B0604030504040204" pitchFamily="34" charset="-128"/>
-              <a:cs typeface="Times New Roman" panose="02020603050405020304" pitchFamily="18" charset="0"/>
-            </a:endParaRPr>
-          </a:p>
-          <a:p>
-            <a:r>
-              <a:rPr lang="ja-JP" altLang="en-US" i="1">
+              <a:t>x</a:t>
+            </a:r>
+            <a:r>
+              <a:rPr lang="en-US" altLang="ja-JP" i="1" baseline="-25000" dirty="0">
                 <a:latin typeface="Times New Roman" panose="02020603050405020304" pitchFamily="18" charset="0"/>
                 <a:ea typeface="Meiryo" panose="020B0604030504040204" pitchFamily="34" charset="-128"/>
                 <a:cs typeface="Times New Roman" panose="02020603050405020304" pitchFamily="18" charset="0"/>
               </a:rPr>
-              <a:t>（この関数では最小値）</a:t>
-            </a:r>
-            <a:endParaRPr kumimoji="1" lang="ja-JP" altLang="en-US">
+              <a:t>0</a:t>
+            </a:r>
+            <a:r>
+              <a:rPr lang="ja-JP" altLang="en-US">
+                <a:latin typeface="Meiryo" panose="020B0604030504040204" pitchFamily="34" charset="-128"/>
+                <a:ea typeface="Meiryo" panose="020B0604030504040204" pitchFamily="34" charset="-128"/>
+              </a:rPr>
+              <a:t>における</a:t>
+            </a:r>
+            <a:endParaRPr lang="en-US" altLang="ja-JP" dirty="0">
               <a:latin typeface="Meiryo" panose="020B0604030504040204" pitchFamily="34" charset="-128"/>
               <a:ea typeface="Meiryo" panose="020B0604030504040204" pitchFamily="34" charset="-128"/>
             </a:endParaRPr>
           </a:p>
-        </p:txBody>
-      </p:sp>
-      <p:sp>
-        <p:nvSpPr>
-          <p:cNvPr id="2" name="右矢印 1">
-            <a:extLst>
-              <a:ext uri="{FF2B5EF4-FFF2-40B4-BE49-F238E27FC236}">
-                <a16:creationId xmlns:a16="http://schemas.microsoft.com/office/drawing/2014/main" id="{9814169C-15C4-ED42-B1B0-27125EBD58D6}"/>
-              </a:ext>
-            </a:extLst>
-          </p:cNvPr>
-          <p:cNvSpPr/>
-          <p:nvPr/>
-        </p:nvSpPr>
-        <p:spPr>
-          <a:xfrm flipH="1">
-            <a:off x="7996959" y="4684121"/>
-            <a:ext cx="97463" cy="196744"/>
-          </a:xfrm>
-          <a:prstGeom prst="rightArrow">
-            <a:avLst/>
-          </a:prstGeom>
-          <a:solidFill>
-            <a:srgbClr val="FFC000"/>
-          </a:solidFill>
-          <a:ln>
-            <a:solidFill>
-              <a:srgbClr val="FFC000"/>
-            </a:solidFill>
-          </a:ln>
-        </p:spPr>
-        <p:style>
-          <a:lnRef idx="2">
-            <a:schemeClr val="accent1">
-              <a:shade val="50000"/>
-            </a:schemeClr>
-          </a:lnRef>
-          <a:fillRef idx="1">
-            <a:schemeClr val="accent1"/>
-          </a:fillRef>
-          <a:effectRef idx="0">
-            <a:schemeClr val="accent1"/>
-          </a:effectRef>
-          <a:fontRef idx="minor">
-            <a:schemeClr val="lt1"/>
-          </a:fontRef>
-        </p:style>
-        <p:txBody>
-          <a:bodyPr rtlCol="0" anchor="ctr"/>
-          <a:lstStyle/>
-          <a:p>
-            <a:pPr algn="ctr"/>
-            <a:endParaRPr kumimoji="1" lang="ja-JP" altLang="en-US"/>
-          </a:p>
-        </p:txBody>
-      </p:sp>
-      <p:sp>
-        <p:nvSpPr>
-          <p:cNvPr id="22" name="右矢印 21">
-            <a:extLst>
-              <a:ext uri="{FF2B5EF4-FFF2-40B4-BE49-F238E27FC236}">
-                <a16:creationId xmlns:a16="http://schemas.microsoft.com/office/drawing/2014/main" id="{F44E8D09-B4B5-474D-BB76-0A9B7F187FA0}"/>
-              </a:ext>
-            </a:extLst>
-          </p:cNvPr>
-          <p:cNvSpPr/>
-          <p:nvPr/>
-        </p:nvSpPr>
-        <p:spPr>
-          <a:xfrm flipH="1">
-            <a:off x="7631275" y="4675549"/>
-            <a:ext cx="97463" cy="196744"/>
-          </a:xfrm>
-          <a:prstGeom prst="rightArrow">
-            <a:avLst/>
-          </a:prstGeom>
-          <a:solidFill>
-            <a:srgbClr val="FFC000"/>
-          </a:solidFill>
-          <a:ln>
-            <a:solidFill>
-              <a:srgbClr val="FFC000"/>
-            </a:solidFill>
-          </a:ln>
-        </p:spPr>
-        <p:style>
-          <a:lnRef idx="2">
-            <a:schemeClr val="accent1">
-              <a:shade val="50000"/>
-            </a:schemeClr>
-          </a:lnRef>
-          <a:fillRef idx="1">
-            <a:schemeClr val="accent1"/>
-          </a:fillRef>
-          <a:effectRef idx="0">
-            <a:schemeClr val="accent1"/>
-          </a:effectRef>
-          <a:fontRef idx="minor">
-            <a:schemeClr val="lt1"/>
-          </a:fontRef>
-        </p:style>
-        <p:txBody>
-          <a:bodyPr rtlCol="0" anchor="ctr"/>
-          <a:lstStyle/>
-          <a:p>
-            <a:pPr algn="ctr"/>
-            <a:endParaRPr kumimoji="1" lang="ja-JP" altLang="en-US"/>
+          <a:p>
+            <a:r>
+              <a:rPr lang="ja-JP" altLang="en-US">
+                <a:latin typeface="Meiryo" panose="020B0604030504040204" pitchFamily="34" charset="-128"/>
+                <a:ea typeface="Meiryo" panose="020B0604030504040204" pitchFamily="34" charset="-128"/>
+              </a:rPr>
+              <a:t>関数の</a:t>
+            </a:r>
+            <a:r>
+              <a:rPr kumimoji="1" lang="ja-JP" altLang="en-US">
+                <a:latin typeface="Meiryo" panose="020B0604030504040204" pitchFamily="34" charset="-128"/>
+                <a:ea typeface="Meiryo" panose="020B0604030504040204" pitchFamily="34" charset="-128"/>
+              </a:rPr>
+              <a:t>傾き</a:t>
+            </a:r>
           </a:p>
         </p:txBody>
       </p:sp>
     </p:spTree>
     <p:extLst>
       <p:ext uri="{BB962C8B-B14F-4D97-AF65-F5344CB8AC3E}">
-        <p14:creationId xmlns:p14="http://schemas.microsoft.com/office/powerpoint/2010/main" val="1589045083"/>
+        <p14:creationId xmlns:p14="http://schemas.microsoft.com/office/powerpoint/2010/main" val="2962403276"/>
       </p:ext>
     </p:extLst>
   </p:cSld>
@@ -4892,6 +5072,50 @@
           </a:fontRef>
         </p:style>
       </p:cxnSp>
+      <p:cxnSp>
+        <p:nvCxnSpPr>
+          <p:cNvPr id="40" name="直線コネクタ 39">
+            <a:extLst>
+              <a:ext uri="{FF2B5EF4-FFF2-40B4-BE49-F238E27FC236}">
+                <a16:creationId xmlns:a16="http://schemas.microsoft.com/office/drawing/2014/main" id="{0E101EED-F30A-4B48-A462-76BF8E3C2BAF}"/>
+              </a:ext>
+            </a:extLst>
+          </p:cNvPr>
+          <p:cNvCxnSpPr>
+            <a:cxnSpLocks/>
+          </p:cNvCxnSpPr>
+          <p:nvPr/>
+        </p:nvCxnSpPr>
+        <p:spPr>
+          <a:xfrm>
+            <a:off x="7843375" y="2866862"/>
+            <a:ext cx="0" cy="1515291"/>
+          </a:xfrm>
+          <a:prstGeom prst="line">
+            <a:avLst/>
+          </a:prstGeom>
+          <a:ln w="57150">
+            <a:solidFill>
+              <a:schemeClr val="tx1"/>
+            </a:solidFill>
+            <a:prstDash val="sysDot"/>
+          </a:ln>
+        </p:spPr>
+        <p:style>
+          <a:lnRef idx="1">
+            <a:schemeClr val="accent1"/>
+          </a:lnRef>
+          <a:fillRef idx="0">
+            <a:schemeClr val="accent1"/>
+          </a:fillRef>
+          <a:effectRef idx="0">
+            <a:schemeClr val="accent1"/>
+          </a:effectRef>
+          <a:fontRef idx="minor">
+            <a:schemeClr val="tx1"/>
+          </a:fontRef>
+        </p:style>
+      </p:cxnSp>
       <p:sp>
         <p:nvSpPr>
           <p:cNvPr id="18" name="円/楕円 17">
@@ -4938,56 +5162,12 @@
           </a:p>
         </p:txBody>
       </p:sp>
-      <p:cxnSp>
-        <p:nvCxnSpPr>
-          <p:cNvPr id="49" name="直線コネクタ 48">
-            <a:extLst>
-              <a:ext uri="{FF2B5EF4-FFF2-40B4-BE49-F238E27FC236}">
-                <a16:creationId xmlns:a16="http://schemas.microsoft.com/office/drawing/2014/main" id="{DAF95012-F9A7-5A45-B635-2E1E543CAA45}"/>
-              </a:ext>
-            </a:extLst>
-          </p:cNvPr>
-          <p:cNvCxnSpPr>
-            <a:cxnSpLocks/>
-          </p:cNvCxnSpPr>
-          <p:nvPr/>
-        </p:nvCxnSpPr>
-        <p:spPr>
-          <a:xfrm>
-            <a:off x="6741023" y="4231758"/>
-            <a:ext cx="0" cy="218892"/>
-          </a:xfrm>
-          <a:prstGeom prst="line">
-            <a:avLst/>
-          </a:prstGeom>
-          <a:ln w="57150">
-            <a:solidFill>
-              <a:schemeClr val="tx1"/>
-            </a:solidFill>
-            <a:prstDash val="solid"/>
-          </a:ln>
-        </p:spPr>
-        <p:style>
-          <a:lnRef idx="1">
-            <a:schemeClr val="accent1"/>
-          </a:lnRef>
-          <a:fillRef idx="0">
-            <a:schemeClr val="accent1"/>
-          </a:fillRef>
-          <a:effectRef idx="0">
-            <a:schemeClr val="accent1"/>
-          </a:effectRef>
-          <a:fontRef idx="minor">
-            <a:schemeClr val="tx1"/>
-          </a:fontRef>
-        </p:style>
-      </p:cxnSp>
-      <p:sp>
-        <p:nvSpPr>
-          <p:cNvPr id="46" name="円/楕円 45">
-            <a:extLst>
-              <a:ext uri="{FF2B5EF4-FFF2-40B4-BE49-F238E27FC236}">
-                <a16:creationId xmlns:a16="http://schemas.microsoft.com/office/drawing/2014/main" id="{33D92CAE-FE60-E243-9656-9A0A52111036}"/>
+      <p:sp>
+        <p:nvSpPr>
+          <p:cNvPr id="43" name="円/楕円 42">
+            <a:extLst>
+              <a:ext uri="{FF2B5EF4-FFF2-40B4-BE49-F238E27FC236}">
+                <a16:creationId xmlns:a16="http://schemas.microsoft.com/office/drawing/2014/main" id="{5D4639EB-2890-864C-88F5-289E4A69470E}"/>
               </a:ext>
             </a:extLst>
           </p:cNvPr>
@@ -4996,7 +5176,7 @@
         </p:nvSpPr>
         <p:spPr>
           <a:xfrm>
-            <a:off x="6686595" y="4332445"/>
+            <a:off x="7799291" y="4324399"/>
             <a:ext cx="108857" cy="119743"/>
           </a:xfrm>
           <a:prstGeom prst="ellipse">
@@ -5025,6 +5205,423 @@
           <a:p>
             <a:pPr algn="ctr"/>
             <a:endParaRPr kumimoji="1" lang="ja-JP" altLang="en-US"/>
+          </a:p>
+        </p:txBody>
+      </p:sp>
+      <p:cxnSp>
+        <p:nvCxnSpPr>
+          <p:cNvPr id="47" name="直線コネクタ 46">
+            <a:extLst>
+              <a:ext uri="{FF2B5EF4-FFF2-40B4-BE49-F238E27FC236}">
+                <a16:creationId xmlns:a16="http://schemas.microsoft.com/office/drawing/2014/main" id="{3DE0F3AD-462C-284D-8753-8210CC2EDD89}"/>
+              </a:ext>
+            </a:extLst>
+          </p:cNvPr>
+          <p:cNvCxnSpPr>
+            <a:cxnSpLocks/>
+          </p:cNvCxnSpPr>
+          <p:nvPr/>
+        </p:nvCxnSpPr>
+        <p:spPr>
+          <a:xfrm>
+            <a:off x="7603278" y="3331535"/>
+            <a:ext cx="0" cy="1119115"/>
+          </a:xfrm>
+          <a:prstGeom prst="line">
+            <a:avLst/>
+          </a:prstGeom>
+          <a:ln w="57150">
+            <a:solidFill>
+              <a:schemeClr val="tx1"/>
+            </a:solidFill>
+            <a:prstDash val="sysDot"/>
+          </a:ln>
+        </p:spPr>
+        <p:style>
+          <a:lnRef idx="1">
+            <a:schemeClr val="accent1"/>
+          </a:lnRef>
+          <a:fillRef idx="0">
+            <a:schemeClr val="accent1"/>
+          </a:fillRef>
+          <a:effectRef idx="0">
+            <a:schemeClr val="accent1"/>
+          </a:effectRef>
+          <a:fontRef idx="minor">
+            <a:schemeClr val="tx1"/>
+          </a:fontRef>
+        </p:style>
+      </p:cxnSp>
+      <p:cxnSp>
+        <p:nvCxnSpPr>
+          <p:cNvPr id="48" name="直線コネクタ 47">
+            <a:extLst>
+              <a:ext uri="{FF2B5EF4-FFF2-40B4-BE49-F238E27FC236}">
+                <a16:creationId xmlns:a16="http://schemas.microsoft.com/office/drawing/2014/main" id="{569F1917-DE07-5844-ACC0-27C8A04983DD}"/>
+              </a:ext>
+            </a:extLst>
+          </p:cNvPr>
+          <p:cNvCxnSpPr>
+            <a:cxnSpLocks/>
+          </p:cNvCxnSpPr>
+          <p:nvPr/>
+        </p:nvCxnSpPr>
+        <p:spPr>
+          <a:xfrm>
+            <a:off x="7426688" y="3572540"/>
+            <a:ext cx="0" cy="869484"/>
+          </a:xfrm>
+          <a:prstGeom prst="line">
+            <a:avLst/>
+          </a:prstGeom>
+          <a:ln w="57150">
+            <a:solidFill>
+              <a:schemeClr val="tx1"/>
+            </a:solidFill>
+            <a:prstDash val="sysDot"/>
+          </a:ln>
+        </p:spPr>
+        <p:style>
+          <a:lnRef idx="1">
+            <a:schemeClr val="accent1"/>
+          </a:lnRef>
+          <a:fillRef idx="0">
+            <a:schemeClr val="accent1"/>
+          </a:fillRef>
+          <a:effectRef idx="0">
+            <a:schemeClr val="accent1"/>
+          </a:effectRef>
+          <a:fontRef idx="minor">
+            <a:schemeClr val="tx1"/>
+          </a:fontRef>
+        </p:style>
+      </p:cxnSp>
+      <p:cxnSp>
+        <p:nvCxnSpPr>
+          <p:cNvPr id="49" name="直線コネクタ 48">
+            <a:extLst>
+              <a:ext uri="{FF2B5EF4-FFF2-40B4-BE49-F238E27FC236}">
+                <a16:creationId xmlns:a16="http://schemas.microsoft.com/office/drawing/2014/main" id="{DAF95012-F9A7-5A45-B635-2E1E543CAA45}"/>
+              </a:ext>
+            </a:extLst>
+          </p:cNvPr>
+          <p:cNvCxnSpPr>
+            <a:cxnSpLocks/>
+          </p:cNvCxnSpPr>
+          <p:nvPr/>
+        </p:nvCxnSpPr>
+        <p:spPr>
+          <a:xfrm>
+            <a:off x="7306488" y="3771014"/>
+            <a:ext cx="0" cy="679636"/>
+          </a:xfrm>
+          <a:prstGeom prst="line">
+            <a:avLst/>
+          </a:prstGeom>
+          <a:ln w="57150">
+            <a:solidFill>
+              <a:schemeClr val="tx1"/>
+            </a:solidFill>
+            <a:prstDash val="sysDot"/>
+          </a:ln>
+        </p:spPr>
+        <p:style>
+          <a:lnRef idx="1">
+            <a:schemeClr val="accent1"/>
+          </a:lnRef>
+          <a:fillRef idx="0">
+            <a:schemeClr val="accent1"/>
+          </a:fillRef>
+          <a:effectRef idx="0">
+            <a:schemeClr val="accent1"/>
+          </a:effectRef>
+          <a:fontRef idx="minor">
+            <a:schemeClr val="tx1"/>
+          </a:fontRef>
+        </p:style>
+      </p:cxnSp>
+      <p:sp>
+        <p:nvSpPr>
+          <p:cNvPr id="44" name="円/楕円 43">
+            <a:extLst>
+              <a:ext uri="{FF2B5EF4-FFF2-40B4-BE49-F238E27FC236}">
+                <a16:creationId xmlns:a16="http://schemas.microsoft.com/office/drawing/2014/main" id="{8E811E45-6682-CC49-A4B6-CD088D54ABE6}"/>
+              </a:ext>
+            </a:extLst>
+          </p:cNvPr>
+          <p:cNvSpPr/>
+          <p:nvPr/>
+        </p:nvSpPr>
+        <p:spPr>
+          <a:xfrm>
+            <a:off x="7548850" y="4330907"/>
+            <a:ext cx="108857" cy="119743"/>
+          </a:xfrm>
+          <a:prstGeom prst="ellipse">
+            <a:avLst/>
+          </a:prstGeom>
+        </p:spPr>
+        <p:style>
+          <a:lnRef idx="2">
+            <a:schemeClr val="accent1">
+              <a:shade val="50000"/>
+            </a:schemeClr>
+          </a:lnRef>
+          <a:fillRef idx="1">
+            <a:schemeClr val="accent1"/>
+          </a:fillRef>
+          <a:effectRef idx="0">
+            <a:schemeClr val="accent1"/>
+          </a:effectRef>
+          <a:fontRef idx="minor">
+            <a:schemeClr val="lt1"/>
+          </a:fontRef>
+        </p:style>
+        <p:txBody>
+          <a:bodyPr rtlCol="0" anchor="ctr"/>
+          <a:lstStyle/>
+          <a:p>
+            <a:pPr algn="ctr"/>
+            <a:endParaRPr kumimoji="1" lang="ja-JP" altLang="en-US"/>
+          </a:p>
+        </p:txBody>
+      </p:sp>
+      <p:sp>
+        <p:nvSpPr>
+          <p:cNvPr id="45" name="円/楕円 44">
+            <a:extLst>
+              <a:ext uri="{FF2B5EF4-FFF2-40B4-BE49-F238E27FC236}">
+                <a16:creationId xmlns:a16="http://schemas.microsoft.com/office/drawing/2014/main" id="{1E163CFF-D531-A647-8ADA-50821B31565D}"/>
+              </a:ext>
+            </a:extLst>
+          </p:cNvPr>
+          <p:cNvSpPr/>
+          <p:nvPr/>
+        </p:nvSpPr>
+        <p:spPr>
+          <a:xfrm>
+            <a:off x="7371261" y="4330907"/>
+            <a:ext cx="108857" cy="119743"/>
+          </a:xfrm>
+          <a:prstGeom prst="ellipse">
+            <a:avLst/>
+          </a:prstGeom>
+        </p:spPr>
+        <p:style>
+          <a:lnRef idx="2">
+            <a:schemeClr val="accent1">
+              <a:shade val="50000"/>
+            </a:schemeClr>
+          </a:lnRef>
+          <a:fillRef idx="1">
+            <a:schemeClr val="accent1"/>
+          </a:fillRef>
+          <a:effectRef idx="0">
+            <a:schemeClr val="accent1"/>
+          </a:effectRef>
+          <a:fontRef idx="minor">
+            <a:schemeClr val="lt1"/>
+          </a:fontRef>
+        </p:style>
+        <p:txBody>
+          <a:bodyPr rtlCol="0" anchor="ctr"/>
+          <a:lstStyle/>
+          <a:p>
+            <a:pPr algn="ctr"/>
+            <a:endParaRPr kumimoji="1" lang="ja-JP" altLang="en-US"/>
+          </a:p>
+        </p:txBody>
+      </p:sp>
+      <p:sp>
+        <p:nvSpPr>
+          <p:cNvPr id="46" name="円/楕円 45">
+            <a:extLst>
+              <a:ext uri="{FF2B5EF4-FFF2-40B4-BE49-F238E27FC236}">
+                <a16:creationId xmlns:a16="http://schemas.microsoft.com/office/drawing/2014/main" id="{33D92CAE-FE60-E243-9656-9A0A52111036}"/>
+              </a:ext>
+            </a:extLst>
+          </p:cNvPr>
+          <p:cNvSpPr/>
+          <p:nvPr/>
+        </p:nvSpPr>
+        <p:spPr>
+          <a:xfrm>
+            <a:off x="7252060" y="4332445"/>
+            <a:ext cx="108857" cy="119743"/>
+          </a:xfrm>
+          <a:prstGeom prst="ellipse">
+            <a:avLst/>
+          </a:prstGeom>
+        </p:spPr>
+        <p:style>
+          <a:lnRef idx="2">
+            <a:schemeClr val="accent1">
+              <a:shade val="50000"/>
+            </a:schemeClr>
+          </a:lnRef>
+          <a:fillRef idx="1">
+            <a:schemeClr val="accent1"/>
+          </a:fillRef>
+          <a:effectRef idx="0">
+            <a:schemeClr val="accent1"/>
+          </a:effectRef>
+          <a:fontRef idx="minor">
+            <a:schemeClr val="lt1"/>
+          </a:fontRef>
+        </p:style>
+        <p:txBody>
+          <a:bodyPr rtlCol="0" anchor="ctr"/>
+          <a:lstStyle/>
+          <a:p>
+            <a:pPr algn="ctr"/>
+            <a:endParaRPr kumimoji="1" lang="ja-JP" altLang="en-US"/>
+          </a:p>
+        </p:txBody>
+      </p:sp>
+      <p:sp>
+        <p:nvSpPr>
+          <p:cNvPr id="28" name="テキスト ボックス 27">
+            <a:extLst>
+              <a:ext uri="{FF2B5EF4-FFF2-40B4-BE49-F238E27FC236}">
+                <a16:creationId xmlns:a16="http://schemas.microsoft.com/office/drawing/2014/main" id="{57CA9403-966D-C54B-8B05-E92E3A9D585D}"/>
+              </a:ext>
+            </a:extLst>
+          </p:cNvPr>
+          <p:cNvSpPr txBox="1"/>
+          <p:nvPr/>
+        </p:nvSpPr>
+        <p:spPr>
+          <a:xfrm>
+            <a:off x="8058982" y="4545242"/>
+            <a:ext cx="364202" cy="369332"/>
+          </a:xfrm>
+          <a:prstGeom prst="rect">
+            <a:avLst/>
+          </a:prstGeom>
+          <a:noFill/>
+        </p:spPr>
+        <p:txBody>
+          <a:bodyPr wrap="none" rtlCol="0">
+            <a:spAutoFit/>
+          </a:bodyPr>
+          <a:lstStyle/>
+          <a:p>
+            <a:r>
+              <a:rPr kumimoji="1" lang="en-US" altLang="ja-JP" i="1" dirty="0">
+                <a:latin typeface="Times New Roman" panose="02020603050405020304" pitchFamily="18" charset="0"/>
+                <a:cs typeface="Times New Roman" panose="02020603050405020304" pitchFamily="18" charset="0"/>
+              </a:rPr>
+              <a:t>x</a:t>
+            </a:r>
+            <a:r>
+              <a:rPr kumimoji="1" lang="en-US" altLang="ja-JP" i="1" baseline="-25000" dirty="0">
+                <a:latin typeface="Times New Roman" panose="02020603050405020304" pitchFamily="18" charset="0"/>
+                <a:cs typeface="Times New Roman" panose="02020603050405020304" pitchFamily="18" charset="0"/>
+              </a:rPr>
+              <a:t>0</a:t>
+            </a:r>
+            <a:endParaRPr kumimoji="1" lang="ja-JP" altLang="en-US" i="1" baseline="-25000">
+              <a:latin typeface="Times New Roman" panose="02020603050405020304" pitchFamily="18" charset="0"/>
+              <a:cs typeface="Times New Roman" panose="02020603050405020304" pitchFamily="18" charset="0"/>
+            </a:endParaRPr>
+          </a:p>
+        </p:txBody>
+      </p:sp>
+      <p:sp>
+        <p:nvSpPr>
+          <p:cNvPr id="54" name="テキスト ボックス 53">
+            <a:extLst>
+              <a:ext uri="{FF2B5EF4-FFF2-40B4-BE49-F238E27FC236}">
+                <a16:creationId xmlns:a16="http://schemas.microsoft.com/office/drawing/2014/main" id="{1BC19A2C-7999-9E4C-A563-E18BD92325DF}"/>
+              </a:ext>
+            </a:extLst>
+          </p:cNvPr>
+          <p:cNvSpPr txBox="1"/>
+          <p:nvPr/>
+        </p:nvSpPr>
+        <p:spPr>
+          <a:xfrm>
+            <a:off x="7694780" y="4544183"/>
+            <a:ext cx="364202" cy="369332"/>
+          </a:xfrm>
+          <a:prstGeom prst="rect">
+            <a:avLst/>
+          </a:prstGeom>
+          <a:noFill/>
+        </p:spPr>
+        <p:txBody>
+          <a:bodyPr wrap="none" rtlCol="0">
+            <a:spAutoFit/>
+          </a:bodyPr>
+          <a:lstStyle/>
+          <a:p>
+            <a:r>
+              <a:rPr kumimoji="1" lang="en-US" altLang="ja-JP" i="1" dirty="0">
+                <a:latin typeface="Times New Roman" panose="02020603050405020304" pitchFamily="18" charset="0"/>
+                <a:cs typeface="Times New Roman" panose="02020603050405020304" pitchFamily="18" charset="0"/>
+              </a:rPr>
+              <a:t>x</a:t>
+            </a:r>
+            <a:r>
+              <a:rPr lang="en-US" altLang="ja-JP" i="1" baseline="-25000" dirty="0">
+                <a:latin typeface="Times New Roman" panose="02020603050405020304" pitchFamily="18" charset="0"/>
+                <a:cs typeface="Times New Roman" panose="02020603050405020304" pitchFamily="18" charset="0"/>
+              </a:rPr>
+              <a:t>1</a:t>
+            </a:r>
+            <a:endParaRPr kumimoji="1" lang="ja-JP" altLang="en-US" i="1" baseline="-25000">
+              <a:latin typeface="Times New Roman" panose="02020603050405020304" pitchFamily="18" charset="0"/>
+              <a:cs typeface="Times New Roman" panose="02020603050405020304" pitchFamily="18" charset="0"/>
+            </a:endParaRPr>
+          </a:p>
+        </p:txBody>
+      </p:sp>
+      <p:sp>
+        <p:nvSpPr>
+          <p:cNvPr id="55" name="テキスト ボックス 54">
+            <a:extLst>
+              <a:ext uri="{FF2B5EF4-FFF2-40B4-BE49-F238E27FC236}">
+                <a16:creationId xmlns:a16="http://schemas.microsoft.com/office/drawing/2014/main" id="{F2A28E34-4A66-8E4E-B17B-9A2F82E9D122}"/>
+              </a:ext>
+            </a:extLst>
+          </p:cNvPr>
+          <p:cNvSpPr txBox="1"/>
+          <p:nvPr/>
+        </p:nvSpPr>
+        <p:spPr>
+          <a:xfrm>
+            <a:off x="7310797" y="4541436"/>
+            <a:ext cx="364202" cy="369332"/>
+          </a:xfrm>
+          <a:prstGeom prst="rect">
+            <a:avLst/>
+          </a:prstGeom>
+          <a:noFill/>
+        </p:spPr>
+        <p:txBody>
+          <a:bodyPr wrap="none" rtlCol="0">
+            <a:spAutoFit/>
+          </a:bodyPr>
+          <a:lstStyle/>
+          <a:p>
+            <a:r>
+              <a:rPr kumimoji="1" lang="en-US" altLang="ja-JP" i="1" dirty="0">
+                <a:latin typeface="Times New Roman" panose="02020603050405020304" pitchFamily="18" charset="0"/>
+                <a:cs typeface="Times New Roman" panose="02020603050405020304" pitchFamily="18" charset="0"/>
+              </a:rPr>
+              <a:t>x</a:t>
+            </a:r>
+            <a:r>
+              <a:rPr lang="en-US" altLang="ja-JP" i="1" baseline="-25000" dirty="0">
+                <a:latin typeface="Times New Roman" panose="02020603050405020304" pitchFamily="18" charset="0"/>
+                <a:cs typeface="Times New Roman" panose="02020603050405020304" pitchFamily="18" charset="0"/>
+              </a:rPr>
+              <a:t>2</a:t>
+            </a:r>
+            <a:endParaRPr kumimoji="1" lang="ja-JP" altLang="en-US" i="1" baseline="-25000">
+              <a:latin typeface="Times New Roman" panose="02020603050405020304" pitchFamily="18" charset="0"/>
+              <a:cs typeface="Times New Roman" panose="02020603050405020304" pitchFamily="18" charset="0"/>
+            </a:endParaRPr>
           </a:p>
         </p:txBody>
       </p:sp>
@@ -5097,7 +5694,7 @@
         <p:spPr>
           <a:xfrm>
             <a:off x="5796824" y="4690313"/>
-            <a:ext cx="877163" cy="369332"/>
+            <a:ext cx="2723823" cy="646331"/>
           </a:xfrm>
           <a:prstGeom prst="rect">
             <a:avLst/>
@@ -5124,14 +5721,28 @@
               <a:cs typeface="Times New Roman" panose="02020603050405020304" pitchFamily="18" charset="0"/>
             </a:endParaRPr>
           </a:p>
-        </p:txBody>
-      </p:sp>
-      <p:sp>
-        <p:nvSpPr>
-          <p:cNvPr id="22" name="右矢印 21">
-            <a:extLst>
-              <a:ext uri="{FF2B5EF4-FFF2-40B4-BE49-F238E27FC236}">
-                <a16:creationId xmlns:a16="http://schemas.microsoft.com/office/drawing/2014/main" id="{F44E8D09-B4B5-474D-BB76-0A9B7F187FA0}"/>
+          <a:p>
+            <a:r>
+              <a:rPr lang="ja-JP" altLang="en-US" i="1">
+                <a:latin typeface="Times New Roman" panose="02020603050405020304" pitchFamily="18" charset="0"/>
+                <a:ea typeface="Meiryo" panose="020B0604030504040204" pitchFamily="34" charset="-128"/>
+                <a:cs typeface="Times New Roman" panose="02020603050405020304" pitchFamily="18" charset="0"/>
+              </a:rPr>
+              <a:t>（この関数では最小値）</a:t>
+            </a:r>
+            <a:endParaRPr kumimoji="1" lang="ja-JP" altLang="en-US">
+              <a:latin typeface="Meiryo" panose="020B0604030504040204" pitchFamily="34" charset="-128"/>
+              <a:ea typeface="Meiryo" panose="020B0604030504040204" pitchFamily="34" charset="-128"/>
+            </a:endParaRPr>
+          </a:p>
+        </p:txBody>
+      </p:sp>
+      <p:sp>
+        <p:nvSpPr>
+          <p:cNvPr id="2" name="右矢印 1">
+            <a:extLst>
+              <a:ext uri="{FF2B5EF4-FFF2-40B4-BE49-F238E27FC236}">
+                <a16:creationId xmlns:a16="http://schemas.microsoft.com/office/drawing/2014/main" id="{9814169C-15C4-ED42-B1B0-27125EBD58D6}"/>
               </a:ext>
             </a:extLst>
           </p:cNvPr>
@@ -5140,8 +5751,8 @@
         </p:nvSpPr>
         <p:spPr>
           <a:xfrm flipH="1">
-            <a:off x="7714499" y="4115418"/>
-            <a:ext cx="357477" cy="533468"/>
+            <a:off x="7996959" y="4684121"/>
+            <a:ext cx="97463" cy="196744"/>
           </a:xfrm>
           <a:prstGeom prst="rightArrow">
             <a:avLst/>
@@ -5180,110 +5791,22 @@
           </a:p>
         </p:txBody>
       </p:sp>
-      <p:cxnSp>
-        <p:nvCxnSpPr>
-          <p:cNvPr id="24" name="直線コネクタ 23">
-            <a:extLst>
-              <a:ext uri="{FF2B5EF4-FFF2-40B4-BE49-F238E27FC236}">
-                <a16:creationId xmlns:a16="http://schemas.microsoft.com/office/drawing/2014/main" id="{0F9CCF84-2D09-5F43-AA32-6FFB5791E71C}"/>
-              </a:ext>
-            </a:extLst>
-          </p:cNvPr>
-          <p:cNvCxnSpPr>
-            <a:cxnSpLocks/>
-          </p:cNvCxnSpPr>
-          <p:nvPr/>
-        </p:nvCxnSpPr>
+      <p:sp>
+        <p:nvSpPr>
+          <p:cNvPr id="22" name="右矢印 21">
+            <a:extLst>
+              <a:ext uri="{FF2B5EF4-FFF2-40B4-BE49-F238E27FC236}">
+                <a16:creationId xmlns:a16="http://schemas.microsoft.com/office/drawing/2014/main" id="{F44E8D09-B4B5-474D-BB76-0A9B7F187FA0}"/>
+              </a:ext>
+            </a:extLst>
+          </p:cNvPr>
+          <p:cNvSpPr/>
+          <p:nvPr/>
+        </p:nvSpPr>
         <p:spPr>
           <a:xfrm flipH="1">
-            <a:off x="7060019" y="743504"/>
-            <a:ext cx="1790840" cy="3801738"/>
-          </a:xfrm>
-          <a:prstGeom prst="line">
-            <a:avLst/>
-          </a:prstGeom>
-          <a:ln w="19050">
-            <a:solidFill>
-              <a:srgbClr val="0432FF"/>
-            </a:solidFill>
-            <a:prstDash val="solid"/>
-          </a:ln>
-        </p:spPr>
-        <p:style>
-          <a:lnRef idx="1">
-            <a:schemeClr val="accent1"/>
-          </a:lnRef>
-          <a:fillRef idx="0">
-            <a:schemeClr val="accent1"/>
-          </a:fillRef>
-          <a:effectRef idx="0">
-            <a:schemeClr val="accent1"/>
-          </a:effectRef>
-          <a:fontRef idx="minor">
-            <a:schemeClr val="tx1"/>
-          </a:fontRef>
-        </p:style>
-      </p:cxnSp>
-      <p:cxnSp>
-        <p:nvCxnSpPr>
-          <p:cNvPr id="25" name="直線コネクタ 24">
-            <a:extLst>
-              <a:ext uri="{FF2B5EF4-FFF2-40B4-BE49-F238E27FC236}">
-                <a16:creationId xmlns:a16="http://schemas.microsoft.com/office/drawing/2014/main" id="{4823C5B5-464A-904A-A349-5678777D395C}"/>
-              </a:ext>
-            </a:extLst>
-          </p:cNvPr>
-          <p:cNvCxnSpPr>
-            <a:cxnSpLocks/>
-          </p:cNvCxnSpPr>
-          <p:nvPr/>
-        </p:nvCxnSpPr>
-        <p:spPr>
-          <a:xfrm flipH="1">
-            <a:off x="6259441" y="2826481"/>
-            <a:ext cx="2591418" cy="1718761"/>
-          </a:xfrm>
-          <a:prstGeom prst="line">
-            <a:avLst/>
-          </a:prstGeom>
-          <a:ln w="19050">
-            <a:solidFill>
-              <a:srgbClr val="0432FF"/>
-            </a:solidFill>
-            <a:prstDash val="solid"/>
-          </a:ln>
-        </p:spPr>
-        <p:style>
-          <a:lnRef idx="1">
-            <a:schemeClr val="accent1"/>
-          </a:lnRef>
-          <a:fillRef idx="0">
-            <a:schemeClr val="accent1"/>
-          </a:fillRef>
-          <a:effectRef idx="0">
-            <a:schemeClr val="accent1"/>
-          </a:effectRef>
-          <a:fontRef idx="minor">
-            <a:schemeClr val="tx1"/>
-          </a:fontRef>
-        </p:style>
-      </p:cxnSp>
-      <p:sp>
-        <p:nvSpPr>
-          <p:cNvPr id="27" name="右矢印 26">
-            <a:extLst>
-              <a:ext uri="{FF2B5EF4-FFF2-40B4-BE49-F238E27FC236}">
-                <a16:creationId xmlns:a16="http://schemas.microsoft.com/office/drawing/2014/main" id="{0DCCD8FD-919A-004C-9715-81A1A3446413}"/>
-              </a:ext>
-            </a:extLst>
-          </p:cNvPr>
-          <p:cNvSpPr/>
-          <p:nvPr/>
-        </p:nvSpPr>
-        <p:spPr>
-          <a:xfrm flipH="1">
-            <a:off x="6445489" y="4472304"/>
-            <a:ext cx="196986" cy="266734"/>
+            <a:off x="7631275" y="4675549"/>
+            <a:ext cx="97463" cy="196744"/>
           </a:xfrm>
           <a:prstGeom prst="rightArrow">
             <a:avLst/>
@@ -5322,148 +5845,10 @@
           </a:p>
         </p:txBody>
       </p:sp>
-      <p:sp>
-        <p:nvSpPr>
-          <p:cNvPr id="29" name="テキスト ボックス 28">
-            <a:extLst>
-              <a:ext uri="{FF2B5EF4-FFF2-40B4-BE49-F238E27FC236}">
-                <a16:creationId xmlns:a16="http://schemas.microsoft.com/office/drawing/2014/main" id="{BF99C3DC-B074-C148-948D-E528397AD739}"/>
-              </a:ext>
-            </a:extLst>
-          </p:cNvPr>
-          <p:cNvSpPr txBox="1"/>
-          <p:nvPr/>
-        </p:nvSpPr>
-        <p:spPr>
-          <a:xfrm>
-            <a:off x="6902255" y="1372131"/>
-            <a:ext cx="1338828" cy="646331"/>
-          </a:xfrm>
-          <a:prstGeom prst="rect">
-            <a:avLst/>
-          </a:prstGeom>
-          <a:solidFill>
-            <a:schemeClr val="bg1"/>
-          </a:solidFill>
-          <a:ln>
-            <a:solidFill>
-              <a:schemeClr val="tx1"/>
-            </a:solidFill>
-          </a:ln>
-        </p:spPr>
-        <p:txBody>
-          <a:bodyPr wrap="none" rtlCol="0">
-            <a:spAutoFit/>
-          </a:bodyPr>
-          <a:lstStyle/>
-          <a:p>
-            <a:r>
-              <a:rPr lang="ja-JP" altLang="en-US">
-                <a:latin typeface="Meiryo" panose="020B0604030504040204" pitchFamily="34" charset="-128"/>
-                <a:ea typeface="Meiryo" panose="020B0604030504040204" pitchFamily="34" charset="-128"/>
-              </a:rPr>
-              <a:t>関数の</a:t>
-            </a:r>
-            <a:r>
-              <a:rPr kumimoji="1" lang="ja-JP" altLang="en-US">
-                <a:latin typeface="Meiryo" panose="020B0604030504040204" pitchFamily="34" charset="-128"/>
-                <a:ea typeface="Meiryo" panose="020B0604030504040204" pitchFamily="34" charset="-128"/>
-              </a:rPr>
-              <a:t>傾き</a:t>
-            </a:r>
-            <a:endParaRPr kumimoji="1" lang="en-US" altLang="ja-JP" dirty="0">
-              <a:latin typeface="Meiryo" panose="020B0604030504040204" pitchFamily="34" charset="-128"/>
-              <a:ea typeface="Meiryo" panose="020B0604030504040204" pitchFamily="34" charset="-128"/>
-            </a:endParaRPr>
-          </a:p>
-          <a:p>
-            <a:r>
-              <a:rPr lang="ja-JP" altLang="en-US">
-                <a:latin typeface="Meiryo" panose="020B0604030504040204" pitchFamily="34" charset="-128"/>
-                <a:ea typeface="Meiryo" panose="020B0604030504040204" pitchFamily="34" charset="-128"/>
-              </a:rPr>
-              <a:t>が大きい</a:t>
-            </a:r>
-            <a:endParaRPr kumimoji="1" lang="ja-JP" altLang="en-US">
-              <a:latin typeface="Meiryo" panose="020B0604030504040204" pitchFamily="34" charset="-128"/>
-              <a:ea typeface="Meiryo" panose="020B0604030504040204" pitchFamily="34" charset="-128"/>
-            </a:endParaRPr>
-          </a:p>
-        </p:txBody>
-      </p:sp>
-      <p:sp>
-        <p:nvSpPr>
-          <p:cNvPr id="30" name="テキスト ボックス 29">
-            <a:extLst>
-              <a:ext uri="{FF2B5EF4-FFF2-40B4-BE49-F238E27FC236}">
-                <a16:creationId xmlns:a16="http://schemas.microsoft.com/office/drawing/2014/main" id="{2D78E4A1-6185-5F43-A4F2-4CB6E254F1C8}"/>
-              </a:ext>
-            </a:extLst>
-          </p:cNvPr>
-          <p:cNvSpPr txBox="1"/>
-          <p:nvPr/>
-        </p:nvSpPr>
-        <p:spPr>
-          <a:xfrm>
-            <a:off x="5512419" y="3323771"/>
-            <a:ext cx="1338828" cy="646331"/>
-          </a:xfrm>
-          <a:prstGeom prst="rect">
-            <a:avLst/>
-          </a:prstGeom>
-          <a:solidFill>
-            <a:schemeClr val="bg1"/>
-          </a:solidFill>
-          <a:ln>
-            <a:solidFill>
-              <a:schemeClr val="tx1"/>
-            </a:solidFill>
-          </a:ln>
-        </p:spPr>
-        <p:txBody>
-          <a:bodyPr wrap="none" rtlCol="0">
-            <a:spAutoFit/>
-          </a:bodyPr>
-          <a:lstStyle/>
-          <a:p>
-            <a:r>
-              <a:rPr lang="ja-JP" altLang="en-US">
-                <a:latin typeface="Meiryo" panose="020B0604030504040204" pitchFamily="34" charset="-128"/>
-                <a:ea typeface="Meiryo" panose="020B0604030504040204" pitchFamily="34" charset="-128"/>
-              </a:rPr>
-              <a:t>関数の</a:t>
-            </a:r>
-            <a:r>
-              <a:rPr kumimoji="1" lang="ja-JP" altLang="en-US">
-                <a:latin typeface="Meiryo" panose="020B0604030504040204" pitchFamily="34" charset="-128"/>
-                <a:ea typeface="Meiryo" panose="020B0604030504040204" pitchFamily="34" charset="-128"/>
-              </a:rPr>
-              <a:t>傾き</a:t>
-            </a:r>
-            <a:endParaRPr kumimoji="1" lang="en-US" altLang="ja-JP" dirty="0">
-              <a:latin typeface="Meiryo" panose="020B0604030504040204" pitchFamily="34" charset="-128"/>
-              <a:ea typeface="Meiryo" panose="020B0604030504040204" pitchFamily="34" charset="-128"/>
-            </a:endParaRPr>
-          </a:p>
-          <a:p>
-            <a:r>
-              <a:rPr lang="ja-JP" altLang="en-US">
-                <a:latin typeface="Meiryo" panose="020B0604030504040204" pitchFamily="34" charset="-128"/>
-                <a:ea typeface="Meiryo" panose="020B0604030504040204" pitchFamily="34" charset="-128"/>
-              </a:rPr>
-              <a:t>が小さい</a:t>
-            </a:r>
-            <a:endParaRPr kumimoji="1" lang="ja-JP" altLang="en-US">
-              <a:latin typeface="Meiryo" panose="020B0604030504040204" pitchFamily="34" charset="-128"/>
-              <a:ea typeface="Meiryo" panose="020B0604030504040204" pitchFamily="34" charset="-128"/>
-            </a:endParaRPr>
-          </a:p>
-        </p:txBody>
-      </p:sp>
     </p:spTree>
     <p:extLst>
       <p:ext uri="{BB962C8B-B14F-4D97-AF65-F5344CB8AC3E}">
-        <p14:creationId xmlns:p14="http://schemas.microsoft.com/office/powerpoint/2010/main" val="2607011647"/>
+        <p14:creationId xmlns:p14="http://schemas.microsoft.com/office/powerpoint/2010/main" val="1589045083"/>
       </p:ext>
     </p:extLst>
   </p:cSld>
@@ -5562,50 +5947,6 @@
           </a:fontRef>
         </p:style>
       </p:cxnSp>
-      <p:cxnSp>
-        <p:nvCxnSpPr>
-          <p:cNvPr id="40" name="直線コネクタ 39">
-            <a:extLst>
-              <a:ext uri="{FF2B5EF4-FFF2-40B4-BE49-F238E27FC236}">
-                <a16:creationId xmlns:a16="http://schemas.microsoft.com/office/drawing/2014/main" id="{0E101EED-F30A-4B48-A462-76BF8E3C2BAF}"/>
-              </a:ext>
-            </a:extLst>
-          </p:cNvPr>
-          <p:cNvCxnSpPr>
-            <a:cxnSpLocks/>
-          </p:cNvCxnSpPr>
-          <p:nvPr/>
-        </p:nvCxnSpPr>
-        <p:spPr>
-          <a:xfrm>
-            <a:off x="4724492" y="3161414"/>
-            <a:ext cx="0" cy="1220739"/>
-          </a:xfrm>
-          <a:prstGeom prst="line">
-            <a:avLst/>
-          </a:prstGeom>
-          <a:ln w="57150">
-            <a:solidFill>
-              <a:schemeClr val="tx1"/>
-            </a:solidFill>
-            <a:prstDash val="sysDot"/>
-          </a:ln>
-        </p:spPr>
-        <p:style>
-          <a:lnRef idx="1">
-            <a:schemeClr val="accent1"/>
-          </a:lnRef>
-          <a:fillRef idx="0">
-            <a:schemeClr val="accent1"/>
-          </a:fillRef>
-          <a:effectRef idx="0">
-            <a:schemeClr val="accent1"/>
-          </a:effectRef>
-          <a:fontRef idx="minor">
-            <a:schemeClr val="tx1"/>
-          </a:fontRef>
-        </p:style>
-      </p:cxnSp>
       <p:sp>
         <p:nvSpPr>
           <p:cNvPr id="18" name="円/楕円 17">
@@ -5652,12 +5993,56 @@
           </a:p>
         </p:txBody>
       </p:sp>
-      <p:sp>
-        <p:nvSpPr>
-          <p:cNvPr id="43" name="円/楕円 42">
-            <a:extLst>
-              <a:ext uri="{FF2B5EF4-FFF2-40B4-BE49-F238E27FC236}">
-                <a16:creationId xmlns:a16="http://schemas.microsoft.com/office/drawing/2014/main" id="{5D4639EB-2890-864C-88F5-289E4A69470E}"/>
+      <p:cxnSp>
+        <p:nvCxnSpPr>
+          <p:cNvPr id="49" name="直線コネクタ 48">
+            <a:extLst>
+              <a:ext uri="{FF2B5EF4-FFF2-40B4-BE49-F238E27FC236}">
+                <a16:creationId xmlns:a16="http://schemas.microsoft.com/office/drawing/2014/main" id="{DAF95012-F9A7-5A45-B635-2E1E543CAA45}"/>
+              </a:ext>
+            </a:extLst>
+          </p:cNvPr>
+          <p:cNvCxnSpPr>
+            <a:cxnSpLocks/>
+          </p:cNvCxnSpPr>
+          <p:nvPr/>
+        </p:nvCxnSpPr>
+        <p:spPr>
+          <a:xfrm>
+            <a:off x="6741023" y="4231758"/>
+            <a:ext cx="0" cy="218892"/>
+          </a:xfrm>
+          <a:prstGeom prst="line">
+            <a:avLst/>
+          </a:prstGeom>
+          <a:ln w="57150">
+            <a:solidFill>
+              <a:schemeClr val="tx1"/>
+            </a:solidFill>
+            <a:prstDash val="solid"/>
+          </a:ln>
+        </p:spPr>
+        <p:style>
+          <a:lnRef idx="1">
+            <a:schemeClr val="accent1"/>
+          </a:lnRef>
+          <a:fillRef idx="0">
+            <a:schemeClr val="accent1"/>
+          </a:fillRef>
+          <a:effectRef idx="0">
+            <a:schemeClr val="accent1"/>
+          </a:effectRef>
+          <a:fontRef idx="minor">
+            <a:schemeClr val="tx1"/>
+          </a:fontRef>
+        </p:style>
+      </p:cxnSp>
+      <p:sp>
+        <p:nvSpPr>
+          <p:cNvPr id="46" name="円/楕円 45">
+            <a:extLst>
+              <a:ext uri="{FF2B5EF4-FFF2-40B4-BE49-F238E27FC236}">
+                <a16:creationId xmlns:a16="http://schemas.microsoft.com/office/drawing/2014/main" id="{33D92CAE-FE60-E243-9656-9A0A52111036}"/>
               </a:ext>
             </a:extLst>
           </p:cNvPr>
@@ -5666,7 +6051,7 @@
         </p:nvSpPr>
         <p:spPr>
           <a:xfrm>
-            <a:off x="4680408" y="4324399"/>
+            <a:off x="6686595" y="4332445"/>
             <a:ext cx="108857" cy="119743"/>
           </a:xfrm>
           <a:prstGeom prst="ellipse">
@@ -5796,12 +6181,66 @@
           </a:p>
         </p:txBody>
       </p:sp>
+      <p:sp>
+        <p:nvSpPr>
+          <p:cNvPr id="22" name="右矢印 21">
+            <a:extLst>
+              <a:ext uri="{FF2B5EF4-FFF2-40B4-BE49-F238E27FC236}">
+                <a16:creationId xmlns:a16="http://schemas.microsoft.com/office/drawing/2014/main" id="{F44E8D09-B4B5-474D-BB76-0A9B7F187FA0}"/>
+              </a:ext>
+            </a:extLst>
+          </p:cNvPr>
+          <p:cNvSpPr/>
+          <p:nvPr/>
+        </p:nvSpPr>
+        <p:spPr>
+          <a:xfrm flipH="1">
+            <a:off x="7714499" y="4115418"/>
+            <a:ext cx="357477" cy="533468"/>
+          </a:xfrm>
+          <a:prstGeom prst="rightArrow">
+            <a:avLst/>
+          </a:prstGeom>
+          <a:solidFill>
+            <a:srgbClr val="FFC000"/>
+          </a:solidFill>
+          <a:ln>
+            <a:solidFill>
+              <a:srgbClr val="FFC000"/>
+            </a:solidFill>
+          </a:ln>
+        </p:spPr>
+        <p:style>
+          <a:lnRef idx="2">
+            <a:schemeClr val="accent1">
+              <a:shade val="50000"/>
+            </a:schemeClr>
+          </a:lnRef>
+          <a:fillRef idx="1">
+            <a:schemeClr val="accent1"/>
+          </a:fillRef>
+          <a:effectRef idx="0">
+            <a:schemeClr val="accent1"/>
+          </a:effectRef>
+          <a:fontRef idx="minor">
+            <a:schemeClr val="lt1"/>
+          </a:fontRef>
+        </p:style>
+        <p:txBody>
+          <a:bodyPr rtlCol="0" anchor="ctr"/>
+          <a:lstStyle/>
+          <a:p>
+            <a:pPr algn="ctr"/>
+            <a:endParaRPr kumimoji="1" lang="ja-JP" altLang="en-US"/>
+          </a:p>
+        </p:txBody>
+      </p:sp>
       <p:cxnSp>
         <p:nvCxnSpPr>
-          <p:cNvPr id="19" name="直線コネクタ 18">
-            <a:extLst>
-              <a:ext uri="{FF2B5EF4-FFF2-40B4-BE49-F238E27FC236}">
-                <a16:creationId xmlns:a16="http://schemas.microsoft.com/office/drawing/2014/main" id="{71B5AC23-05F6-2A40-908D-31308AC4E6B1}"/>
+          <p:cNvPr id="24" name="直線コネクタ 23">
+            <a:extLst>
+              <a:ext uri="{FF2B5EF4-FFF2-40B4-BE49-F238E27FC236}">
+                <a16:creationId xmlns:a16="http://schemas.microsoft.com/office/drawing/2014/main" id="{0F9CCF84-2D09-5F43-AA32-6FFB5791E71C}"/>
               </a:ext>
             </a:extLst>
           </p:cNvPr>
@@ -5842,10 +6281,10 @@
       </p:cxnSp>
       <p:cxnSp>
         <p:nvCxnSpPr>
-          <p:cNvPr id="21" name="直線コネクタ 20">
-            <a:extLst>
-              <a:ext uri="{FF2B5EF4-FFF2-40B4-BE49-F238E27FC236}">
-                <a16:creationId xmlns:a16="http://schemas.microsoft.com/office/drawing/2014/main" id="{B79D7BA4-2E29-3440-885C-23D5BDCB8262}"/>
+          <p:cNvPr id="25" name="直線コネクタ 24">
+            <a:extLst>
+              <a:ext uri="{FF2B5EF4-FFF2-40B4-BE49-F238E27FC236}">
+                <a16:creationId xmlns:a16="http://schemas.microsoft.com/office/drawing/2014/main" id="{4823C5B5-464A-904A-A349-5678777D395C}"/>
               </a:ext>
             </a:extLst>
           </p:cNvPr>
@@ -5855,9 +6294,9 @@
           <p:nvPr/>
         </p:nvCxnSpPr>
         <p:spPr>
-          <a:xfrm>
-            <a:off x="3592758" y="1360967"/>
-            <a:ext cx="2058343" cy="3184275"/>
+          <a:xfrm flipH="1">
+            <a:off x="6259441" y="2826481"/>
+            <a:ext cx="2591418" cy="1718761"/>
           </a:xfrm>
           <a:prstGeom prst="line">
             <a:avLst/>
@@ -5886,10 +6325,64 @@
       </p:cxnSp>
       <p:sp>
         <p:nvSpPr>
-          <p:cNvPr id="25" name="テキスト ボックス 24">
-            <a:extLst>
-              <a:ext uri="{FF2B5EF4-FFF2-40B4-BE49-F238E27FC236}">
-                <a16:creationId xmlns:a16="http://schemas.microsoft.com/office/drawing/2014/main" id="{AB287F6F-5E4B-4F42-A7AE-BB63BCD07E7E}"/>
+          <p:cNvPr id="27" name="右矢印 26">
+            <a:extLst>
+              <a:ext uri="{FF2B5EF4-FFF2-40B4-BE49-F238E27FC236}">
+                <a16:creationId xmlns:a16="http://schemas.microsoft.com/office/drawing/2014/main" id="{0DCCD8FD-919A-004C-9715-81A1A3446413}"/>
+              </a:ext>
+            </a:extLst>
+          </p:cNvPr>
+          <p:cNvSpPr/>
+          <p:nvPr/>
+        </p:nvSpPr>
+        <p:spPr>
+          <a:xfrm flipH="1">
+            <a:off x="6445489" y="4472304"/>
+            <a:ext cx="196986" cy="266734"/>
+          </a:xfrm>
+          <a:prstGeom prst="rightArrow">
+            <a:avLst/>
+          </a:prstGeom>
+          <a:solidFill>
+            <a:srgbClr val="FFC000"/>
+          </a:solidFill>
+          <a:ln>
+            <a:solidFill>
+              <a:srgbClr val="FFC000"/>
+            </a:solidFill>
+          </a:ln>
+        </p:spPr>
+        <p:style>
+          <a:lnRef idx="2">
+            <a:schemeClr val="accent1">
+              <a:shade val="50000"/>
+            </a:schemeClr>
+          </a:lnRef>
+          <a:fillRef idx="1">
+            <a:schemeClr val="accent1"/>
+          </a:fillRef>
+          <a:effectRef idx="0">
+            <a:schemeClr val="accent1"/>
+          </a:effectRef>
+          <a:fontRef idx="minor">
+            <a:schemeClr val="lt1"/>
+          </a:fontRef>
+        </p:style>
+        <p:txBody>
+          <a:bodyPr rtlCol="0" anchor="ctr"/>
+          <a:lstStyle/>
+          <a:p>
+            <a:pPr algn="ctr"/>
+            <a:endParaRPr kumimoji="1" lang="ja-JP" altLang="en-US"/>
+          </a:p>
+        </p:txBody>
+      </p:sp>
+      <p:sp>
+        <p:nvSpPr>
+          <p:cNvPr id="29" name="テキスト ボックス 28">
+            <a:extLst>
+              <a:ext uri="{FF2B5EF4-FFF2-40B4-BE49-F238E27FC236}">
+                <a16:creationId xmlns:a16="http://schemas.microsoft.com/office/drawing/2014/main" id="{BF99C3DC-B074-C148-948D-E528397AD739}"/>
               </a:ext>
             </a:extLst>
           </p:cNvPr>
@@ -5898,8 +6391,8 @@
         </p:nvSpPr>
         <p:spPr>
           <a:xfrm>
-            <a:off x="6331733" y="899302"/>
-            <a:ext cx="1800493" cy="923330"/>
+            <a:off x="6902255" y="1372131"/>
+            <a:ext cx="1338828" cy="646331"/>
           </a:xfrm>
           <a:prstGeom prst="rect">
             <a:avLst/>
@@ -5924,19 +6417,6 @@
                 <a:latin typeface="Meiryo" panose="020B0604030504040204" pitchFamily="34" charset="-128"/>
                 <a:ea typeface="Meiryo" panose="020B0604030504040204" pitchFamily="34" charset="-128"/>
               </a:rPr>
-              <a:t>こちらの領域は</a:t>
-            </a:r>
-            <a:endParaRPr lang="en-US" altLang="ja-JP" dirty="0">
-              <a:latin typeface="Meiryo" panose="020B0604030504040204" pitchFamily="34" charset="-128"/>
-              <a:ea typeface="Meiryo" panose="020B0604030504040204" pitchFamily="34" charset="-128"/>
-            </a:endParaRPr>
-          </a:p>
-          <a:p>
-            <a:r>
-              <a:rPr lang="ja-JP" altLang="en-US">
-                <a:latin typeface="Meiryo" panose="020B0604030504040204" pitchFamily="34" charset="-128"/>
-                <a:ea typeface="Meiryo" panose="020B0604030504040204" pitchFamily="34" charset="-128"/>
-              </a:rPr>
               <a:t>関数の</a:t>
             </a:r>
             <a:r>
@@ -5957,7 +6437,7 @@
                 <a:latin typeface="Meiryo" panose="020B0604030504040204" pitchFamily="34" charset="-128"/>
                 <a:ea typeface="Meiryo" panose="020B0604030504040204" pitchFamily="34" charset="-128"/>
               </a:rPr>
-              <a:t>は正</a:t>
+              <a:t>が大きい</a:t>
             </a:r>
             <a:endParaRPr kumimoji="1" lang="ja-JP" altLang="en-US">
               <a:latin typeface="Meiryo" panose="020B0604030504040204" pitchFamily="34" charset="-128"/>
@@ -5966,56 +6446,12 @@
           </a:p>
         </p:txBody>
       </p:sp>
-      <p:cxnSp>
-        <p:nvCxnSpPr>
-          <p:cNvPr id="26" name="直線コネクタ 25">
-            <a:extLst>
-              <a:ext uri="{FF2B5EF4-FFF2-40B4-BE49-F238E27FC236}">
-                <a16:creationId xmlns:a16="http://schemas.microsoft.com/office/drawing/2014/main" id="{929ADD27-AD6E-5C46-87E5-EFF60B930844}"/>
-              </a:ext>
-            </a:extLst>
-          </p:cNvPr>
-          <p:cNvCxnSpPr>
-            <a:cxnSpLocks/>
-          </p:cNvCxnSpPr>
-          <p:nvPr/>
-        </p:nvCxnSpPr>
-        <p:spPr>
-          <a:xfrm>
-            <a:off x="6214218" y="404037"/>
-            <a:ext cx="0" cy="4037987"/>
-          </a:xfrm>
-          <a:prstGeom prst="line">
-            <a:avLst/>
-          </a:prstGeom>
-          <a:ln w="57150">
-            <a:solidFill>
-              <a:srgbClr val="FFC000"/>
-            </a:solidFill>
-            <a:prstDash val="solid"/>
-          </a:ln>
-        </p:spPr>
-        <p:style>
-          <a:lnRef idx="1">
-            <a:schemeClr val="accent1"/>
-          </a:lnRef>
-          <a:fillRef idx="0">
-            <a:schemeClr val="accent1"/>
-          </a:fillRef>
-          <a:effectRef idx="0">
-            <a:schemeClr val="accent1"/>
-          </a:effectRef>
-          <a:fontRef idx="minor">
-            <a:schemeClr val="tx1"/>
-          </a:fontRef>
-        </p:style>
-      </p:cxnSp>
-      <p:sp>
-        <p:nvSpPr>
-          <p:cNvPr id="29" name="テキスト ボックス 28">
-            <a:extLst>
-              <a:ext uri="{FF2B5EF4-FFF2-40B4-BE49-F238E27FC236}">
-                <a16:creationId xmlns:a16="http://schemas.microsoft.com/office/drawing/2014/main" id="{46ED5240-F39B-B945-B198-975D9ED4B56F}"/>
+      <p:sp>
+        <p:nvSpPr>
+          <p:cNvPr id="30" name="テキスト ボックス 29">
+            <a:extLst>
+              <a:ext uri="{FF2B5EF4-FFF2-40B4-BE49-F238E27FC236}">
+                <a16:creationId xmlns:a16="http://schemas.microsoft.com/office/drawing/2014/main" id="{2D78E4A1-6185-5F43-A4F2-4CB6E254F1C8}"/>
               </a:ext>
             </a:extLst>
           </p:cNvPr>
@@ -6024,8 +6460,8 @@
         </p:nvSpPr>
         <p:spPr>
           <a:xfrm>
-            <a:off x="4273508" y="899302"/>
-            <a:ext cx="1800493" cy="923330"/>
+            <a:off x="5512419" y="3323771"/>
+            <a:ext cx="1338828" cy="646331"/>
           </a:xfrm>
           <a:prstGeom prst="rect">
             <a:avLst/>
@@ -6050,19 +6486,6 @@
                 <a:latin typeface="Meiryo" panose="020B0604030504040204" pitchFamily="34" charset="-128"/>
                 <a:ea typeface="Meiryo" panose="020B0604030504040204" pitchFamily="34" charset="-128"/>
               </a:rPr>
-              <a:t>こちらの領域は</a:t>
-            </a:r>
-            <a:endParaRPr lang="en-US" altLang="ja-JP" dirty="0">
-              <a:latin typeface="Meiryo" panose="020B0604030504040204" pitchFamily="34" charset="-128"/>
-              <a:ea typeface="Meiryo" panose="020B0604030504040204" pitchFamily="34" charset="-128"/>
-            </a:endParaRPr>
-          </a:p>
-          <a:p>
-            <a:r>
-              <a:rPr lang="ja-JP" altLang="en-US">
-                <a:latin typeface="Meiryo" panose="020B0604030504040204" pitchFamily="34" charset="-128"/>
-                <a:ea typeface="Meiryo" panose="020B0604030504040204" pitchFamily="34" charset="-128"/>
-              </a:rPr>
               <a:t>関数の</a:t>
             </a:r>
             <a:r>
@@ -6083,7 +6506,7 @@
                 <a:latin typeface="Meiryo" panose="020B0604030504040204" pitchFamily="34" charset="-128"/>
                 <a:ea typeface="Meiryo" panose="020B0604030504040204" pitchFamily="34" charset="-128"/>
               </a:rPr>
-              <a:t>は負</a:t>
+              <a:t>が小さい</a:t>
             </a:r>
             <a:endParaRPr kumimoji="1" lang="ja-JP" altLang="en-US">
               <a:latin typeface="Meiryo" panose="020B0604030504040204" pitchFamily="34" charset="-128"/>
@@ -6092,118 +6515,10 @@
           </a:p>
         </p:txBody>
       </p:sp>
-      <p:sp>
-        <p:nvSpPr>
-          <p:cNvPr id="30" name="右矢印 29">
-            <a:extLst>
-              <a:ext uri="{FF2B5EF4-FFF2-40B4-BE49-F238E27FC236}">
-                <a16:creationId xmlns:a16="http://schemas.microsoft.com/office/drawing/2014/main" id="{03ADA361-43EB-E647-88F7-78FC4EC027DA}"/>
-              </a:ext>
-            </a:extLst>
-          </p:cNvPr>
-          <p:cNvSpPr/>
-          <p:nvPr/>
-        </p:nvSpPr>
-        <p:spPr>
-          <a:xfrm flipH="1">
-            <a:off x="7623137" y="4050596"/>
-            <a:ext cx="426064" cy="646331"/>
-          </a:xfrm>
-          <a:prstGeom prst="rightArrow">
-            <a:avLst/>
-          </a:prstGeom>
-          <a:solidFill>
-            <a:srgbClr val="FFC000"/>
-          </a:solidFill>
-          <a:ln>
-            <a:solidFill>
-              <a:srgbClr val="FFC000"/>
-            </a:solidFill>
-          </a:ln>
-        </p:spPr>
-        <p:style>
-          <a:lnRef idx="2">
-            <a:schemeClr val="accent1">
-              <a:shade val="50000"/>
-            </a:schemeClr>
-          </a:lnRef>
-          <a:fillRef idx="1">
-            <a:schemeClr val="accent1"/>
-          </a:fillRef>
-          <a:effectRef idx="0">
-            <a:schemeClr val="accent1"/>
-          </a:effectRef>
-          <a:fontRef idx="minor">
-            <a:schemeClr val="lt1"/>
-          </a:fontRef>
-        </p:style>
-        <p:txBody>
-          <a:bodyPr rtlCol="0" anchor="ctr"/>
-          <a:lstStyle/>
-          <a:p>
-            <a:pPr algn="ctr"/>
-            <a:endParaRPr kumimoji="1" lang="ja-JP" altLang="en-US"/>
-          </a:p>
-        </p:txBody>
-      </p:sp>
-      <p:sp>
-        <p:nvSpPr>
-          <p:cNvPr id="31" name="右矢印 30">
-            <a:extLst>
-              <a:ext uri="{FF2B5EF4-FFF2-40B4-BE49-F238E27FC236}">
-                <a16:creationId xmlns:a16="http://schemas.microsoft.com/office/drawing/2014/main" id="{08F0C310-07E8-4342-AF44-9212B5F02814}"/>
-              </a:ext>
-            </a:extLst>
-          </p:cNvPr>
-          <p:cNvSpPr/>
-          <p:nvPr/>
-        </p:nvSpPr>
-        <p:spPr>
-          <a:xfrm>
-            <a:off x="4897315" y="4067612"/>
-            <a:ext cx="426064" cy="646331"/>
-          </a:xfrm>
-          <a:prstGeom prst="rightArrow">
-            <a:avLst/>
-          </a:prstGeom>
-          <a:solidFill>
-            <a:srgbClr val="FFC000"/>
-          </a:solidFill>
-          <a:ln>
-            <a:solidFill>
-              <a:srgbClr val="FFC000"/>
-            </a:solidFill>
-          </a:ln>
-        </p:spPr>
-        <p:style>
-          <a:lnRef idx="2">
-            <a:schemeClr val="accent1">
-              <a:shade val="50000"/>
-            </a:schemeClr>
-          </a:lnRef>
-          <a:fillRef idx="1">
-            <a:schemeClr val="accent1"/>
-          </a:fillRef>
-          <a:effectRef idx="0">
-            <a:schemeClr val="accent1"/>
-          </a:effectRef>
-          <a:fontRef idx="minor">
-            <a:schemeClr val="lt1"/>
-          </a:fontRef>
-        </p:style>
-        <p:txBody>
-          <a:bodyPr rtlCol="0" anchor="ctr"/>
-          <a:lstStyle/>
-          <a:p>
-            <a:pPr algn="ctr"/>
-            <a:endParaRPr kumimoji="1" lang="ja-JP" altLang="en-US"/>
-          </a:p>
-        </p:txBody>
-      </p:sp>
     </p:spTree>
     <p:extLst>
       <p:ext uri="{BB962C8B-B14F-4D97-AF65-F5344CB8AC3E}">
-        <p14:creationId xmlns:p14="http://schemas.microsoft.com/office/powerpoint/2010/main" val="2035842139"/>
+        <p14:creationId xmlns:p14="http://schemas.microsoft.com/office/powerpoint/2010/main" val="2607011647"/>
       </p:ext>
     </p:extLst>
   </p:cSld>
@@ -6269,6 +6584,746 @@
               </a:ext>
             </a:extLst>
           </p:cNvPr>
+          <p:cNvCxnSpPr/>
+          <p:nvPr/>
+        </p:nvCxnSpPr>
+        <p:spPr>
+          <a:xfrm>
+            <a:off x="8180832" y="2126633"/>
+            <a:ext cx="0" cy="2255520"/>
+          </a:xfrm>
+          <a:prstGeom prst="line">
+            <a:avLst/>
+          </a:prstGeom>
+          <a:ln w="57150">
+            <a:solidFill>
+              <a:schemeClr val="tx1"/>
+            </a:solidFill>
+            <a:prstDash val="sysDot"/>
+          </a:ln>
+        </p:spPr>
+        <p:style>
+          <a:lnRef idx="1">
+            <a:schemeClr val="accent1"/>
+          </a:lnRef>
+          <a:fillRef idx="0">
+            <a:schemeClr val="accent1"/>
+          </a:fillRef>
+          <a:effectRef idx="0">
+            <a:schemeClr val="accent1"/>
+          </a:effectRef>
+          <a:fontRef idx="minor">
+            <a:schemeClr val="tx1"/>
+          </a:fontRef>
+        </p:style>
+      </p:cxnSp>
+      <p:cxnSp>
+        <p:nvCxnSpPr>
+          <p:cNvPr id="40" name="直線コネクタ 39">
+            <a:extLst>
+              <a:ext uri="{FF2B5EF4-FFF2-40B4-BE49-F238E27FC236}">
+                <a16:creationId xmlns:a16="http://schemas.microsoft.com/office/drawing/2014/main" id="{0E101EED-F30A-4B48-A462-76BF8E3C2BAF}"/>
+              </a:ext>
+            </a:extLst>
+          </p:cNvPr>
+          <p:cNvCxnSpPr>
+            <a:cxnSpLocks/>
+          </p:cNvCxnSpPr>
+          <p:nvPr/>
+        </p:nvCxnSpPr>
+        <p:spPr>
+          <a:xfrm>
+            <a:off x="4724492" y="3161414"/>
+            <a:ext cx="0" cy="1220739"/>
+          </a:xfrm>
+          <a:prstGeom prst="line">
+            <a:avLst/>
+          </a:prstGeom>
+          <a:ln w="57150">
+            <a:solidFill>
+              <a:schemeClr val="tx1"/>
+            </a:solidFill>
+            <a:prstDash val="sysDot"/>
+          </a:ln>
+        </p:spPr>
+        <p:style>
+          <a:lnRef idx="1">
+            <a:schemeClr val="accent1"/>
+          </a:lnRef>
+          <a:fillRef idx="0">
+            <a:schemeClr val="accent1"/>
+          </a:fillRef>
+          <a:effectRef idx="0">
+            <a:schemeClr val="accent1"/>
+          </a:effectRef>
+          <a:fontRef idx="minor">
+            <a:schemeClr val="tx1"/>
+          </a:fontRef>
+        </p:style>
+      </p:cxnSp>
+      <p:sp>
+        <p:nvSpPr>
+          <p:cNvPr id="18" name="円/楕円 17">
+            <a:extLst>
+              <a:ext uri="{FF2B5EF4-FFF2-40B4-BE49-F238E27FC236}">
+                <a16:creationId xmlns:a16="http://schemas.microsoft.com/office/drawing/2014/main" id="{8ED620D4-50EA-C14B-9E2F-26D58E3B0FDD}"/>
+              </a:ext>
+            </a:extLst>
+          </p:cNvPr>
+          <p:cNvSpPr/>
+          <p:nvPr/>
+        </p:nvSpPr>
+        <p:spPr>
+          <a:xfrm>
+            <a:off x="8132226" y="4322281"/>
+            <a:ext cx="108857" cy="119743"/>
+          </a:xfrm>
+          <a:prstGeom prst="ellipse">
+            <a:avLst/>
+          </a:prstGeom>
+        </p:spPr>
+        <p:style>
+          <a:lnRef idx="2">
+            <a:schemeClr val="accent1">
+              <a:shade val="50000"/>
+            </a:schemeClr>
+          </a:lnRef>
+          <a:fillRef idx="1">
+            <a:schemeClr val="accent1"/>
+          </a:fillRef>
+          <a:effectRef idx="0">
+            <a:schemeClr val="accent1"/>
+          </a:effectRef>
+          <a:fontRef idx="minor">
+            <a:schemeClr val="lt1"/>
+          </a:fontRef>
+        </p:style>
+        <p:txBody>
+          <a:bodyPr rtlCol="0" anchor="ctr"/>
+          <a:lstStyle/>
+          <a:p>
+            <a:pPr algn="ctr"/>
+            <a:endParaRPr kumimoji="1" lang="ja-JP" altLang="en-US"/>
+          </a:p>
+        </p:txBody>
+      </p:sp>
+      <p:sp>
+        <p:nvSpPr>
+          <p:cNvPr id="43" name="円/楕円 42">
+            <a:extLst>
+              <a:ext uri="{FF2B5EF4-FFF2-40B4-BE49-F238E27FC236}">
+                <a16:creationId xmlns:a16="http://schemas.microsoft.com/office/drawing/2014/main" id="{5D4639EB-2890-864C-88F5-289E4A69470E}"/>
+              </a:ext>
+            </a:extLst>
+          </p:cNvPr>
+          <p:cNvSpPr/>
+          <p:nvPr/>
+        </p:nvSpPr>
+        <p:spPr>
+          <a:xfrm>
+            <a:off x="4680408" y="4324399"/>
+            <a:ext cx="108857" cy="119743"/>
+          </a:xfrm>
+          <a:prstGeom prst="ellipse">
+            <a:avLst/>
+          </a:prstGeom>
+        </p:spPr>
+        <p:style>
+          <a:lnRef idx="2">
+            <a:schemeClr val="accent1">
+              <a:shade val="50000"/>
+            </a:schemeClr>
+          </a:lnRef>
+          <a:fillRef idx="1">
+            <a:schemeClr val="accent1"/>
+          </a:fillRef>
+          <a:effectRef idx="0">
+            <a:schemeClr val="accent1"/>
+          </a:effectRef>
+          <a:fontRef idx="minor">
+            <a:schemeClr val="lt1"/>
+          </a:fontRef>
+        </p:style>
+        <p:txBody>
+          <a:bodyPr rtlCol="0" anchor="ctr"/>
+          <a:lstStyle/>
+          <a:p>
+            <a:pPr algn="ctr"/>
+            <a:endParaRPr kumimoji="1" lang="ja-JP" altLang="en-US"/>
+          </a:p>
+        </p:txBody>
+      </p:sp>
+      <p:sp>
+        <p:nvSpPr>
+          <p:cNvPr id="17" name="円/楕円 16">
+            <a:extLst>
+              <a:ext uri="{FF2B5EF4-FFF2-40B4-BE49-F238E27FC236}">
+                <a16:creationId xmlns:a16="http://schemas.microsoft.com/office/drawing/2014/main" id="{D90BFC41-BE5E-684C-8B35-9AEA8824F555}"/>
+              </a:ext>
+            </a:extLst>
+          </p:cNvPr>
+          <p:cNvSpPr/>
+          <p:nvPr/>
+        </p:nvSpPr>
+        <p:spPr>
+          <a:xfrm>
+            <a:off x="6150583" y="4330907"/>
+            <a:ext cx="108857" cy="119743"/>
+          </a:xfrm>
+          <a:prstGeom prst="ellipse">
+            <a:avLst/>
+          </a:prstGeom>
+          <a:solidFill>
+            <a:srgbClr val="C00000"/>
+          </a:solidFill>
+          <a:ln>
+            <a:solidFill>
+              <a:srgbClr val="FF0000"/>
+            </a:solidFill>
+          </a:ln>
+        </p:spPr>
+        <p:style>
+          <a:lnRef idx="2">
+            <a:schemeClr val="accent1">
+              <a:shade val="50000"/>
+            </a:schemeClr>
+          </a:lnRef>
+          <a:fillRef idx="1">
+            <a:schemeClr val="accent1"/>
+          </a:fillRef>
+          <a:effectRef idx="0">
+            <a:schemeClr val="accent1"/>
+          </a:effectRef>
+          <a:fontRef idx="minor">
+            <a:schemeClr val="lt1"/>
+          </a:fontRef>
+        </p:style>
+        <p:txBody>
+          <a:bodyPr rtlCol="0" anchor="ctr"/>
+          <a:lstStyle/>
+          <a:p>
+            <a:pPr algn="ctr"/>
+            <a:endParaRPr kumimoji="1" lang="ja-JP" altLang="en-US"/>
+          </a:p>
+        </p:txBody>
+      </p:sp>
+      <p:sp>
+        <p:nvSpPr>
+          <p:cNvPr id="20" name="テキスト ボックス 19">
+            <a:extLst>
+              <a:ext uri="{FF2B5EF4-FFF2-40B4-BE49-F238E27FC236}">
+                <a16:creationId xmlns:a16="http://schemas.microsoft.com/office/drawing/2014/main" id="{08D4AC1A-7CD5-AB41-9BF7-A0E9187B4804}"/>
+              </a:ext>
+            </a:extLst>
+          </p:cNvPr>
+          <p:cNvSpPr txBox="1"/>
+          <p:nvPr/>
+        </p:nvSpPr>
+        <p:spPr>
+          <a:xfrm>
+            <a:off x="5796824" y="4690313"/>
+            <a:ext cx="877163" cy="369332"/>
+          </a:xfrm>
+          <a:prstGeom prst="rect">
+            <a:avLst/>
+          </a:prstGeom>
+          <a:noFill/>
+        </p:spPr>
+        <p:txBody>
+          <a:bodyPr wrap="none" rtlCol="0">
+            <a:spAutoFit/>
+          </a:bodyPr>
+          <a:lstStyle/>
+          <a:p>
+            <a:r>
+              <a:rPr kumimoji="1" lang="ja-JP" altLang="en-US" i="1">
+                <a:latin typeface="Times New Roman" panose="02020603050405020304" pitchFamily="18" charset="0"/>
+                <a:ea typeface="Meiryo" panose="020B0604030504040204" pitchFamily="34" charset="-128"/>
+                <a:cs typeface="Times New Roman" panose="02020603050405020304" pitchFamily="18" charset="0"/>
+              </a:rPr>
+              <a:t>極小値</a:t>
+            </a:r>
+            <a:endParaRPr kumimoji="1" lang="en-US" altLang="ja-JP" i="1" dirty="0">
+              <a:latin typeface="Times New Roman" panose="02020603050405020304" pitchFamily="18" charset="0"/>
+              <a:ea typeface="Meiryo" panose="020B0604030504040204" pitchFamily="34" charset="-128"/>
+              <a:cs typeface="Times New Roman" panose="02020603050405020304" pitchFamily="18" charset="0"/>
+            </a:endParaRPr>
+          </a:p>
+        </p:txBody>
+      </p:sp>
+      <p:cxnSp>
+        <p:nvCxnSpPr>
+          <p:cNvPr id="19" name="直線コネクタ 18">
+            <a:extLst>
+              <a:ext uri="{FF2B5EF4-FFF2-40B4-BE49-F238E27FC236}">
+                <a16:creationId xmlns:a16="http://schemas.microsoft.com/office/drawing/2014/main" id="{71B5AC23-05F6-2A40-908D-31308AC4E6B1}"/>
+              </a:ext>
+            </a:extLst>
+          </p:cNvPr>
+          <p:cNvCxnSpPr>
+            <a:cxnSpLocks/>
+          </p:cNvCxnSpPr>
+          <p:nvPr/>
+        </p:nvCxnSpPr>
+        <p:spPr>
+          <a:xfrm flipH="1">
+            <a:off x="7060019" y="743504"/>
+            <a:ext cx="1790840" cy="3801738"/>
+          </a:xfrm>
+          <a:prstGeom prst="line">
+            <a:avLst/>
+          </a:prstGeom>
+          <a:ln w="19050">
+            <a:solidFill>
+              <a:srgbClr val="0432FF"/>
+            </a:solidFill>
+            <a:prstDash val="solid"/>
+          </a:ln>
+        </p:spPr>
+        <p:style>
+          <a:lnRef idx="1">
+            <a:schemeClr val="accent1"/>
+          </a:lnRef>
+          <a:fillRef idx="0">
+            <a:schemeClr val="accent1"/>
+          </a:fillRef>
+          <a:effectRef idx="0">
+            <a:schemeClr val="accent1"/>
+          </a:effectRef>
+          <a:fontRef idx="minor">
+            <a:schemeClr val="tx1"/>
+          </a:fontRef>
+        </p:style>
+      </p:cxnSp>
+      <p:cxnSp>
+        <p:nvCxnSpPr>
+          <p:cNvPr id="21" name="直線コネクタ 20">
+            <a:extLst>
+              <a:ext uri="{FF2B5EF4-FFF2-40B4-BE49-F238E27FC236}">
+                <a16:creationId xmlns:a16="http://schemas.microsoft.com/office/drawing/2014/main" id="{B79D7BA4-2E29-3440-885C-23D5BDCB8262}"/>
+              </a:ext>
+            </a:extLst>
+          </p:cNvPr>
+          <p:cNvCxnSpPr>
+            <a:cxnSpLocks/>
+          </p:cNvCxnSpPr>
+          <p:nvPr/>
+        </p:nvCxnSpPr>
+        <p:spPr>
+          <a:xfrm>
+            <a:off x="3592758" y="1360967"/>
+            <a:ext cx="2058343" cy="3184275"/>
+          </a:xfrm>
+          <a:prstGeom prst="line">
+            <a:avLst/>
+          </a:prstGeom>
+          <a:ln w="19050">
+            <a:solidFill>
+              <a:srgbClr val="0432FF"/>
+            </a:solidFill>
+            <a:prstDash val="solid"/>
+          </a:ln>
+        </p:spPr>
+        <p:style>
+          <a:lnRef idx="1">
+            <a:schemeClr val="accent1"/>
+          </a:lnRef>
+          <a:fillRef idx="0">
+            <a:schemeClr val="accent1"/>
+          </a:fillRef>
+          <a:effectRef idx="0">
+            <a:schemeClr val="accent1"/>
+          </a:effectRef>
+          <a:fontRef idx="minor">
+            <a:schemeClr val="tx1"/>
+          </a:fontRef>
+        </p:style>
+      </p:cxnSp>
+      <p:sp>
+        <p:nvSpPr>
+          <p:cNvPr id="25" name="テキスト ボックス 24">
+            <a:extLst>
+              <a:ext uri="{FF2B5EF4-FFF2-40B4-BE49-F238E27FC236}">
+                <a16:creationId xmlns:a16="http://schemas.microsoft.com/office/drawing/2014/main" id="{AB287F6F-5E4B-4F42-A7AE-BB63BCD07E7E}"/>
+              </a:ext>
+            </a:extLst>
+          </p:cNvPr>
+          <p:cNvSpPr txBox="1"/>
+          <p:nvPr/>
+        </p:nvSpPr>
+        <p:spPr>
+          <a:xfrm>
+            <a:off x="6331733" y="899302"/>
+            <a:ext cx="1800493" cy="923330"/>
+          </a:xfrm>
+          <a:prstGeom prst="rect">
+            <a:avLst/>
+          </a:prstGeom>
+          <a:solidFill>
+            <a:schemeClr val="bg1"/>
+          </a:solidFill>
+          <a:ln>
+            <a:solidFill>
+              <a:schemeClr val="tx1"/>
+            </a:solidFill>
+          </a:ln>
+        </p:spPr>
+        <p:txBody>
+          <a:bodyPr wrap="none" rtlCol="0">
+            <a:spAutoFit/>
+          </a:bodyPr>
+          <a:lstStyle/>
+          <a:p>
+            <a:r>
+              <a:rPr lang="ja-JP" altLang="en-US">
+                <a:latin typeface="Meiryo" panose="020B0604030504040204" pitchFamily="34" charset="-128"/>
+                <a:ea typeface="Meiryo" panose="020B0604030504040204" pitchFamily="34" charset="-128"/>
+              </a:rPr>
+              <a:t>こちらの領域は</a:t>
+            </a:r>
+            <a:endParaRPr lang="en-US" altLang="ja-JP" dirty="0">
+              <a:latin typeface="Meiryo" panose="020B0604030504040204" pitchFamily="34" charset="-128"/>
+              <a:ea typeface="Meiryo" panose="020B0604030504040204" pitchFamily="34" charset="-128"/>
+            </a:endParaRPr>
+          </a:p>
+          <a:p>
+            <a:r>
+              <a:rPr lang="ja-JP" altLang="en-US">
+                <a:latin typeface="Meiryo" panose="020B0604030504040204" pitchFamily="34" charset="-128"/>
+                <a:ea typeface="Meiryo" panose="020B0604030504040204" pitchFamily="34" charset="-128"/>
+              </a:rPr>
+              <a:t>関数の</a:t>
+            </a:r>
+            <a:r>
+              <a:rPr kumimoji="1" lang="ja-JP" altLang="en-US">
+                <a:latin typeface="Meiryo" panose="020B0604030504040204" pitchFamily="34" charset="-128"/>
+                <a:ea typeface="Meiryo" panose="020B0604030504040204" pitchFamily="34" charset="-128"/>
+              </a:rPr>
+              <a:t>傾き</a:t>
+            </a:r>
+            <a:endParaRPr kumimoji="1" lang="en-US" altLang="ja-JP" dirty="0">
+              <a:latin typeface="Meiryo" panose="020B0604030504040204" pitchFamily="34" charset="-128"/>
+              <a:ea typeface="Meiryo" panose="020B0604030504040204" pitchFamily="34" charset="-128"/>
+            </a:endParaRPr>
+          </a:p>
+          <a:p>
+            <a:r>
+              <a:rPr lang="ja-JP" altLang="en-US">
+                <a:latin typeface="Meiryo" panose="020B0604030504040204" pitchFamily="34" charset="-128"/>
+                <a:ea typeface="Meiryo" panose="020B0604030504040204" pitchFamily="34" charset="-128"/>
+              </a:rPr>
+              <a:t>は正</a:t>
+            </a:r>
+            <a:endParaRPr kumimoji="1" lang="ja-JP" altLang="en-US">
+              <a:latin typeface="Meiryo" panose="020B0604030504040204" pitchFamily="34" charset="-128"/>
+              <a:ea typeface="Meiryo" panose="020B0604030504040204" pitchFamily="34" charset="-128"/>
+            </a:endParaRPr>
+          </a:p>
+        </p:txBody>
+      </p:sp>
+      <p:cxnSp>
+        <p:nvCxnSpPr>
+          <p:cNvPr id="26" name="直線コネクタ 25">
+            <a:extLst>
+              <a:ext uri="{FF2B5EF4-FFF2-40B4-BE49-F238E27FC236}">
+                <a16:creationId xmlns:a16="http://schemas.microsoft.com/office/drawing/2014/main" id="{929ADD27-AD6E-5C46-87E5-EFF60B930844}"/>
+              </a:ext>
+            </a:extLst>
+          </p:cNvPr>
+          <p:cNvCxnSpPr>
+            <a:cxnSpLocks/>
+          </p:cNvCxnSpPr>
+          <p:nvPr/>
+        </p:nvCxnSpPr>
+        <p:spPr>
+          <a:xfrm>
+            <a:off x="6214218" y="404037"/>
+            <a:ext cx="0" cy="4037987"/>
+          </a:xfrm>
+          <a:prstGeom prst="line">
+            <a:avLst/>
+          </a:prstGeom>
+          <a:ln w="57150">
+            <a:solidFill>
+              <a:srgbClr val="FFC000"/>
+            </a:solidFill>
+            <a:prstDash val="solid"/>
+          </a:ln>
+        </p:spPr>
+        <p:style>
+          <a:lnRef idx="1">
+            <a:schemeClr val="accent1"/>
+          </a:lnRef>
+          <a:fillRef idx="0">
+            <a:schemeClr val="accent1"/>
+          </a:fillRef>
+          <a:effectRef idx="0">
+            <a:schemeClr val="accent1"/>
+          </a:effectRef>
+          <a:fontRef idx="minor">
+            <a:schemeClr val="tx1"/>
+          </a:fontRef>
+        </p:style>
+      </p:cxnSp>
+      <p:sp>
+        <p:nvSpPr>
+          <p:cNvPr id="29" name="テキスト ボックス 28">
+            <a:extLst>
+              <a:ext uri="{FF2B5EF4-FFF2-40B4-BE49-F238E27FC236}">
+                <a16:creationId xmlns:a16="http://schemas.microsoft.com/office/drawing/2014/main" id="{46ED5240-F39B-B945-B198-975D9ED4B56F}"/>
+              </a:ext>
+            </a:extLst>
+          </p:cNvPr>
+          <p:cNvSpPr txBox="1"/>
+          <p:nvPr/>
+        </p:nvSpPr>
+        <p:spPr>
+          <a:xfrm>
+            <a:off x="4273508" y="899302"/>
+            <a:ext cx="1800493" cy="923330"/>
+          </a:xfrm>
+          <a:prstGeom prst="rect">
+            <a:avLst/>
+          </a:prstGeom>
+          <a:solidFill>
+            <a:schemeClr val="bg1"/>
+          </a:solidFill>
+          <a:ln>
+            <a:solidFill>
+              <a:schemeClr val="tx1"/>
+            </a:solidFill>
+          </a:ln>
+        </p:spPr>
+        <p:txBody>
+          <a:bodyPr wrap="none" rtlCol="0">
+            <a:spAutoFit/>
+          </a:bodyPr>
+          <a:lstStyle/>
+          <a:p>
+            <a:r>
+              <a:rPr lang="ja-JP" altLang="en-US">
+                <a:latin typeface="Meiryo" panose="020B0604030504040204" pitchFamily="34" charset="-128"/>
+                <a:ea typeface="Meiryo" panose="020B0604030504040204" pitchFamily="34" charset="-128"/>
+              </a:rPr>
+              <a:t>こちらの領域は</a:t>
+            </a:r>
+            <a:endParaRPr lang="en-US" altLang="ja-JP" dirty="0">
+              <a:latin typeface="Meiryo" panose="020B0604030504040204" pitchFamily="34" charset="-128"/>
+              <a:ea typeface="Meiryo" panose="020B0604030504040204" pitchFamily="34" charset="-128"/>
+            </a:endParaRPr>
+          </a:p>
+          <a:p>
+            <a:r>
+              <a:rPr lang="ja-JP" altLang="en-US">
+                <a:latin typeface="Meiryo" panose="020B0604030504040204" pitchFamily="34" charset="-128"/>
+                <a:ea typeface="Meiryo" panose="020B0604030504040204" pitchFamily="34" charset="-128"/>
+              </a:rPr>
+              <a:t>関数の</a:t>
+            </a:r>
+            <a:r>
+              <a:rPr kumimoji="1" lang="ja-JP" altLang="en-US">
+                <a:latin typeface="Meiryo" panose="020B0604030504040204" pitchFamily="34" charset="-128"/>
+                <a:ea typeface="Meiryo" panose="020B0604030504040204" pitchFamily="34" charset="-128"/>
+              </a:rPr>
+              <a:t>傾き</a:t>
+            </a:r>
+            <a:endParaRPr kumimoji="1" lang="en-US" altLang="ja-JP" dirty="0">
+              <a:latin typeface="Meiryo" panose="020B0604030504040204" pitchFamily="34" charset="-128"/>
+              <a:ea typeface="Meiryo" panose="020B0604030504040204" pitchFamily="34" charset="-128"/>
+            </a:endParaRPr>
+          </a:p>
+          <a:p>
+            <a:r>
+              <a:rPr lang="ja-JP" altLang="en-US">
+                <a:latin typeface="Meiryo" panose="020B0604030504040204" pitchFamily="34" charset="-128"/>
+                <a:ea typeface="Meiryo" panose="020B0604030504040204" pitchFamily="34" charset="-128"/>
+              </a:rPr>
+              <a:t>は負</a:t>
+            </a:r>
+            <a:endParaRPr kumimoji="1" lang="ja-JP" altLang="en-US">
+              <a:latin typeface="Meiryo" panose="020B0604030504040204" pitchFamily="34" charset="-128"/>
+              <a:ea typeface="Meiryo" panose="020B0604030504040204" pitchFamily="34" charset="-128"/>
+            </a:endParaRPr>
+          </a:p>
+        </p:txBody>
+      </p:sp>
+      <p:sp>
+        <p:nvSpPr>
+          <p:cNvPr id="30" name="右矢印 29">
+            <a:extLst>
+              <a:ext uri="{FF2B5EF4-FFF2-40B4-BE49-F238E27FC236}">
+                <a16:creationId xmlns:a16="http://schemas.microsoft.com/office/drawing/2014/main" id="{03ADA361-43EB-E647-88F7-78FC4EC027DA}"/>
+              </a:ext>
+            </a:extLst>
+          </p:cNvPr>
+          <p:cNvSpPr/>
+          <p:nvPr/>
+        </p:nvSpPr>
+        <p:spPr>
+          <a:xfrm flipH="1">
+            <a:off x="7623137" y="4050596"/>
+            <a:ext cx="426064" cy="646331"/>
+          </a:xfrm>
+          <a:prstGeom prst="rightArrow">
+            <a:avLst/>
+          </a:prstGeom>
+          <a:solidFill>
+            <a:srgbClr val="FFC000"/>
+          </a:solidFill>
+          <a:ln>
+            <a:solidFill>
+              <a:srgbClr val="FFC000"/>
+            </a:solidFill>
+          </a:ln>
+        </p:spPr>
+        <p:style>
+          <a:lnRef idx="2">
+            <a:schemeClr val="accent1">
+              <a:shade val="50000"/>
+            </a:schemeClr>
+          </a:lnRef>
+          <a:fillRef idx="1">
+            <a:schemeClr val="accent1"/>
+          </a:fillRef>
+          <a:effectRef idx="0">
+            <a:schemeClr val="accent1"/>
+          </a:effectRef>
+          <a:fontRef idx="minor">
+            <a:schemeClr val="lt1"/>
+          </a:fontRef>
+        </p:style>
+        <p:txBody>
+          <a:bodyPr rtlCol="0" anchor="ctr"/>
+          <a:lstStyle/>
+          <a:p>
+            <a:pPr algn="ctr"/>
+            <a:endParaRPr kumimoji="1" lang="ja-JP" altLang="en-US"/>
+          </a:p>
+        </p:txBody>
+      </p:sp>
+      <p:sp>
+        <p:nvSpPr>
+          <p:cNvPr id="31" name="右矢印 30">
+            <a:extLst>
+              <a:ext uri="{FF2B5EF4-FFF2-40B4-BE49-F238E27FC236}">
+                <a16:creationId xmlns:a16="http://schemas.microsoft.com/office/drawing/2014/main" id="{08F0C310-07E8-4342-AF44-9212B5F02814}"/>
+              </a:ext>
+            </a:extLst>
+          </p:cNvPr>
+          <p:cNvSpPr/>
+          <p:nvPr/>
+        </p:nvSpPr>
+        <p:spPr>
+          <a:xfrm>
+            <a:off x="4897315" y="4067612"/>
+            <a:ext cx="426064" cy="646331"/>
+          </a:xfrm>
+          <a:prstGeom prst="rightArrow">
+            <a:avLst/>
+          </a:prstGeom>
+          <a:solidFill>
+            <a:srgbClr val="FFC000"/>
+          </a:solidFill>
+          <a:ln>
+            <a:solidFill>
+              <a:srgbClr val="FFC000"/>
+            </a:solidFill>
+          </a:ln>
+        </p:spPr>
+        <p:style>
+          <a:lnRef idx="2">
+            <a:schemeClr val="accent1">
+              <a:shade val="50000"/>
+            </a:schemeClr>
+          </a:lnRef>
+          <a:fillRef idx="1">
+            <a:schemeClr val="accent1"/>
+          </a:fillRef>
+          <a:effectRef idx="0">
+            <a:schemeClr val="accent1"/>
+          </a:effectRef>
+          <a:fontRef idx="minor">
+            <a:schemeClr val="lt1"/>
+          </a:fontRef>
+        </p:style>
+        <p:txBody>
+          <a:bodyPr rtlCol="0" anchor="ctr"/>
+          <a:lstStyle/>
+          <a:p>
+            <a:pPr algn="ctr"/>
+            <a:endParaRPr kumimoji="1" lang="ja-JP" altLang="en-US"/>
+          </a:p>
+        </p:txBody>
+      </p:sp>
+    </p:spTree>
+    <p:extLst>
+      <p:ext uri="{BB962C8B-B14F-4D97-AF65-F5344CB8AC3E}">
+        <p14:creationId xmlns:p14="http://schemas.microsoft.com/office/powerpoint/2010/main" val="2035842139"/>
+      </p:ext>
+    </p:extLst>
+  </p:cSld>
+  <p:clrMapOvr>
+    <a:masterClrMapping/>
+  </p:clrMapOvr>
+</p:sld>
+</file>
+
+<file path=ppt/slides/slide6.xml><?xml version="1.0" encoding="utf-8"?>
+<p:sld xmlns:a="http://schemas.openxmlformats.org/drawingml/2006/main" xmlns:r="http://schemas.openxmlformats.org/officeDocument/2006/relationships" xmlns:p="http://schemas.openxmlformats.org/presentationml/2006/main">
+  <p:cSld>
+    <p:spTree>
+      <p:nvGrpSpPr>
+        <p:cNvPr id="1" name=""/>
+        <p:cNvGrpSpPr/>
+        <p:nvPr/>
+      </p:nvGrpSpPr>
+      <p:grpSpPr>
+        <a:xfrm>
+          <a:off x="0" y="0"/>
+          <a:ext cx="0" cy="0"/>
+          <a:chOff x="0" y="0"/>
+          <a:chExt cx="0" cy="0"/>
+        </a:xfrm>
+      </p:grpSpPr>
+      <p:pic>
+        <p:nvPicPr>
+          <p:cNvPr id="3" name="図 2" descr="地図 が含まれている画像&#10;&#10;自動的に生成された説明">
+            <a:extLst>
+              <a:ext uri="{FF2B5EF4-FFF2-40B4-BE49-F238E27FC236}">
+                <a16:creationId xmlns:a16="http://schemas.microsoft.com/office/drawing/2014/main" id="{DFAA0A54-C8CF-2845-847A-5427929E557F}"/>
+              </a:ext>
+            </a:extLst>
+          </p:cNvPr>
+          <p:cNvPicPr>
+            <a:picLocks noChangeAspect="1"/>
+          </p:cNvPicPr>
+          <p:nvPr/>
+        </p:nvPicPr>
+        <p:blipFill>
+          <a:blip r:embed="rId2"/>
+          <a:stretch>
+            <a:fillRect/>
+          </a:stretch>
+        </p:blipFill>
+        <p:spPr>
+          <a:xfrm>
+            <a:off x="3048000" y="185057"/>
+            <a:ext cx="6096000" cy="4572000"/>
+          </a:xfrm>
+          <a:prstGeom prst="rect">
+            <a:avLst/>
+          </a:prstGeom>
+        </p:spPr>
+      </p:pic>
+      <p:cxnSp>
+        <p:nvCxnSpPr>
+          <p:cNvPr id="15" name="直線コネクタ 14">
+            <a:extLst>
+              <a:ext uri="{FF2B5EF4-FFF2-40B4-BE49-F238E27FC236}">
+                <a16:creationId xmlns:a16="http://schemas.microsoft.com/office/drawing/2014/main" id="{8DBE8C4C-2B34-F040-A963-BCEDB2A55CD9}"/>
+              </a:ext>
+            </a:extLst>
+          </p:cNvPr>
           <p:cNvCxnSpPr>
             <a:cxnSpLocks/>
           </p:cNvCxnSpPr>
@@ -7202,7 +8257,7 @@
 </p:sld>
 </file>
 
-<file path=ppt/slides/slide6.xml><?xml version="1.0" encoding="utf-8"?>
+<file path=ppt/slides/slide7.xml><?xml version="1.0" encoding="utf-8"?>
 <p:sld xmlns:a="http://schemas.openxmlformats.org/drawingml/2006/main" xmlns:r="http://schemas.openxmlformats.org/officeDocument/2006/relationships" xmlns:p="http://schemas.openxmlformats.org/presentationml/2006/main">
   <p:cSld>
     <p:spTree>
